--- a/Bootstrap.pptx
+++ b/Bootstrap.pptx
@@ -5,48 +5,51 @@
     <p:sldMasterId id="2147483659" r:id="rId1"/>
   </p:sldMasterIdLst>
   <p:notesMasterIdLst>
-    <p:notesMasterId r:id="rId10"/>
+    <p:notesMasterId r:id="rId20"/>
   </p:notesMasterIdLst>
   <p:sldIdLst>
     <p:sldId id="256" r:id="rId2"/>
-    <p:sldId id="259" r:id="rId3"/>
-    <p:sldId id="318" r:id="rId4"/>
-    <p:sldId id="319" r:id="rId5"/>
-    <p:sldId id="320" r:id="rId6"/>
-    <p:sldId id="321" r:id="rId7"/>
-    <p:sldId id="322" r:id="rId8"/>
-    <p:sldId id="323" r:id="rId9"/>
+    <p:sldId id="258" r:id="rId3"/>
+    <p:sldId id="259" r:id="rId4"/>
+    <p:sldId id="318" r:id="rId5"/>
+    <p:sldId id="319" r:id="rId6"/>
+    <p:sldId id="320" r:id="rId7"/>
+    <p:sldId id="321" r:id="rId8"/>
+    <p:sldId id="322" r:id="rId9"/>
+    <p:sldId id="323" r:id="rId10"/>
+    <p:sldId id="324" r:id="rId11"/>
+    <p:sldId id="325" r:id="rId12"/>
+    <p:sldId id="326" r:id="rId13"/>
+    <p:sldId id="327" r:id="rId14"/>
+    <p:sldId id="328" r:id="rId15"/>
+    <p:sldId id="329" r:id="rId16"/>
+    <p:sldId id="330" r:id="rId17"/>
+    <p:sldId id="331" r:id="rId18"/>
+    <p:sldId id="332" r:id="rId19"/>
   </p:sldIdLst>
   <p:sldSz cx="9144000" cy="5143500" type="screen16x9"/>
   <p:notesSz cx="6858000" cy="9144000"/>
   <p:embeddedFontLst>
     <p:embeddedFont>
       <p:font typeface="Segoe UI" panose="020B0502040204020203" pitchFamily="34" charset="0"/>
-      <p:regular r:id="rId11"/>
-      <p:bold r:id="rId12"/>
-      <p:italic r:id="rId13"/>
-      <p:boldItalic r:id="rId14"/>
+      <p:regular r:id="rId21"/>
+      <p:bold r:id="rId22"/>
+      <p:italic r:id="rId23"/>
+      <p:boldItalic r:id="rId24"/>
     </p:embeddedFont>
     <p:embeddedFont>
-      <p:font typeface="Verdana" panose="020B0604030504040204" pitchFamily="34" charset="0"/>
-      <p:regular r:id="rId15"/>
-      <p:bold r:id="rId16"/>
-      <p:italic r:id="rId17"/>
-      <p:boldItalic r:id="rId18"/>
+      <p:font typeface="Roboto" panose="020B0604020202020204" charset="0"/>
+      <p:regular r:id="rId25"/>
+      <p:bold r:id="rId26"/>
+      <p:italic r:id="rId27"/>
+      <p:boldItalic r:id="rId28"/>
     </p:embeddedFont>
     <p:embeddedFont>
       <p:font typeface="Consolas" panose="020B0609020204030204" pitchFamily="49" charset="0"/>
-      <p:regular r:id="rId19"/>
-      <p:bold r:id="rId20"/>
-      <p:italic r:id="rId21"/>
-      <p:boldItalic r:id="rId22"/>
-    </p:embeddedFont>
-    <p:embeddedFont>
-      <p:font typeface="Roboto" panose="020B0604020202020204" charset="0"/>
-      <p:regular r:id="rId23"/>
-      <p:bold r:id="rId24"/>
-      <p:italic r:id="rId25"/>
-      <p:boldItalic r:id="rId26"/>
+      <p:regular r:id="rId29"/>
+      <p:bold r:id="rId30"/>
+      <p:italic r:id="rId31"/>
+      <p:boldItalic r:id="rId32"/>
     </p:embeddedFont>
   </p:embeddedFontLst>
   <p:defaultTextStyle>
@@ -847,7 +850,7 @@
 </p:notes>
 </file>
 
-<file path=ppt/notesSlides/notesSlide2.xml><?xml version="1.0" encoding="utf-8"?>
+<file path=ppt/notesSlides/notesSlide10.xml><?xml version="1.0" encoding="utf-8"?>
 <p:notes xmlns:a="http://schemas.openxmlformats.org/drawingml/2006/main" xmlns:r="http://schemas.openxmlformats.org/officeDocument/2006/relationships" xmlns:p="http://schemas.openxmlformats.org/presentationml/2006/main" showMasterSp="0" showMasterPhAnim="0">
   <p:cSld>
     <p:spTree>
@@ -908,6 +911,942 @@
       <p:sp>
         <p:nvSpPr>
           <p:cNvPr id="101" name="Google Shape;101;g2ddc889944f_0_0:notes"/>
+          <p:cNvSpPr txBox="1">
+            <a:spLocks noGrp="1"/>
+          </p:cNvSpPr>
+          <p:nvPr>
+            <p:ph type="body" idx="1"/>
+          </p:nvPr>
+        </p:nvSpPr>
+        <p:spPr>
+          <a:xfrm>
+            <a:off x="685800" y="4343400"/>
+            <a:ext cx="5486400" cy="4114800"/>
+          </a:xfrm>
+          <a:prstGeom prst="rect">
+            <a:avLst/>
+          </a:prstGeom>
+        </p:spPr>
+        <p:txBody>
+          <a:bodyPr spcFirstLastPara="1" wrap="square" lIns="91425" tIns="91425" rIns="91425" bIns="91425" anchor="t" anchorCtr="0">
+            <a:noAutofit/>
+          </a:bodyPr>
+          <a:lstStyle/>
+          <a:p>
+            <a:pPr marL="0" lvl="0" indent="0" algn="l" rtl="0">
+              <a:spcBef>
+                <a:spcPts val="0"/>
+              </a:spcBef>
+              <a:spcAft>
+                <a:spcPts val="0"/>
+              </a:spcAft>
+              <a:buNone/>
+            </a:pPr>
+            <a:endParaRPr/>
+          </a:p>
+        </p:txBody>
+      </p:sp>
+    </p:spTree>
+  </p:cSld>
+  <p:clrMapOvr>
+    <a:masterClrMapping/>
+  </p:clrMapOvr>
+</p:notes>
+</file>
+
+<file path=ppt/notesSlides/notesSlide11.xml><?xml version="1.0" encoding="utf-8"?>
+<p:notes xmlns:a="http://schemas.openxmlformats.org/drawingml/2006/main" xmlns:r="http://schemas.openxmlformats.org/officeDocument/2006/relationships" xmlns:p="http://schemas.openxmlformats.org/presentationml/2006/main" showMasterSp="0" showMasterPhAnim="0">
+  <p:cSld>
+    <p:spTree>
+      <p:nvGrpSpPr>
+        <p:cNvPr id="1" name="Shape 99"/>
+        <p:cNvGrpSpPr/>
+        <p:nvPr/>
+      </p:nvGrpSpPr>
+      <p:grpSpPr>
+        <a:xfrm>
+          <a:off x="0" y="0"/>
+          <a:ext cx="0" cy="0"/>
+          <a:chOff x="0" y="0"/>
+          <a:chExt cx="0" cy="0"/>
+        </a:xfrm>
+      </p:grpSpPr>
+      <p:sp>
+        <p:nvSpPr>
+          <p:cNvPr id="100" name="Google Shape;100;g2ddc889944f_0_0:notes"/>
+          <p:cNvSpPr>
+            <a:spLocks noGrp="1" noRot="1" noChangeAspect="1"/>
+          </p:cNvSpPr>
+          <p:nvPr>
+            <p:ph type="sldImg" idx="2"/>
+          </p:nvPr>
+        </p:nvSpPr>
+        <p:spPr>
+          <a:xfrm>
+            <a:off x="381000" y="685800"/>
+            <a:ext cx="6096000" cy="3429000"/>
+          </a:xfrm>
+          <a:custGeom>
+            <a:avLst/>
+            <a:gdLst/>
+            <a:ahLst/>
+            <a:cxnLst/>
+            <a:rect l="l" t="t" r="r" b="b"/>
+            <a:pathLst>
+              <a:path w="120000" h="120000" extrusionOk="0">
+                <a:moveTo>
+                  <a:pt x="0" y="0"/>
+                </a:moveTo>
+                <a:lnTo>
+                  <a:pt x="120000" y="0"/>
+                </a:lnTo>
+                <a:lnTo>
+                  <a:pt x="120000" y="120000"/>
+                </a:lnTo>
+                <a:lnTo>
+                  <a:pt x="0" y="120000"/>
+                </a:lnTo>
+                <a:close/>
+              </a:path>
+            </a:pathLst>
+          </a:custGeom>
+        </p:spPr>
+      </p:sp>
+      <p:sp>
+        <p:nvSpPr>
+          <p:cNvPr id="101" name="Google Shape;101;g2ddc889944f_0_0:notes"/>
+          <p:cNvSpPr txBox="1">
+            <a:spLocks noGrp="1"/>
+          </p:cNvSpPr>
+          <p:nvPr>
+            <p:ph type="body" idx="1"/>
+          </p:nvPr>
+        </p:nvSpPr>
+        <p:spPr>
+          <a:xfrm>
+            <a:off x="685800" y="4343400"/>
+            <a:ext cx="5486400" cy="4114800"/>
+          </a:xfrm>
+          <a:prstGeom prst="rect">
+            <a:avLst/>
+          </a:prstGeom>
+        </p:spPr>
+        <p:txBody>
+          <a:bodyPr spcFirstLastPara="1" wrap="square" lIns="91425" tIns="91425" rIns="91425" bIns="91425" anchor="t" anchorCtr="0">
+            <a:noAutofit/>
+          </a:bodyPr>
+          <a:lstStyle/>
+          <a:p>
+            <a:pPr marL="0" lvl="0" indent="0" algn="l" rtl="0">
+              <a:spcBef>
+                <a:spcPts val="0"/>
+              </a:spcBef>
+              <a:spcAft>
+                <a:spcPts val="0"/>
+              </a:spcAft>
+              <a:buNone/>
+            </a:pPr>
+            <a:endParaRPr/>
+          </a:p>
+        </p:txBody>
+      </p:sp>
+    </p:spTree>
+  </p:cSld>
+  <p:clrMapOvr>
+    <a:masterClrMapping/>
+  </p:clrMapOvr>
+</p:notes>
+</file>
+
+<file path=ppt/notesSlides/notesSlide12.xml><?xml version="1.0" encoding="utf-8"?>
+<p:notes xmlns:a="http://schemas.openxmlformats.org/drawingml/2006/main" xmlns:r="http://schemas.openxmlformats.org/officeDocument/2006/relationships" xmlns:p="http://schemas.openxmlformats.org/presentationml/2006/main" showMasterSp="0" showMasterPhAnim="0">
+  <p:cSld>
+    <p:spTree>
+      <p:nvGrpSpPr>
+        <p:cNvPr id="1" name="Shape 99"/>
+        <p:cNvGrpSpPr/>
+        <p:nvPr/>
+      </p:nvGrpSpPr>
+      <p:grpSpPr>
+        <a:xfrm>
+          <a:off x="0" y="0"/>
+          <a:ext cx="0" cy="0"/>
+          <a:chOff x="0" y="0"/>
+          <a:chExt cx="0" cy="0"/>
+        </a:xfrm>
+      </p:grpSpPr>
+      <p:sp>
+        <p:nvSpPr>
+          <p:cNvPr id="100" name="Google Shape;100;g2ddc889944f_0_0:notes"/>
+          <p:cNvSpPr>
+            <a:spLocks noGrp="1" noRot="1" noChangeAspect="1"/>
+          </p:cNvSpPr>
+          <p:nvPr>
+            <p:ph type="sldImg" idx="2"/>
+          </p:nvPr>
+        </p:nvSpPr>
+        <p:spPr>
+          <a:xfrm>
+            <a:off x="381000" y="685800"/>
+            <a:ext cx="6096000" cy="3429000"/>
+          </a:xfrm>
+          <a:custGeom>
+            <a:avLst/>
+            <a:gdLst/>
+            <a:ahLst/>
+            <a:cxnLst/>
+            <a:rect l="l" t="t" r="r" b="b"/>
+            <a:pathLst>
+              <a:path w="120000" h="120000" extrusionOk="0">
+                <a:moveTo>
+                  <a:pt x="0" y="0"/>
+                </a:moveTo>
+                <a:lnTo>
+                  <a:pt x="120000" y="0"/>
+                </a:lnTo>
+                <a:lnTo>
+                  <a:pt x="120000" y="120000"/>
+                </a:lnTo>
+                <a:lnTo>
+                  <a:pt x="0" y="120000"/>
+                </a:lnTo>
+                <a:close/>
+              </a:path>
+            </a:pathLst>
+          </a:custGeom>
+        </p:spPr>
+      </p:sp>
+      <p:sp>
+        <p:nvSpPr>
+          <p:cNvPr id="101" name="Google Shape;101;g2ddc889944f_0_0:notes"/>
+          <p:cNvSpPr txBox="1">
+            <a:spLocks noGrp="1"/>
+          </p:cNvSpPr>
+          <p:nvPr>
+            <p:ph type="body" idx="1"/>
+          </p:nvPr>
+        </p:nvSpPr>
+        <p:spPr>
+          <a:xfrm>
+            <a:off x="685800" y="4343400"/>
+            <a:ext cx="5486400" cy="4114800"/>
+          </a:xfrm>
+          <a:prstGeom prst="rect">
+            <a:avLst/>
+          </a:prstGeom>
+        </p:spPr>
+        <p:txBody>
+          <a:bodyPr spcFirstLastPara="1" wrap="square" lIns="91425" tIns="91425" rIns="91425" bIns="91425" anchor="t" anchorCtr="0">
+            <a:noAutofit/>
+          </a:bodyPr>
+          <a:lstStyle/>
+          <a:p>
+            <a:pPr marL="0" lvl="0" indent="0" algn="l" rtl="0">
+              <a:spcBef>
+                <a:spcPts val="0"/>
+              </a:spcBef>
+              <a:spcAft>
+                <a:spcPts val="0"/>
+              </a:spcAft>
+              <a:buNone/>
+            </a:pPr>
+            <a:endParaRPr/>
+          </a:p>
+        </p:txBody>
+      </p:sp>
+    </p:spTree>
+  </p:cSld>
+  <p:clrMapOvr>
+    <a:masterClrMapping/>
+  </p:clrMapOvr>
+</p:notes>
+</file>
+
+<file path=ppt/notesSlides/notesSlide13.xml><?xml version="1.0" encoding="utf-8"?>
+<p:notes xmlns:a="http://schemas.openxmlformats.org/drawingml/2006/main" xmlns:r="http://schemas.openxmlformats.org/officeDocument/2006/relationships" xmlns:p="http://schemas.openxmlformats.org/presentationml/2006/main" showMasterSp="0" showMasterPhAnim="0">
+  <p:cSld>
+    <p:spTree>
+      <p:nvGrpSpPr>
+        <p:cNvPr id="1" name="Shape 99"/>
+        <p:cNvGrpSpPr/>
+        <p:nvPr/>
+      </p:nvGrpSpPr>
+      <p:grpSpPr>
+        <a:xfrm>
+          <a:off x="0" y="0"/>
+          <a:ext cx="0" cy="0"/>
+          <a:chOff x="0" y="0"/>
+          <a:chExt cx="0" cy="0"/>
+        </a:xfrm>
+      </p:grpSpPr>
+      <p:sp>
+        <p:nvSpPr>
+          <p:cNvPr id="100" name="Google Shape;100;g2ddc889944f_0_0:notes"/>
+          <p:cNvSpPr>
+            <a:spLocks noGrp="1" noRot="1" noChangeAspect="1"/>
+          </p:cNvSpPr>
+          <p:nvPr>
+            <p:ph type="sldImg" idx="2"/>
+          </p:nvPr>
+        </p:nvSpPr>
+        <p:spPr>
+          <a:xfrm>
+            <a:off x="381000" y="685800"/>
+            <a:ext cx="6096000" cy="3429000"/>
+          </a:xfrm>
+          <a:custGeom>
+            <a:avLst/>
+            <a:gdLst/>
+            <a:ahLst/>
+            <a:cxnLst/>
+            <a:rect l="l" t="t" r="r" b="b"/>
+            <a:pathLst>
+              <a:path w="120000" h="120000" extrusionOk="0">
+                <a:moveTo>
+                  <a:pt x="0" y="0"/>
+                </a:moveTo>
+                <a:lnTo>
+                  <a:pt x="120000" y="0"/>
+                </a:lnTo>
+                <a:lnTo>
+                  <a:pt x="120000" y="120000"/>
+                </a:lnTo>
+                <a:lnTo>
+                  <a:pt x="0" y="120000"/>
+                </a:lnTo>
+                <a:close/>
+              </a:path>
+            </a:pathLst>
+          </a:custGeom>
+        </p:spPr>
+      </p:sp>
+      <p:sp>
+        <p:nvSpPr>
+          <p:cNvPr id="101" name="Google Shape;101;g2ddc889944f_0_0:notes"/>
+          <p:cNvSpPr txBox="1">
+            <a:spLocks noGrp="1"/>
+          </p:cNvSpPr>
+          <p:nvPr>
+            <p:ph type="body" idx="1"/>
+          </p:nvPr>
+        </p:nvSpPr>
+        <p:spPr>
+          <a:xfrm>
+            <a:off x="685800" y="4343400"/>
+            <a:ext cx="5486400" cy="4114800"/>
+          </a:xfrm>
+          <a:prstGeom prst="rect">
+            <a:avLst/>
+          </a:prstGeom>
+        </p:spPr>
+        <p:txBody>
+          <a:bodyPr spcFirstLastPara="1" wrap="square" lIns="91425" tIns="91425" rIns="91425" bIns="91425" anchor="t" anchorCtr="0">
+            <a:noAutofit/>
+          </a:bodyPr>
+          <a:lstStyle/>
+          <a:p>
+            <a:pPr marL="0" lvl="0" indent="0" algn="l" rtl="0">
+              <a:spcBef>
+                <a:spcPts val="0"/>
+              </a:spcBef>
+              <a:spcAft>
+                <a:spcPts val="0"/>
+              </a:spcAft>
+              <a:buNone/>
+            </a:pPr>
+            <a:endParaRPr/>
+          </a:p>
+        </p:txBody>
+      </p:sp>
+    </p:spTree>
+  </p:cSld>
+  <p:clrMapOvr>
+    <a:masterClrMapping/>
+  </p:clrMapOvr>
+</p:notes>
+</file>
+
+<file path=ppt/notesSlides/notesSlide14.xml><?xml version="1.0" encoding="utf-8"?>
+<p:notes xmlns:a="http://schemas.openxmlformats.org/drawingml/2006/main" xmlns:r="http://schemas.openxmlformats.org/officeDocument/2006/relationships" xmlns:p="http://schemas.openxmlformats.org/presentationml/2006/main" showMasterSp="0" showMasterPhAnim="0">
+  <p:cSld>
+    <p:spTree>
+      <p:nvGrpSpPr>
+        <p:cNvPr id="1" name="Shape 99"/>
+        <p:cNvGrpSpPr/>
+        <p:nvPr/>
+      </p:nvGrpSpPr>
+      <p:grpSpPr>
+        <a:xfrm>
+          <a:off x="0" y="0"/>
+          <a:ext cx="0" cy="0"/>
+          <a:chOff x="0" y="0"/>
+          <a:chExt cx="0" cy="0"/>
+        </a:xfrm>
+      </p:grpSpPr>
+      <p:sp>
+        <p:nvSpPr>
+          <p:cNvPr id="100" name="Google Shape;100;g2ddc889944f_0_0:notes"/>
+          <p:cNvSpPr>
+            <a:spLocks noGrp="1" noRot="1" noChangeAspect="1"/>
+          </p:cNvSpPr>
+          <p:nvPr>
+            <p:ph type="sldImg" idx="2"/>
+          </p:nvPr>
+        </p:nvSpPr>
+        <p:spPr>
+          <a:xfrm>
+            <a:off x="381000" y="685800"/>
+            <a:ext cx="6096000" cy="3429000"/>
+          </a:xfrm>
+          <a:custGeom>
+            <a:avLst/>
+            <a:gdLst/>
+            <a:ahLst/>
+            <a:cxnLst/>
+            <a:rect l="l" t="t" r="r" b="b"/>
+            <a:pathLst>
+              <a:path w="120000" h="120000" extrusionOk="0">
+                <a:moveTo>
+                  <a:pt x="0" y="0"/>
+                </a:moveTo>
+                <a:lnTo>
+                  <a:pt x="120000" y="0"/>
+                </a:lnTo>
+                <a:lnTo>
+                  <a:pt x="120000" y="120000"/>
+                </a:lnTo>
+                <a:lnTo>
+                  <a:pt x="0" y="120000"/>
+                </a:lnTo>
+                <a:close/>
+              </a:path>
+            </a:pathLst>
+          </a:custGeom>
+        </p:spPr>
+      </p:sp>
+      <p:sp>
+        <p:nvSpPr>
+          <p:cNvPr id="101" name="Google Shape;101;g2ddc889944f_0_0:notes"/>
+          <p:cNvSpPr txBox="1">
+            <a:spLocks noGrp="1"/>
+          </p:cNvSpPr>
+          <p:nvPr>
+            <p:ph type="body" idx="1"/>
+          </p:nvPr>
+        </p:nvSpPr>
+        <p:spPr>
+          <a:xfrm>
+            <a:off x="685800" y="4343400"/>
+            <a:ext cx="5486400" cy="4114800"/>
+          </a:xfrm>
+          <a:prstGeom prst="rect">
+            <a:avLst/>
+          </a:prstGeom>
+        </p:spPr>
+        <p:txBody>
+          <a:bodyPr spcFirstLastPara="1" wrap="square" lIns="91425" tIns="91425" rIns="91425" bIns="91425" anchor="t" anchorCtr="0">
+            <a:noAutofit/>
+          </a:bodyPr>
+          <a:lstStyle/>
+          <a:p>
+            <a:pPr marL="0" lvl="0" indent="0" algn="l" rtl="0">
+              <a:spcBef>
+                <a:spcPts val="0"/>
+              </a:spcBef>
+              <a:spcAft>
+                <a:spcPts val="0"/>
+              </a:spcAft>
+              <a:buNone/>
+            </a:pPr>
+            <a:endParaRPr/>
+          </a:p>
+        </p:txBody>
+      </p:sp>
+    </p:spTree>
+  </p:cSld>
+  <p:clrMapOvr>
+    <a:masterClrMapping/>
+  </p:clrMapOvr>
+</p:notes>
+</file>
+
+<file path=ppt/notesSlides/notesSlide15.xml><?xml version="1.0" encoding="utf-8"?>
+<p:notes xmlns:a="http://schemas.openxmlformats.org/drawingml/2006/main" xmlns:r="http://schemas.openxmlformats.org/officeDocument/2006/relationships" xmlns:p="http://schemas.openxmlformats.org/presentationml/2006/main" showMasterSp="0" showMasterPhAnim="0">
+  <p:cSld>
+    <p:spTree>
+      <p:nvGrpSpPr>
+        <p:cNvPr id="1" name="Shape 99"/>
+        <p:cNvGrpSpPr/>
+        <p:nvPr/>
+      </p:nvGrpSpPr>
+      <p:grpSpPr>
+        <a:xfrm>
+          <a:off x="0" y="0"/>
+          <a:ext cx="0" cy="0"/>
+          <a:chOff x="0" y="0"/>
+          <a:chExt cx="0" cy="0"/>
+        </a:xfrm>
+      </p:grpSpPr>
+      <p:sp>
+        <p:nvSpPr>
+          <p:cNvPr id="100" name="Google Shape;100;g2ddc889944f_0_0:notes"/>
+          <p:cNvSpPr>
+            <a:spLocks noGrp="1" noRot="1" noChangeAspect="1"/>
+          </p:cNvSpPr>
+          <p:nvPr>
+            <p:ph type="sldImg" idx="2"/>
+          </p:nvPr>
+        </p:nvSpPr>
+        <p:spPr>
+          <a:xfrm>
+            <a:off x="381000" y="685800"/>
+            <a:ext cx="6096000" cy="3429000"/>
+          </a:xfrm>
+          <a:custGeom>
+            <a:avLst/>
+            <a:gdLst/>
+            <a:ahLst/>
+            <a:cxnLst/>
+            <a:rect l="l" t="t" r="r" b="b"/>
+            <a:pathLst>
+              <a:path w="120000" h="120000" extrusionOk="0">
+                <a:moveTo>
+                  <a:pt x="0" y="0"/>
+                </a:moveTo>
+                <a:lnTo>
+                  <a:pt x="120000" y="0"/>
+                </a:lnTo>
+                <a:lnTo>
+                  <a:pt x="120000" y="120000"/>
+                </a:lnTo>
+                <a:lnTo>
+                  <a:pt x="0" y="120000"/>
+                </a:lnTo>
+                <a:close/>
+              </a:path>
+            </a:pathLst>
+          </a:custGeom>
+        </p:spPr>
+      </p:sp>
+      <p:sp>
+        <p:nvSpPr>
+          <p:cNvPr id="101" name="Google Shape;101;g2ddc889944f_0_0:notes"/>
+          <p:cNvSpPr txBox="1">
+            <a:spLocks noGrp="1"/>
+          </p:cNvSpPr>
+          <p:nvPr>
+            <p:ph type="body" idx="1"/>
+          </p:nvPr>
+        </p:nvSpPr>
+        <p:spPr>
+          <a:xfrm>
+            <a:off x="685800" y="4343400"/>
+            <a:ext cx="5486400" cy="4114800"/>
+          </a:xfrm>
+          <a:prstGeom prst="rect">
+            <a:avLst/>
+          </a:prstGeom>
+        </p:spPr>
+        <p:txBody>
+          <a:bodyPr spcFirstLastPara="1" wrap="square" lIns="91425" tIns="91425" rIns="91425" bIns="91425" anchor="t" anchorCtr="0">
+            <a:noAutofit/>
+          </a:bodyPr>
+          <a:lstStyle/>
+          <a:p>
+            <a:pPr marL="0" lvl="0" indent="0" algn="l" rtl="0">
+              <a:spcBef>
+                <a:spcPts val="0"/>
+              </a:spcBef>
+              <a:spcAft>
+                <a:spcPts val="0"/>
+              </a:spcAft>
+              <a:buNone/>
+            </a:pPr>
+            <a:endParaRPr/>
+          </a:p>
+        </p:txBody>
+      </p:sp>
+    </p:spTree>
+  </p:cSld>
+  <p:clrMapOvr>
+    <a:masterClrMapping/>
+  </p:clrMapOvr>
+</p:notes>
+</file>
+
+<file path=ppt/notesSlides/notesSlide16.xml><?xml version="1.0" encoding="utf-8"?>
+<p:notes xmlns:a="http://schemas.openxmlformats.org/drawingml/2006/main" xmlns:r="http://schemas.openxmlformats.org/officeDocument/2006/relationships" xmlns:p="http://schemas.openxmlformats.org/presentationml/2006/main" showMasterSp="0" showMasterPhAnim="0">
+  <p:cSld>
+    <p:spTree>
+      <p:nvGrpSpPr>
+        <p:cNvPr id="1" name="Shape 99"/>
+        <p:cNvGrpSpPr/>
+        <p:nvPr/>
+      </p:nvGrpSpPr>
+      <p:grpSpPr>
+        <a:xfrm>
+          <a:off x="0" y="0"/>
+          <a:ext cx="0" cy="0"/>
+          <a:chOff x="0" y="0"/>
+          <a:chExt cx="0" cy="0"/>
+        </a:xfrm>
+      </p:grpSpPr>
+      <p:sp>
+        <p:nvSpPr>
+          <p:cNvPr id="100" name="Google Shape;100;g2ddc889944f_0_0:notes"/>
+          <p:cNvSpPr>
+            <a:spLocks noGrp="1" noRot="1" noChangeAspect="1"/>
+          </p:cNvSpPr>
+          <p:nvPr>
+            <p:ph type="sldImg" idx="2"/>
+          </p:nvPr>
+        </p:nvSpPr>
+        <p:spPr>
+          <a:xfrm>
+            <a:off x="381000" y="685800"/>
+            <a:ext cx="6096000" cy="3429000"/>
+          </a:xfrm>
+          <a:custGeom>
+            <a:avLst/>
+            <a:gdLst/>
+            <a:ahLst/>
+            <a:cxnLst/>
+            <a:rect l="l" t="t" r="r" b="b"/>
+            <a:pathLst>
+              <a:path w="120000" h="120000" extrusionOk="0">
+                <a:moveTo>
+                  <a:pt x="0" y="0"/>
+                </a:moveTo>
+                <a:lnTo>
+                  <a:pt x="120000" y="0"/>
+                </a:lnTo>
+                <a:lnTo>
+                  <a:pt x="120000" y="120000"/>
+                </a:lnTo>
+                <a:lnTo>
+                  <a:pt x="0" y="120000"/>
+                </a:lnTo>
+                <a:close/>
+              </a:path>
+            </a:pathLst>
+          </a:custGeom>
+        </p:spPr>
+      </p:sp>
+      <p:sp>
+        <p:nvSpPr>
+          <p:cNvPr id="101" name="Google Shape;101;g2ddc889944f_0_0:notes"/>
+          <p:cNvSpPr txBox="1">
+            <a:spLocks noGrp="1"/>
+          </p:cNvSpPr>
+          <p:nvPr>
+            <p:ph type="body" idx="1"/>
+          </p:nvPr>
+        </p:nvSpPr>
+        <p:spPr>
+          <a:xfrm>
+            <a:off x="685800" y="4343400"/>
+            <a:ext cx="5486400" cy="4114800"/>
+          </a:xfrm>
+          <a:prstGeom prst="rect">
+            <a:avLst/>
+          </a:prstGeom>
+        </p:spPr>
+        <p:txBody>
+          <a:bodyPr spcFirstLastPara="1" wrap="square" lIns="91425" tIns="91425" rIns="91425" bIns="91425" anchor="t" anchorCtr="0">
+            <a:noAutofit/>
+          </a:bodyPr>
+          <a:lstStyle/>
+          <a:p>
+            <a:pPr marL="0" lvl="0" indent="0" algn="l" rtl="0">
+              <a:spcBef>
+                <a:spcPts val="0"/>
+              </a:spcBef>
+              <a:spcAft>
+                <a:spcPts val="0"/>
+              </a:spcAft>
+              <a:buNone/>
+            </a:pPr>
+            <a:endParaRPr/>
+          </a:p>
+        </p:txBody>
+      </p:sp>
+    </p:spTree>
+  </p:cSld>
+  <p:clrMapOvr>
+    <a:masterClrMapping/>
+  </p:clrMapOvr>
+</p:notes>
+</file>
+
+<file path=ppt/notesSlides/notesSlide17.xml><?xml version="1.0" encoding="utf-8"?>
+<p:notes xmlns:a="http://schemas.openxmlformats.org/drawingml/2006/main" xmlns:r="http://schemas.openxmlformats.org/officeDocument/2006/relationships" xmlns:p="http://schemas.openxmlformats.org/presentationml/2006/main" showMasterSp="0" showMasterPhAnim="0">
+  <p:cSld>
+    <p:spTree>
+      <p:nvGrpSpPr>
+        <p:cNvPr id="1" name="Shape 99"/>
+        <p:cNvGrpSpPr/>
+        <p:nvPr/>
+      </p:nvGrpSpPr>
+      <p:grpSpPr>
+        <a:xfrm>
+          <a:off x="0" y="0"/>
+          <a:ext cx="0" cy="0"/>
+          <a:chOff x="0" y="0"/>
+          <a:chExt cx="0" cy="0"/>
+        </a:xfrm>
+      </p:grpSpPr>
+      <p:sp>
+        <p:nvSpPr>
+          <p:cNvPr id="100" name="Google Shape;100;g2ddc889944f_0_0:notes"/>
+          <p:cNvSpPr>
+            <a:spLocks noGrp="1" noRot="1" noChangeAspect="1"/>
+          </p:cNvSpPr>
+          <p:nvPr>
+            <p:ph type="sldImg" idx="2"/>
+          </p:nvPr>
+        </p:nvSpPr>
+        <p:spPr>
+          <a:xfrm>
+            <a:off x="381000" y="685800"/>
+            <a:ext cx="6096000" cy="3429000"/>
+          </a:xfrm>
+          <a:custGeom>
+            <a:avLst/>
+            <a:gdLst/>
+            <a:ahLst/>
+            <a:cxnLst/>
+            <a:rect l="l" t="t" r="r" b="b"/>
+            <a:pathLst>
+              <a:path w="120000" h="120000" extrusionOk="0">
+                <a:moveTo>
+                  <a:pt x="0" y="0"/>
+                </a:moveTo>
+                <a:lnTo>
+                  <a:pt x="120000" y="0"/>
+                </a:lnTo>
+                <a:lnTo>
+                  <a:pt x="120000" y="120000"/>
+                </a:lnTo>
+                <a:lnTo>
+                  <a:pt x="0" y="120000"/>
+                </a:lnTo>
+                <a:close/>
+              </a:path>
+            </a:pathLst>
+          </a:custGeom>
+        </p:spPr>
+      </p:sp>
+      <p:sp>
+        <p:nvSpPr>
+          <p:cNvPr id="101" name="Google Shape;101;g2ddc889944f_0_0:notes"/>
+          <p:cNvSpPr txBox="1">
+            <a:spLocks noGrp="1"/>
+          </p:cNvSpPr>
+          <p:nvPr>
+            <p:ph type="body" idx="1"/>
+          </p:nvPr>
+        </p:nvSpPr>
+        <p:spPr>
+          <a:xfrm>
+            <a:off x="685800" y="4343400"/>
+            <a:ext cx="5486400" cy="4114800"/>
+          </a:xfrm>
+          <a:prstGeom prst="rect">
+            <a:avLst/>
+          </a:prstGeom>
+        </p:spPr>
+        <p:txBody>
+          <a:bodyPr spcFirstLastPara="1" wrap="square" lIns="91425" tIns="91425" rIns="91425" bIns="91425" anchor="t" anchorCtr="0">
+            <a:noAutofit/>
+          </a:bodyPr>
+          <a:lstStyle/>
+          <a:p>
+            <a:pPr marL="0" lvl="0" indent="0" algn="l" rtl="0">
+              <a:spcBef>
+                <a:spcPts val="0"/>
+              </a:spcBef>
+              <a:spcAft>
+                <a:spcPts val="0"/>
+              </a:spcAft>
+              <a:buNone/>
+            </a:pPr>
+            <a:endParaRPr/>
+          </a:p>
+        </p:txBody>
+      </p:sp>
+    </p:spTree>
+  </p:cSld>
+  <p:clrMapOvr>
+    <a:masterClrMapping/>
+  </p:clrMapOvr>
+</p:notes>
+</file>
+
+<file path=ppt/notesSlides/notesSlide18.xml><?xml version="1.0" encoding="utf-8"?>
+<p:notes xmlns:a="http://schemas.openxmlformats.org/drawingml/2006/main" xmlns:r="http://schemas.openxmlformats.org/officeDocument/2006/relationships" xmlns:p="http://schemas.openxmlformats.org/presentationml/2006/main" showMasterSp="0" showMasterPhAnim="0">
+  <p:cSld>
+    <p:spTree>
+      <p:nvGrpSpPr>
+        <p:cNvPr id="1" name="Shape 99"/>
+        <p:cNvGrpSpPr/>
+        <p:nvPr/>
+      </p:nvGrpSpPr>
+      <p:grpSpPr>
+        <a:xfrm>
+          <a:off x="0" y="0"/>
+          <a:ext cx="0" cy="0"/>
+          <a:chOff x="0" y="0"/>
+          <a:chExt cx="0" cy="0"/>
+        </a:xfrm>
+      </p:grpSpPr>
+      <p:sp>
+        <p:nvSpPr>
+          <p:cNvPr id="100" name="Google Shape;100;g2ddc889944f_0_0:notes"/>
+          <p:cNvSpPr>
+            <a:spLocks noGrp="1" noRot="1" noChangeAspect="1"/>
+          </p:cNvSpPr>
+          <p:nvPr>
+            <p:ph type="sldImg" idx="2"/>
+          </p:nvPr>
+        </p:nvSpPr>
+        <p:spPr>
+          <a:xfrm>
+            <a:off x="381000" y="685800"/>
+            <a:ext cx="6096000" cy="3429000"/>
+          </a:xfrm>
+          <a:custGeom>
+            <a:avLst/>
+            <a:gdLst/>
+            <a:ahLst/>
+            <a:cxnLst/>
+            <a:rect l="l" t="t" r="r" b="b"/>
+            <a:pathLst>
+              <a:path w="120000" h="120000" extrusionOk="0">
+                <a:moveTo>
+                  <a:pt x="0" y="0"/>
+                </a:moveTo>
+                <a:lnTo>
+                  <a:pt x="120000" y="0"/>
+                </a:lnTo>
+                <a:lnTo>
+                  <a:pt x="120000" y="120000"/>
+                </a:lnTo>
+                <a:lnTo>
+                  <a:pt x="0" y="120000"/>
+                </a:lnTo>
+                <a:close/>
+              </a:path>
+            </a:pathLst>
+          </a:custGeom>
+        </p:spPr>
+      </p:sp>
+      <p:sp>
+        <p:nvSpPr>
+          <p:cNvPr id="101" name="Google Shape;101;g2ddc889944f_0_0:notes"/>
+          <p:cNvSpPr txBox="1">
+            <a:spLocks noGrp="1"/>
+          </p:cNvSpPr>
+          <p:nvPr>
+            <p:ph type="body" idx="1"/>
+          </p:nvPr>
+        </p:nvSpPr>
+        <p:spPr>
+          <a:xfrm>
+            <a:off x="685800" y="4343400"/>
+            <a:ext cx="5486400" cy="4114800"/>
+          </a:xfrm>
+          <a:prstGeom prst="rect">
+            <a:avLst/>
+          </a:prstGeom>
+        </p:spPr>
+        <p:txBody>
+          <a:bodyPr spcFirstLastPara="1" wrap="square" lIns="91425" tIns="91425" rIns="91425" bIns="91425" anchor="t" anchorCtr="0">
+            <a:noAutofit/>
+          </a:bodyPr>
+          <a:lstStyle/>
+          <a:p>
+            <a:pPr marL="0" lvl="0" indent="0" algn="l" rtl="0">
+              <a:spcBef>
+                <a:spcPts val="0"/>
+              </a:spcBef>
+              <a:spcAft>
+                <a:spcPts val="0"/>
+              </a:spcAft>
+              <a:buNone/>
+            </a:pPr>
+            <a:endParaRPr/>
+          </a:p>
+        </p:txBody>
+      </p:sp>
+    </p:spTree>
+  </p:cSld>
+  <p:clrMapOvr>
+    <a:masterClrMapping/>
+  </p:clrMapOvr>
+</p:notes>
+</file>
+
+<file path=ppt/notesSlides/notesSlide2.xml><?xml version="1.0" encoding="utf-8"?>
+<p:notes xmlns:a="http://schemas.openxmlformats.org/drawingml/2006/main" xmlns:r="http://schemas.openxmlformats.org/officeDocument/2006/relationships" xmlns:p="http://schemas.openxmlformats.org/presentationml/2006/main" showMasterSp="0" showMasterPhAnim="0">
+  <p:cSld>
+    <p:spTree>
+      <p:nvGrpSpPr>
+        <p:cNvPr id="1" name="Shape 93"/>
+        <p:cNvGrpSpPr/>
+        <p:nvPr/>
+      </p:nvGrpSpPr>
+      <p:grpSpPr>
+        <a:xfrm>
+          <a:off x="0" y="0"/>
+          <a:ext cx="0" cy="0"/>
+          <a:chOff x="0" y="0"/>
+          <a:chExt cx="0" cy="0"/>
+        </a:xfrm>
+      </p:grpSpPr>
+      <p:sp>
+        <p:nvSpPr>
+          <p:cNvPr id="94" name="Google Shape;94;g2ddc889944f_0_5:notes"/>
+          <p:cNvSpPr>
+            <a:spLocks noGrp="1" noRot="1" noChangeAspect="1"/>
+          </p:cNvSpPr>
+          <p:nvPr>
+            <p:ph type="sldImg" idx="2"/>
+          </p:nvPr>
+        </p:nvSpPr>
+        <p:spPr>
+          <a:xfrm>
+            <a:off x="381000" y="685800"/>
+            <a:ext cx="6096000" cy="3429000"/>
+          </a:xfrm>
+          <a:custGeom>
+            <a:avLst/>
+            <a:gdLst/>
+            <a:ahLst/>
+            <a:cxnLst/>
+            <a:rect l="l" t="t" r="r" b="b"/>
+            <a:pathLst>
+              <a:path w="120000" h="120000" extrusionOk="0">
+                <a:moveTo>
+                  <a:pt x="0" y="0"/>
+                </a:moveTo>
+                <a:lnTo>
+                  <a:pt x="120000" y="0"/>
+                </a:lnTo>
+                <a:lnTo>
+                  <a:pt x="120000" y="120000"/>
+                </a:lnTo>
+                <a:lnTo>
+                  <a:pt x="0" y="120000"/>
+                </a:lnTo>
+                <a:close/>
+              </a:path>
+            </a:pathLst>
+          </a:custGeom>
+        </p:spPr>
+      </p:sp>
+      <p:sp>
+        <p:nvSpPr>
+          <p:cNvPr id="95" name="Google Shape;95;g2ddc889944f_0_5:notes"/>
           <p:cNvSpPr txBox="1">
             <a:spLocks noGrp="1"/>
           </p:cNvSpPr>
@@ -1472,6 +2411,110 @@
 </file>
 
 <file path=ppt/notesSlides/notesSlide8.xml><?xml version="1.0" encoding="utf-8"?>
+<p:notes xmlns:a="http://schemas.openxmlformats.org/drawingml/2006/main" xmlns:r="http://schemas.openxmlformats.org/officeDocument/2006/relationships" xmlns:p="http://schemas.openxmlformats.org/presentationml/2006/main" showMasterSp="0" showMasterPhAnim="0">
+  <p:cSld>
+    <p:spTree>
+      <p:nvGrpSpPr>
+        <p:cNvPr id="1" name="Shape 99"/>
+        <p:cNvGrpSpPr/>
+        <p:nvPr/>
+      </p:nvGrpSpPr>
+      <p:grpSpPr>
+        <a:xfrm>
+          <a:off x="0" y="0"/>
+          <a:ext cx="0" cy="0"/>
+          <a:chOff x="0" y="0"/>
+          <a:chExt cx="0" cy="0"/>
+        </a:xfrm>
+      </p:grpSpPr>
+      <p:sp>
+        <p:nvSpPr>
+          <p:cNvPr id="100" name="Google Shape;100;g2ddc889944f_0_0:notes"/>
+          <p:cNvSpPr>
+            <a:spLocks noGrp="1" noRot="1" noChangeAspect="1"/>
+          </p:cNvSpPr>
+          <p:nvPr>
+            <p:ph type="sldImg" idx="2"/>
+          </p:nvPr>
+        </p:nvSpPr>
+        <p:spPr>
+          <a:xfrm>
+            <a:off x="381000" y="685800"/>
+            <a:ext cx="6096000" cy="3429000"/>
+          </a:xfrm>
+          <a:custGeom>
+            <a:avLst/>
+            <a:gdLst/>
+            <a:ahLst/>
+            <a:cxnLst/>
+            <a:rect l="l" t="t" r="r" b="b"/>
+            <a:pathLst>
+              <a:path w="120000" h="120000" extrusionOk="0">
+                <a:moveTo>
+                  <a:pt x="0" y="0"/>
+                </a:moveTo>
+                <a:lnTo>
+                  <a:pt x="120000" y="0"/>
+                </a:lnTo>
+                <a:lnTo>
+                  <a:pt x="120000" y="120000"/>
+                </a:lnTo>
+                <a:lnTo>
+                  <a:pt x="0" y="120000"/>
+                </a:lnTo>
+                <a:close/>
+              </a:path>
+            </a:pathLst>
+          </a:custGeom>
+        </p:spPr>
+      </p:sp>
+      <p:sp>
+        <p:nvSpPr>
+          <p:cNvPr id="101" name="Google Shape;101;g2ddc889944f_0_0:notes"/>
+          <p:cNvSpPr txBox="1">
+            <a:spLocks noGrp="1"/>
+          </p:cNvSpPr>
+          <p:nvPr>
+            <p:ph type="body" idx="1"/>
+          </p:nvPr>
+        </p:nvSpPr>
+        <p:spPr>
+          <a:xfrm>
+            <a:off x="685800" y="4343400"/>
+            <a:ext cx="5486400" cy="4114800"/>
+          </a:xfrm>
+          <a:prstGeom prst="rect">
+            <a:avLst/>
+          </a:prstGeom>
+        </p:spPr>
+        <p:txBody>
+          <a:bodyPr spcFirstLastPara="1" wrap="square" lIns="91425" tIns="91425" rIns="91425" bIns="91425" anchor="t" anchorCtr="0">
+            <a:noAutofit/>
+          </a:bodyPr>
+          <a:lstStyle/>
+          <a:p>
+            <a:pPr marL="0" lvl="0" indent="0" algn="l" rtl="0">
+              <a:spcBef>
+                <a:spcPts val="0"/>
+              </a:spcBef>
+              <a:spcAft>
+                <a:spcPts val="0"/>
+              </a:spcAft>
+              <a:buNone/>
+            </a:pPr>
+            <a:endParaRPr/>
+          </a:p>
+        </p:txBody>
+      </p:sp>
+    </p:spTree>
+  </p:cSld>
+  <p:clrMapOvr>
+    <a:masterClrMapping/>
+  </p:clrMapOvr>
+</p:notes>
+</file>
+
+<file path=ppt/notesSlides/notesSlide9.xml><?xml version="1.0" encoding="utf-8"?>
 <p:notes xmlns:a="http://schemas.openxmlformats.org/drawingml/2006/main" xmlns:r="http://schemas.openxmlformats.org/officeDocument/2006/relationships" xmlns:p="http://schemas.openxmlformats.org/presentationml/2006/main" showMasterSp="0" showMasterPhAnim="0">
   <p:cSld>
     <p:spTree>
@@ -8286,7 +9329,7 @@
 </p:sld>
 </file>
 
-<file path=ppt/slides/slide2.xml><?xml version="1.0" encoding="utf-8"?>
+<file path=ppt/slides/slide10.xml><?xml version="1.0" encoding="utf-8"?>
 <p:sld xmlns:a="http://schemas.openxmlformats.org/drawingml/2006/main" xmlns:r="http://schemas.openxmlformats.org/officeDocument/2006/relationships" xmlns:p="http://schemas.openxmlformats.org/presentationml/2006/main">
   <p:cSld>
     <p:spTree>
@@ -8315,8 +9358,8 @@
         </p:nvSpPr>
         <p:spPr>
           <a:xfrm>
-            <a:off x="0" y="3650"/>
-            <a:ext cx="9144000" cy="607800"/>
+            <a:off x="0" y="-74645"/>
+            <a:ext cx="9144000" cy="457200"/>
           </a:xfrm>
           <a:prstGeom prst="rect">
             <a:avLst/>
@@ -8339,10 +9382,10 @@
               <a:buNone/>
             </a:pPr>
             <a:r>
-              <a:rPr lang="en" sz="3300" b="1" dirty="0" smtClean="0"/>
-              <a:t>BOOTSTRAP</a:t>
-            </a:r>
-            <a:endParaRPr sz="3300" b="1" dirty="0"/>
+              <a:rPr lang="en" sz="2800" b="1" dirty="0" smtClean="0"/>
+              <a:t>BOOTSTRAP-BUTTONS</a:t>
+            </a:r>
+            <a:endParaRPr sz="2800" b="1" dirty="0"/>
           </a:p>
         </p:txBody>
       </p:sp>
@@ -8354,7 +9397,852 @@
         </p:nvSpPr>
         <p:spPr>
           <a:xfrm>
-            <a:off x="321600" y="633221"/>
+            <a:off x="321600" y="437278"/>
+            <a:ext cx="8500800" cy="4493508"/>
+          </a:xfrm>
+          <a:prstGeom prst="rect">
+            <a:avLst/>
+          </a:prstGeom>
+          <a:noFill/>
+          <a:ln>
+            <a:noFill/>
+          </a:ln>
+        </p:spPr>
+        <p:txBody>
+          <a:bodyPr spcFirstLastPara="1" wrap="square" lIns="91425" tIns="91425" rIns="91425" bIns="91425" anchor="t" anchorCtr="0">
+            <a:spAutoFit/>
+          </a:bodyPr>
+          <a:lstStyle/>
+          <a:p>
+            <a:r>
+              <a:rPr lang="en-US" b="1" u="sng" dirty="0"/>
+              <a:t>Button Styles</a:t>
+            </a:r>
+          </a:p>
+          <a:p>
+            <a:r>
+              <a:rPr lang="en-US" dirty="0"/>
+              <a:t>Bootstrap 5 provides different styles of buttons</a:t>
+            </a:r>
+            <a:r>
+              <a:rPr lang="en-US" dirty="0" smtClean="0"/>
+              <a:t>:</a:t>
+            </a:r>
+          </a:p>
+          <a:p>
+            <a:endParaRPr lang="en-US" dirty="0"/>
+          </a:p>
+          <a:p>
+            <a:r>
+              <a:rPr lang="en-US" dirty="0">
+                <a:solidFill>
+                  <a:schemeClr val="tx1"/>
+                </a:solidFill>
+              </a:rPr>
+              <a:t>&lt;button type="button" class="</a:t>
+            </a:r>
+            <a:r>
+              <a:rPr lang="en-US" dirty="0" err="1">
+                <a:solidFill>
+                  <a:schemeClr val="tx1"/>
+                </a:solidFill>
+              </a:rPr>
+              <a:t>btn</a:t>
+            </a:r>
+            <a:r>
+              <a:rPr lang="en-US" dirty="0">
+                <a:solidFill>
+                  <a:schemeClr val="tx1"/>
+                </a:solidFill>
+              </a:rPr>
+              <a:t>"&gt;Basic&lt;/button&gt;</a:t>
+            </a:r>
+            <a:br>
+              <a:rPr lang="en-US" dirty="0">
+                <a:solidFill>
+                  <a:schemeClr val="tx1"/>
+                </a:solidFill>
+              </a:rPr>
+            </a:br>
+            <a:r>
+              <a:rPr lang="en-US" dirty="0">
+                <a:solidFill>
+                  <a:schemeClr val="tx1"/>
+                </a:solidFill>
+              </a:rPr>
+              <a:t>&lt;button type="button" class="</a:t>
+            </a:r>
+            <a:r>
+              <a:rPr lang="en-US" dirty="0" err="1">
+                <a:solidFill>
+                  <a:schemeClr val="tx1"/>
+                </a:solidFill>
+              </a:rPr>
+              <a:t>btn</a:t>
+            </a:r>
+            <a:r>
+              <a:rPr lang="en-US" dirty="0">
+                <a:solidFill>
+                  <a:schemeClr val="tx1"/>
+                </a:solidFill>
+              </a:rPr>
+              <a:t> </a:t>
+            </a:r>
+            <a:r>
+              <a:rPr lang="en-US" dirty="0" err="1">
+                <a:solidFill>
+                  <a:schemeClr val="tx1"/>
+                </a:solidFill>
+              </a:rPr>
+              <a:t>btn</a:t>
+            </a:r>
+            <a:r>
+              <a:rPr lang="en-US" dirty="0">
+                <a:solidFill>
+                  <a:schemeClr val="tx1"/>
+                </a:solidFill>
+              </a:rPr>
+              <a:t>-primary"&gt;Primary&lt;/button&gt;</a:t>
+            </a:r>
+            <a:br>
+              <a:rPr lang="en-US" dirty="0">
+                <a:solidFill>
+                  <a:schemeClr val="tx1"/>
+                </a:solidFill>
+              </a:rPr>
+            </a:br>
+            <a:r>
+              <a:rPr lang="en-US" dirty="0">
+                <a:solidFill>
+                  <a:schemeClr val="tx1"/>
+                </a:solidFill>
+              </a:rPr>
+              <a:t>&lt;button type="button" class="</a:t>
+            </a:r>
+            <a:r>
+              <a:rPr lang="en-US" dirty="0" err="1">
+                <a:solidFill>
+                  <a:schemeClr val="tx1"/>
+                </a:solidFill>
+              </a:rPr>
+              <a:t>btn</a:t>
+            </a:r>
+            <a:r>
+              <a:rPr lang="en-US" dirty="0">
+                <a:solidFill>
+                  <a:schemeClr val="tx1"/>
+                </a:solidFill>
+              </a:rPr>
+              <a:t> </a:t>
+            </a:r>
+            <a:r>
+              <a:rPr lang="en-US" dirty="0" err="1">
+                <a:solidFill>
+                  <a:schemeClr val="tx1"/>
+                </a:solidFill>
+              </a:rPr>
+              <a:t>btn</a:t>
+            </a:r>
+            <a:r>
+              <a:rPr lang="en-US" dirty="0">
+                <a:solidFill>
+                  <a:schemeClr val="tx1"/>
+                </a:solidFill>
+              </a:rPr>
+              <a:t>-secondary"&gt;Secondary&lt;/button&gt;</a:t>
+            </a:r>
+            <a:br>
+              <a:rPr lang="en-US" dirty="0">
+                <a:solidFill>
+                  <a:schemeClr val="tx1"/>
+                </a:solidFill>
+              </a:rPr>
+            </a:br>
+            <a:r>
+              <a:rPr lang="en-US" dirty="0">
+                <a:solidFill>
+                  <a:schemeClr val="tx1"/>
+                </a:solidFill>
+              </a:rPr>
+              <a:t>&lt;button type="button" class="</a:t>
+            </a:r>
+            <a:r>
+              <a:rPr lang="en-US" dirty="0" err="1">
+                <a:solidFill>
+                  <a:schemeClr val="tx1"/>
+                </a:solidFill>
+              </a:rPr>
+              <a:t>btn</a:t>
+            </a:r>
+            <a:r>
+              <a:rPr lang="en-US" dirty="0">
+                <a:solidFill>
+                  <a:schemeClr val="tx1"/>
+                </a:solidFill>
+              </a:rPr>
+              <a:t> </a:t>
+            </a:r>
+            <a:r>
+              <a:rPr lang="en-US" dirty="0" err="1">
+                <a:solidFill>
+                  <a:schemeClr val="tx1"/>
+                </a:solidFill>
+              </a:rPr>
+              <a:t>btn</a:t>
+            </a:r>
+            <a:r>
+              <a:rPr lang="en-US" dirty="0">
+                <a:solidFill>
+                  <a:schemeClr val="tx1"/>
+                </a:solidFill>
+              </a:rPr>
+              <a:t>-success"&gt;Success&lt;/button&gt;</a:t>
+            </a:r>
+            <a:br>
+              <a:rPr lang="en-US" dirty="0">
+                <a:solidFill>
+                  <a:schemeClr val="tx1"/>
+                </a:solidFill>
+              </a:rPr>
+            </a:br>
+            <a:r>
+              <a:rPr lang="en-US" dirty="0">
+                <a:solidFill>
+                  <a:schemeClr val="tx1"/>
+                </a:solidFill>
+              </a:rPr>
+              <a:t>&lt;button type="button" class="</a:t>
+            </a:r>
+            <a:r>
+              <a:rPr lang="en-US" dirty="0" err="1">
+                <a:solidFill>
+                  <a:schemeClr val="tx1"/>
+                </a:solidFill>
+              </a:rPr>
+              <a:t>btn</a:t>
+            </a:r>
+            <a:r>
+              <a:rPr lang="en-US" dirty="0">
+                <a:solidFill>
+                  <a:schemeClr val="tx1"/>
+                </a:solidFill>
+              </a:rPr>
+              <a:t> </a:t>
+            </a:r>
+            <a:r>
+              <a:rPr lang="en-US" dirty="0" err="1">
+                <a:solidFill>
+                  <a:schemeClr val="tx1"/>
+                </a:solidFill>
+              </a:rPr>
+              <a:t>btn</a:t>
+            </a:r>
+            <a:r>
+              <a:rPr lang="en-US" dirty="0">
+                <a:solidFill>
+                  <a:schemeClr val="tx1"/>
+                </a:solidFill>
+              </a:rPr>
+              <a:t>-info"&gt;Info&lt;/button&gt;</a:t>
+            </a:r>
+            <a:br>
+              <a:rPr lang="en-US" dirty="0">
+                <a:solidFill>
+                  <a:schemeClr val="tx1"/>
+                </a:solidFill>
+              </a:rPr>
+            </a:br>
+            <a:r>
+              <a:rPr lang="en-US" dirty="0">
+                <a:solidFill>
+                  <a:schemeClr val="tx1"/>
+                </a:solidFill>
+              </a:rPr>
+              <a:t>&lt;button type="button" class="</a:t>
+            </a:r>
+            <a:r>
+              <a:rPr lang="en-US" dirty="0" err="1">
+                <a:solidFill>
+                  <a:schemeClr val="tx1"/>
+                </a:solidFill>
+              </a:rPr>
+              <a:t>btn</a:t>
+            </a:r>
+            <a:r>
+              <a:rPr lang="en-US" dirty="0">
+                <a:solidFill>
+                  <a:schemeClr val="tx1"/>
+                </a:solidFill>
+              </a:rPr>
+              <a:t> </a:t>
+            </a:r>
+            <a:r>
+              <a:rPr lang="en-US" dirty="0" err="1">
+                <a:solidFill>
+                  <a:schemeClr val="tx1"/>
+                </a:solidFill>
+              </a:rPr>
+              <a:t>btn</a:t>
+            </a:r>
+            <a:r>
+              <a:rPr lang="en-US" dirty="0">
+                <a:solidFill>
+                  <a:schemeClr val="tx1"/>
+                </a:solidFill>
+              </a:rPr>
+              <a:t>-warning"&gt;Warning&lt;/button&gt;</a:t>
+            </a:r>
+            <a:br>
+              <a:rPr lang="en-US" dirty="0">
+                <a:solidFill>
+                  <a:schemeClr val="tx1"/>
+                </a:solidFill>
+              </a:rPr>
+            </a:br>
+            <a:r>
+              <a:rPr lang="en-US" dirty="0">
+                <a:solidFill>
+                  <a:schemeClr val="tx1"/>
+                </a:solidFill>
+              </a:rPr>
+              <a:t>&lt;button type="button" class="</a:t>
+            </a:r>
+            <a:r>
+              <a:rPr lang="en-US" dirty="0" err="1">
+                <a:solidFill>
+                  <a:schemeClr val="tx1"/>
+                </a:solidFill>
+              </a:rPr>
+              <a:t>btn</a:t>
+            </a:r>
+            <a:r>
+              <a:rPr lang="en-US" dirty="0">
+                <a:solidFill>
+                  <a:schemeClr val="tx1"/>
+                </a:solidFill>
+              </a:rPr>
+              <a:t> </a:t>
+            </a:r>
+            <a:r>
+              <a:rPr lang="en-US" dirty="0" err="1">
+                <a:solidFill>
+                  <a:schemeClr val="tx1"/>
+                </a:solidFill>
+              </a:rPr>
+              <a:t>btn</a:t>
+            </a:r>
+            <a:r>
+              <a:rPr lang="en-US" dirty="0">
+                <a:solidFill>
+                  <a:schemeClr val="tx1"/>
+                </a:solidFill>
+              </a:rPr>
+              <a:t>-danger"&gt;Danger&lt;/button&gt;</a:t>
+            </a:r>
+            <a:br>
+              <a:rPr lang="en-US" dirty="0">
+                <a:solidFill>
+                  <a:schemeClr val="tx1"/>
+                </a:solidFill>
+              </a:rPr>
+            </a:br>
+            <a:r>
+              <a:rPr lang="en-US" dirty="0">
+                <a:solidFill>
+                  <a:schemeClr val="tx1"/>
+                </a:solidFill>
+              </a:rPr>
+              <a:t>&lt;button type="button" class="</a:t>
+            </a:r>
+            <a:r>
+              <a:rPr lang="en-US" dirty="0" err="1">
+                <a:solidFill>
+                  <a:schemeClr val="tx1"/>
+                </a:solidFill>
+              </a:rPr>
+              <a:t>btn</a:t>
+            </a:r>
+            <a:r>
+              <a:rPr lang="en-US" dirty="0">
+                <a:solidFill>
+                  <a:schemeClr val="tx1"/>
+                </a:solidFill>
+              </a:rPr>
+              <a:t> </a:t>
+            </a:r>
+            <a:r>
+              <a:rPr lang="en-US" dirty="0" err="1">
+                <a:solidFill>
+                  <a:schemeClr val="tx1"/>
+                </a:solidFill>
+              </a:rPr>
+              <a:t>btn</a:t>
+            </a:r>
+            <a:r>
+              <a:rPr lang="en-US" dirty="0">
+                <a:solidFill>
+                  <a:schemeClr val="tx1"/>
+                </a:solidFill>
+              </a:rPr>
+              <a:t>-dark"&gt;Dark&lt;/button&gt;</a:t>
+            </a:r>
+            <a:br>
+              <a:rPr lang="en-US" dirty="0">
+                <a:solidFill>
+                  <a:schemeClr val="tx1"/>
+                </a:solidFill>
+              </a:rPr>
+            </a:br>
+            <a:r>
+              <a:rPr lang="en-US" dirty="0">
+                <a:solidFill>
+                  <a:schemeClr val="tx1"/>
+                </a:solidFill>
+              </a:rPr>
+              <a:t>&lt;button type="button" class="</a:t>
+            </a:r>
+            <a:r>
+              <a:rPr lang="en-US" dirty="0" err="1">
+                <a:solidFill>
+                  <a:schemeClr val="tx1"/>
+                </a:solidFill>
+              </a:rPr>
+              <a:t>btn</a:t>
+            </a:r>
+            <a:r>
+              <a:rPr lang="en-US" dirty="0">
+                <a:solidFill>
+                  <a:schemeClr val="tx1"/>
+                </a:solidFill>
+              </a:rPr>
+              <a:t> </a:t>
+            </a:r>
+            <a:r>
+              <a:rPr lang="en-US" dirty="0" err="1">
+                <a:solidFill>
+                  <a:schemeClr val="tx1"/>
+                </a:solidFill>
+              </a:rPr>
+              <a:t>btn</a:t>
+            </a:r>
+            <a:r>
+              <a:rPr lang="en-US" dirty="0">
+                <a:solidFill>
+                  <a:schemeClr val="tx1"/>
+                </a:solidFill>
+              </a:rPr>
+              <a:t>-light"&gt;Light&lt;/button&gt;</a:t>
+            </a:r>
+            <a:br>
+              <a:rPr lang="en-US" dirty="0">
+                <a:solidFill>
+                  <a:schemeClr val="tx1"/>
+                </a:solidFill>
+              </a:rPr>
+            </a:br>
+            <a:r>
+              <a:rPr lang="en-US" dirty="0">
+                <a:solidFill>
+                  <a:schemeClr val="tx1"/>
+                </a:solidFill>
+              </a:rPr>
+              <a:t>&lt;button type="button" class="</a:t>
+            </a:r>
+            <a:r>
+              <a:rPr lang="en-US" dirty="0" err="1">
+                <a:solidFill>
+                  <a:schemeClr val="tx1"/>
+                </a:solidFill>
+              </a:rPr>
+              <a:t>btn</a:t>
+            </a:r>
+            <a:r>
+              <a:rPr lang="en-US" dirty="0">
+                <a:solidFill>
+                  <a:schemeClr val="tx1"/>
+                </a:solidFill>
+              </a:rPr>
+              <a:t> </a:t>
+            </a:r>
+            <a:r>
+              <a:rPr lang="en-US" dirty="0" err="1">
+                <a:solidFill>
+                  <a:schemeClr val="tx1"/>
+                </a:solidFill>
+              </a:rPr>
+              <a:t>btn</a:t>
+            </a:r>
+            <a:r>
+              <a:rPr lang="en-US" dirty="0">
+                <a:solidFill>
+                  <a:schemeClr val="tx1"/>
+                </a:solidFill>
+              </a:rPr>
+              <a:t>-link"&gt;Link&lt;/button</a:t>
+            </a:r>
+            <a:r>
+              <a:rPr lang="en-US" dirty="0" smtClean="0">
+                <a:solidFill>
+                  <a:schemeClr val="tx1"/>
+                </a:solidFill>
+              </a:rPr>
+              <a:t>&gt;</a:t>
+            </a:r>
+          </a:p>
+          <a:p>
+            <a:endParaRPr lang="en-US" dirty="0">
+              <a:solidFill>
+                <a:schemeClr val="tx1"/>
+              </a:solidFill>
+            </a:endParaRPr>
+          </a:p>
+          <a:p>
+            <a:r>
+              <a:rPr lang="en-US" dirty="0"/>
+              <a:t>The button classes can be used on &lt;a&gt;, &lt;button&gt;, or &lt;input&gt; elements</a:t>
+            </a:r>
+            <a:r>
+              <a:rPr lang="en-US" dirty="0" smtClean="0"/>
+              <a:t>:</a:t>
+            </a:r>
+          </a:p>
+          <a:p>
+            <a:r>
+              <a:rPr lang="en-US" dirty="0">
+                <a:solidFill>
+                  <a:schemeClr val="tx1"/>
+                </a:solidFill>
+              </a:rPr>
+              <a:t>&lt;a </a:t>
+            </a:r>
+            <a:r>
+              <a:rPr lang="en-US" dirty="0" err="1">
+                <a:solidFill>
+                  <a:schemeClr val="tx1"/>
+                </a:solidFill>
+              </a:rPr>
+              <a:t>href</a:t>
+            </a:r>
+            <a:r>
+              <a:rPr lang="en-US" dirty="0">
+                <a:solidFill>
+                  <a:schemeClr val="tx1"/>
+                </a:solidFill>
+              </a:rPr>
+              <a:t>="#" class="</a:t>
+            </a:r>
+            <a:r>
+              <a:rPr lang="en-US" dirty="0" err="1">
+                <a:solidFill>
+                  <a:schemeClr val="tx1"/>
+                </a:solidFill>
+              </a:rPr>
+              <a:t>btn</a:t>
+            </a:r>
+            <a:r>
+              <a:rPr lang="en-US" dirty="0">
+                <a:solidFill>
+                  <a:schemeClr val="tx1"/>
+                </a:solidFill>
+              </a:rPr>
+              <a:t> </a:t>
+            </a:r>
+            <a:r>
+              <a:rPr lang="en-US" dirty="0" err="1">
+                <a:solidFill>
+                  <a:schemeClr val="tx1"/>
+                </a:solidFill>
+              </a:rPr>
+              <a:t>btn</a:t>
+            </a:r>
+            <a:r>
+              <a:rPr lang="en-US" dirty="0">
+                <a:solidFill>
+                  <a:schemeClr val="tx1"/>
+                </a:solidFill>
+              </a:rPr>
+              <a:t>-success"&gt;Link Button&lt;/a&gt;</a:t>
+            </a:r>
+            <a:br>
+              <a:rPr lang="en-US" dirty="0">
+                <a:solidFill>
+                  <a:schemeClr val="tx1"/>
+                </a:solidFill>
+              </a:rPr>
+            </a:br>
+            <a:r>
+              <a:rPr lang="en-US" dirty="0">
+                <a:solidFill>
+                  <a:schemeClr val="tx1"/>
+                </a:solidFill>
+              </a:rPr>
+              <a:t>&lt;button type="button" class="</a:t>
+            </a:r>
+            <a:r>
+              <a:rPr lang="en-US" dirty="0" err="1">
+                <a:solidFill>
+                  <a:schemeClr val="tx1"/>
+                </a:solidFill>
+              </a:rPr>
+              <a:t>btn</a:t>
+            </a:r>
+            <a:r>
+              <a:rPr lang="en-US" dirty="0">
+                <a:solidFill>
+                  <a:schemeClr val="tx1"/>
+                </a:solidFill>
+              </a:rPr>
+              <a:t> </a:t>
+            </a:r>
+            <a:r>
+              <a:rPr lang="en-US" dirty="0" err="1">
+                <a:solidFill>
+                  <a:schemeClr val="tx1"/>
+                </a:solidFill>
+              </a:rPr>
+              <a:t>btn</a:t>
+            </a:r>
+            <a:r>
+              <a:rPr lang="en-US" dirty="0">
+                <a:solidFill>
+                  <a:schemeClr val="tx1"/>
+                </a:solidFill>
+              </a:rPr>
+              <a:t>-success"&gt;Button&lt;/button&gt;</a:t>
+            </a:r>
+            <a:br>
+              <a:rPr lang="en-US" dirty="0">
+                <a:solidFill>
+                  <a:schemeClr val="tx1"/>
+                </a:solidFill>
+              </a:rPr>
+            </a:br>
+            <a:r>
+              <a:rPr lang="en-US" dirty="0">
+                <a:solidFill>
+                  <a:schemeClr val="tx1"/>
+                </a:solidFill>
+              </a:rPr>
+              <a:t>&lt;input type="button" class="</a:t>
+            </a:r>
+            <a:r>
+              <a:rPr lang="en-US" dirty="0" err="1">
+                <a:solidFill>
+                  <a:schemeClr val="tx1"/>
+                </a:solidFill>
+              </a:rPr>
+              <a:t>btn</a:t>
+            </a:r>
+            <a:r>
+              <a:rPr lang="en-US" dirty="0">
+                <a:solidFill>
+                  <a:schemeClr val="tx1"/>
+                </a:solidFill>
+              </a:rPr>
+              <a:t> </a:t>
+            </a:r>
+            <a:r>
+              <a:rPr lang="en-US" dirty="0" err="1">
+                <a:solidFill>
+                  <a:schemeClr val="tx1"/>
+                </a:solidFill>
+              </a:rPr>
+              <a:t>btn</a:t>
+            </a:r>
+            <a:r>
+              <a:rPr lang="en-US" dirty="0">
+                <a:solidFill>
+                  <a:schemeClr val="tx1"/>
+                </a:solidFill>
+              </a:rPr>
+              <a:t>-success" value="Input Button"&gt;</a:t>
+            </a:r>
+            <a:br>
+              <a:rPr lang="en-US" dirty="0">
+                <a:solidFill>
+                  <a:schemeClr val="tx1"/>
+                </a:solidFill>
+              </a:rPr>
+            </a:br>
+            <a:r>
+              <a:rPr lang="en-US" dirty="0">
+                <a:solidFill>
+                  <a:schemeClr val="tx1"/>
+                </a:solidFill>
+              </a:rPr>
+              <a:t>&lt;input type="submit" class="</a:t>
+            </a:r>
+            <a:r>
+              <a:rPr lang="en-US" dirty="0" err="1">
+                <a:solidFill>
+                  <a:schemeClr val="tx1"/>
+                </a:solidFill>
+              </a:rPr>
+              <a:t>btn</a:t>
+            </a:r>
+            <a:r>
+              <a:rPr lang="en-US" dirty="0">
+                <a:solidFill>
+                  <a:schemeClr val="tx1"/>
+                </a:solidFill>
+              </a:rPr>
+              <a:t> </a:t>
+            </a:r>
+            <a:r>
+              <a:rPr lang="en-US" dirty="0" err="1">
+                <a:solidFill>
+                  <a:schemeClr val="tx1"/>
+                </a:solidFill>
+              </a:rPr>
+              <a:t>btn</a:t>
+            </a:r>
+            <a:r>
+              <a:rPr lang="en-US" dirty="0">
+                <a:solidFill>
+                  <a:schemeClr val="tx1"/>
+                </a:solidFill>
+              </a:rPr>
+              <a:t>-success" value="Submit Button"&gt;</a:t>
+            </a:r>
+            <a:br>
+              <a:rPr lang="en-US" dirty="0">
+                <a:solidFill>
+                  <a:schemeClr val="tx1"/>
+                </a:solidFill>
+              </a:rPr>
+            </a:br>
+            <a:r>
+              <a:rPr lang="en-US" dirty="0">
+                <a:solidFill>
+                  <a:schemeClr val="tx1"/>
+                </a:solidFill>
+              </a:rPr>
+              <a:t>&lt;input type="reset" class="</a:t>
+            </a:r>
+            <a:r>
+              <a:rPr lang="en-US" dirty="0" err="1">
+                <a:solidFill>
+                  <a:schemeClr val="tx1"/>
+                </a:solidFill>
+              </a:rPr>
+              <a:t>btn</a:t>
+            </a:r>
+            <a:r>
+              <a:rPr lang="en-US" dirty="0">
+                <a:solidFill>
+                  <a:schemeClr val="tx1"/>
+                </a:solidFill>
+              </a:rPr>
+              <a:t> </a:t>
+            </a:r>
+            <a:r>
+              <a:rPr lang="en-US" dirty="0" err="1">
+                <a:solidFill>
+                  <a:schemeClr val="tx1"/>
+                </a:solidFill>
+              </a:rPr>
+              <a:t>btn</a:t>
+            </a:r>
+            <a:r>
+              <a:rPr lang="en-US" dirty="0">
+                <a:solidFill>
+                  <a:schemeClr val="tx1"/>
+                </a:solidFill>
+              </a:rPr>
+              <a:t>-success" value="Reset Button"&gt;</a:t>
+            </a:r>
+          </a:p>
+        </p:txBody>
+      </p:sp>
+    </p:spTree>
+    <p:extLst>
+      <p:ext uri="{BB962C8B-B14F-4D97-AF65-F5344CB8AC3E}">
+        <p14:creationId xmlns:p14="http://schemas.microsoft.com/office/powerpoint/2010/main" val="2000522155"/>
+      </p:ext>
+    </p:extLst>
+  </p:cSld>
+  <p:clrMapOvr>
+    <a:masterClrMapping/>
+  </p:clrMapOvr>
+  <p:timing>
+    <p:tnLst>
+      <p:par>
+        <p:cTn id="1" dur="indefinite" restart="never" nodeType="tmRoot"/>
+      </p:par>
+    </p:tnLst>
+  </p:timing>
+</p:sld>
+</file>
+
+<file path=ppt/slides/slide11.xml><?xml version="1.0" encoding="utf-8"?>
+<p:sld xmlns:a="http://schemas.openxmlformats.org/drawingml/2006/main" xmlns:r="http://schemas.openxmlformats.org/officeDocument/2006/relationships" xmlns:p="http://schemas.openxmlformats.org/presentationml/2006/main">
+  <p:cSld>
+    <p:spTree>
+      <p:nvGrpSpPr>
+        <p:cNvPr id="1" name="Shape 102"/>
+        <p:cNvGrpSpPr/>
+        <p:nvPr/>
+      </p:nvGrpSpPr>
+      <p:grpSpPr>
+        <a:xfrm>
+          <a:off x="0" y="0"/>
+          <a:ext cx="0" cy="0"/>
+          <a:chOff x="0" y="0"/>
+          <a:chExt cx="0" cy="0"/>
+        </a:xfrm>
+      </p:grpSpPr>
+      <p:sp>
+        <p:nvSpPr>
+          <p:cNvPr id="103" name="Google Shape;103;p16"/>
+          <p:cNvSpPr txBox="1">
+            <a:spLocks noGrp="1"/>
+          </p:cNvSpPr>
+          <p:nvPr>
+            <p:ph type="title"/>
+          </p:nvPr>
+        </p:nvSpPr>
+        <p:spPr>
+          <a:xfrm>
+            <a:off x="0" y="-74645"/>
+            <a:ext cx="9144000" cy="457200"/>
+          </a:xfrm>
+          <a:prstGeom prst="rect">
+            <a:avLst/>
+          </a:prstGeom>
+        </p:spPr>
+        <p:txBody>
+          <a:bodyPr spcFirstLastPara="1" wrap="square" lIns="91425" tIns="91425" rIns="91425" bIns="91425" anchor="t" anchorCtr="0">
+            <a:noAutofit/>
+          </a:bodyPr>
+          <a:lstStyle/>
+          <a:p>
+            <a:pPr marL="0" lvl="0" indent="0" algn="ctr" rtl="0">
+              <a:spcBef>
+                <a:spcPts val="0"/>
+              </a:spcBef>
+              <a:spcAft>
+                <a:spcPts val="0"/>
+              </a:spcAft>
+              <a:buSzPts val="990"/>
+              <a:buNone/>
+            </a:pPr>
+            <a:r>
+              <a:rPr lang="en" sz="2800" b="1" dirty="0" smtClean="0"/>
+              <a:t>BOOTSTRAP-BUTTONS</a:t>
+            </a:r>
+            <a:endParaRPr sz="2800" b="1" dirty="0"/>
+          </a:p>
+        </p:txBody>
+      </p:sp>
+      <p:sp>
+        <p:nvSpPr>
+          <p:cNvPr id="104" name="Google Shape;104;p16"/>
+          <p:cNvSpPr txBox="1"/>
+          <p:nvPr/>
+        </p:nvSpPr>
+        <p:spPr>
+          <a:xfrm>
+            <a:off x="321600" y="437278"/>
             <a:ext cx="8500800" cy="4278064"/>
           </a:xfrm>
           <a:prstGeom prst="rect">
@@ -8371,85 +10259,4449 @@
           </a:bodyPr>
           <a:lstStyle/>
           <a:p>
-            <a:pPr algn="just"/>
             <a:r>
               <a:rPr lang="en-US" b="1" u="sng" dirty="0"/>
-              <a:t>What is Bootstrap</a:t>
-            </a:r>
-            <a:r>
-              <a:rPr lang="en-US" b="1" u="sng" dirty="0" smtClean="0"/>
-              <a:t>?</a:t>
-            </a:r>
-          </a:p>
-          <a:p>
-            <a:pPr algn="just"/>
-            <a:endParaRPr lang="en-US" b="1" u="sng" dirty="0" smtClean="0"/>
-          </a:p>
-          <a:p>
-            <a:pPr marL="285750" indent="-285750">
-              <a:buFont typeface="Wingdings" pitchFamily="2" charset="2"/>
-              <a:buChar char="v"/>
+              <a:t>Button Outline</a:t>
+            </a:r>
+          </a:p>
+          <a:p>
+            <a:r>
+              <a:rPr lang="en-US" dirty="0"/>
+              <a:t>Bootstrap 5 also provides eight outline/bordered buttons.</a:t>
+            </a:r>
+          </a:p>
+          <a:p>
+            <a:r>
+              <a:rPr lang="en-US" dirty="0"/>
+              <a:t>Move the mouse over them to see an additional "hover" effect</a:t>
+            </a:r>
+            <a:r>
+              <a:rPr lang="en-US" dirty="0" smtClean="0"/>
+              <a:t>:</a:t>
+            </a:r>
+          </a:p>
+          <a:p>
+            <a:endParaRPr lang="en-US" dirty="0"/>
+          </a:p>
+          <a:p>
+            <a:r>
+              <a:rPr lang="en-US" b="1" dirty="0">
+                <a:solidFill>
+                  <a:schemeClr val="tx1"/>
+                </a:solidFill>
+              </a:rPr>
+              <a:t>&lt;button type="button" class="</a:t>
+            </a:r>
+            <a:r>
+              <a:rPr lang="en-US" b="1" dirty="0" err="1">
+                <a:solidFill>
+                  <a:schemeClr val="tx1"/>
+                </a:solidFill>
+              </a:rPr>
+              <a:t>btn</a:t>
+            </a:r>
+            <a:r>
+              <a:rPr lang="en-US" b="1" dirty="0">
+                <a:solidFill>
+                  <a:schemeClr val="tx1"/>
+                </a:solidFill>
+              </a:rPr>
+              <a:t> </a:t>
+            </a:r>
+            <a:r>
+              <a:rPr lang="en-US" b="1" dirty="0" err="1">
+                <a:solidFill>
+                  <a:schemeClr val="tx1"/>
+                </a:solidFill>
+              </a:rPr>
+              <a:t>btn</a:t>
+            </a:r>
+            <a:r>
+              <a:rPr lang="en-US" b="1" dirty="0">
+                <a:solidFill>
+                  <a:schemeClr val="tx1"/>
+                </a:solidFill>
+              </a:rPr>
+              <a:t>-outline-primary"&gt;Primary&lt;/button&gt;</a:t>
+            </a:r>
+            <a:br>
+              <a:rPr lang="en-US" b="1" dirty="0">
+                <a:solidFill>
+                  <a:schemeClr val="tx1"/>
+                </a:solidFill>
+              </a:rPr>
+            </a:br>
+            <a:r>
+              <a:rPr lang="en-US" b="1" dirty="0">
+                <a:solidFill>
+                  <a:schemeClr val="tx1"/>
+                </a:solidFill>
+              </a:rPr>
+              <a:t>&lt;button type="button" class="</a:t>
+            </a:r>
+            <a:r>
+              <a:rPr lang="en-US" b="1" dirty="0" err="1">
+                <a:solidFill>
+                  <a:schemeClr val="tx1"/>
+                </a:solidFill>
+              </a:rPr>
+              <a:t>btn</a:t>
+            </a:r>
+            <a:r>
+              <a:rPr lang="en-US" b="1" dirty="0">
+                <a:solidFill>
+                  <a:schemeClr val="tx1"/>
+                </a:solidFill>
+              </a:rPr>
+              <a:t> </a:t>
+            </a:r>
+            <a:r>
+              <a:rPr lang="en-US" b="1" dirty="0" err="1">
+                <a:solidFill>
+                  <a:schemeClr val="tx1"/>
+                </a:solidFill>
+              </a:rPr>
+              <a:t>btn</a:t>
+            </a:r>
+            <a:r>
+              <a:rPr lang="en-US" b="1" dirty="0">
+                <a:solidFill>
+                  <a:schemeClr val="tx1"/>
+                </a:solidFill>
+              </a:rPr>
+              <a:t>-outline-secondary"&gt;Secondary&lt;/button&gt;</a:t>
+            </a:r>
+            <a:br>
+              <a:rPr lang="en-US" b="1" dirty="0">
+                <a:solidFill>
+                  <a:schemeClr val="tx1"/>
+                </a:solidFill>
+              </a:rPr>
+            </a:br>
+            <a:r>
+              <a:rPr lang="en-US" b="1" dirty="0">
+                <a:solidFill>
+                  <a:schemeClr val="tx1"/>
+                </a:solidFill>
+              </a:rPr>
+              <a:t>&lt;button type="button" class="</a:t>
+            </a:r>
+            <a:r>
+              <a:rPr lang="en-US" b="1" dirty="0" err="1">
+                <a:solidFill>
+                  <a:schemeClr val="tx1"/>
+                </a:solidFill>
+              </a:rPr>
+              <a:t>btn</a:t>
+            </a:r>
+            <a:r>
+              <a:rPr lang="en-US" b="1" dirty="0">
+                <a:solidFill>
+                  <a:schemeClr val="tx1"/>
+                </a:solidFill>
+              </a:rPr>
+              <a:t> </a:t>
+            </a:r>
+            <a:r>
+              <a:rPr lang="en-US" b="1" dirty="0" err="1">
+                <a:solidFill>
+                  <a:schemeClr val="tx1"/>
+                </a:solidFill>
+              </a:rPr>
+              <a:t>btn</a:t>
+            </a:r>
+            <a:r>
+              <a:rPr lang="en-US" b="1" dirty="0">
+                <a:solidFill>
+                  <a:schemeClr val="tx1"/>
+                </a:solidFill>
+              </a:rPr>
+              <a:t>-outline-success"&gt;Success&lt;/button&gt;</a:t>
+            </a:r>
+            <a:br>
+              <a:rPr lang="en-US" b="1" dirty="0">
+                <a:solidFill>
+                  <a:schemeClr val="tx1"/>
+                </a:solidFill>
+              </a:rPr>
+            </a:br>
+            <a:r>
+              <a:rPr lang="en-US" b="1" dirty="0">
+                <a:solidFill>
+                  <a:schemeClr val="tx1"/>
+                </a:solidFill>
+              </a:rPr>
+              <a:t>&lt;button type="button" class="</a:t>
+            </a:r>
+            <a:r>
+              <a:rPr lang="en-US" b="1" dirty="0" err="1">
+                <a:solidFill>
+                  <a:schemeClr val="tx1"/>
+                </a:solidFill>
+              </a:rPr>
+              <a:t>btn</a:t>
+            </a:r>
+            <a:r>
+              <a:rPr lang="en-US" b="1" dirty="0">
+                <a:solidFill>
+                  <a:schemeClr val="tx1"/>
+                </a:solidFill>
+              </a:rPr>
+              <a:t> </a:t>
+            </a:r>
+            <a:r>
+              <a:rPr lang="en-US" b="1" dirty="0" err="1">
+                <a:solidFill>
+                  <a:schemeClr val="tx1"/>
+                </a:solidFill>
+              </a:rPr>
+              <a:t>btn</a:t>
+            </a:r>
+            <a:r>
+              <a:rPr lang="en-US" b="1" dirty="0">
+                <a:solidFill>
+                  <a:schemeClr val="tx1"/>
+                </a:solidFill>
+              </a:rPr>
+              <a:t>-outline-info"&gt;Info&lt;/button&gt;</a:t>
+            </a:r>
+            <a:br>
+              <a:rPr lang="en-US" b="1" dirty="0">
+                <a:solidFill>
+                  <a:schemeClr val="tx1"/>
+                </a:solidFill>
+              </a:rPr>
+            </a:br>
+            <a:r>
+              <a:rPr lang="en-US" b="1" dirty="0">
+                <a:solidFill>
+                  <a:schemeClr val="tx1"/>
+                </a:solidFill>
+              </a:rPr>
+              <a:t>&lt;button type="button" class="</a:t>
+            </a:r>
+            <a:r>
+              <a:rPr lang="en-US" b="1" dirty="0" err="1">
+                <a:solidFill>
+                  <a:schemeClr val="tx1"/>
+                </a:solidFill>
+              </a:rPr>
+              <a:t>btn</a:t>
+            </a:r>
+            <a:r>
+              <a:rPr lang="en-US" b="1" dirty="0">
+                <a:solidFill>
+                  <a:schemeClr val="tx1"/>
+                </a:solidFill>
+              </a:rPr>
+              <a:t> </a:t>
+            </a:r>
+            <a:r>
+              <a:rPr lang="en-US" b="1" dirty="0" err="1">
+                <a:solidFill>
+                  <a:schemeClr val="tx1"/>
+                </a:solidFill>
+              </a:rPr>
+              <a:t>btn</a:t>
+            </a:r>
+            <a:r>
+              <a:rPr lang="en-US" b="1" dirty="0">
+                <a:solidFill>
+                  <a:schemeClr val="tx1"/>
+                </a:solidFill>
+              </a:rPr>
+              <a:t>-outline-warning"&gt;Warning&lt;/button&gt;</a:t>
+            </a:r>
+            <a:br>
+              <a:rPr lang="en-US" b="1" dirty="0">
+                <a:solidFill>
+                  <a:schemeClr val="tx1"/>
+                </a:solidFill>
+              </a:rPr>
+            </a:br>
+            <a:r>
+              <a:rPr lang="en-US" b="1" dirty="0">
+                <a:solidFill>
+                  <a:schemeClr val="tx1"/>
+                </a:solidFill>
+              </a:rPr>
+              <a:t>&lt;button type="button" class="</a:t>
+            </a:r>
+            <a:r>
+              <a:rPr lang="en-US" b="1" dirty="0" err="1">
+                <a:solidFill>
+                  <a:schemeClr val="tx1"/>
+                </a:solidFill>
+              </a:rPr>
+              <a:t>btn</a:t>
+            </a:r>
+            <a:r>
+              <a:rPr lang="en-US" b="1" dirty="0">
+                <a:solidFill>
+                  <a:schemeClr val="tx1"/>
+                </a:solidFill>
+              </a:rPr>
+              <a:t> </a:t>
+            </a:r>
+            <a:r>
+              <a:rPr lang="en-US" b="1" dirty="0" err="1">
+                <a:solidFill>
+                  <a:schemeClr val="tx1"/>
+                </a:solidFill>
+              </a:rPr>
+              <a:t>btn</a:t>
+            </a:r>
+            <a:r>
+              <a:rPr lang="en-US" b="1" dirty="0">
+                <a:solidFill>
+                  <a:schemeClr val="tx1"/>
+                </a:solidFill>
+              </a:rPr>
+              <a:t>-outline-danger"&gt;Danger&lt;/button&gt;</a:t>
+            </a:r>
+            <a:br>
+              <a:rPr lang="en-US" b="1" dirty="0">
+                <a:solidFill>
+                  <a:schemeClr val="tx1"/>
+                </a:solidFill>
+              </a:rPr>
+            </a:br>
+            <a:r>
+              <a:rPr lang="en-US" b="1" dirty="0">
+                <a:solidFill>
+                  <a:schemeClr val="tx1"/>
+                </a:solidFill>
+              </a:rPr>
+              <a:t>&lt;button type="button" class="</a:t>
+            </a:r>
+            <a:r>
+              <a:rPr lang="en-US" b="1" dirty="0" err="1">
+                <a:solidFill>
+                  <a:schemeClr val="tx1"/>
+                </a:solidFill>
+              </a:rPr>
+              <a:t>btn</a:t>
+            </a:r>
+            <a:r>
+              <a:rPr lang="en-US" b="1" dirty="0">
+                <a:solidFill>
+                  <a:schemeClr val="tx1"/>
+                </a:solidFill>
+              </a:rPr>
+              <a:t> </a:t>
+            </a:r>
+            <a:r>
+              <a:rPr lang="en-US" b="1" dirty="0" err="1">
+                <a:solidFill>
+                  <a:schemeClr val="tx1"/>
+                </a:solidFill>
+              </a:rPr>
+              <a:t>btn</a:t>
+            </a:r>
+            <a:r>
+              <a:rPr lang="en-US" b="1" dirty="0">
+                <a:solidFill>
+                  <a:schemeClr val="tx1"/>
+                </a:solidFill>
+              </a:rPr>
+              <a:t>-outline-dark"&gt;Dark&lt;/button&gt;</a:t>
+            </a:r>
+            <a:br>
+              <a:rPr lang="en-US" b="1" dirty="0">
+                <a:solidFill>
+                  <a:schemeClr val="tx1"/>
+                </a:solidFill>
+              </a:rPr>
+            </a:br>
+            <a:r>
+              <a:rPr lang="en-US" b="1" dirty="0">
+                <a:solidFill>
+                  <a:schemeClr val="tx1"/>
+                </a:solidFill>
+              </a:rPr>
+              <a:t>&lt;button type="button" class="</a:t>
+            </a:r>
+            <a:r>
+              <a:rPr lang="en-US" b="1" dirty="0" err="1">
+                <a:solidFill>
+                  <a:schemeClr val="tx1"/>
+                </a:solidFill>
+              </a:rPr>
+              <a:t>btn</a:t>
+            </a:r>
+            <a:r>
+              <a:rPr lang="en-US" b="1" dirty="0">
+                <a:solidFill>
+                  <a:schemeClr val="tx1"/>
+                </a:solidFill>
+              </a:rPr>
+              <a:t> </a:t>
+            </a:r>
+            <a:r>
+              <a:rPr lang="en-US" b="1" dirty="0" err="1">
+                <a:solidFill>
+                  <a:schemeClr val="tx1"/>
+                </a:solidFill>
+              </a:rPr>
+              <a:t>btn</a:t>
+            </a:r>
+            <a:r>
+              <a:rPr lang="en-US" b="1" dirty="0">
+                <a:solidFill>
+                  <a:schemeClr val="tx1"/>
+                </a:solidFill>
+              </a:rPr>
+              <a:t>-outline-light text-dark"&gt;Light&lt;/button</a:t>
+            </a:r>
+            <a:r>
+              <a:rPr lang="en-US" b="1" dirty="0" smtClean="0">
+                <a:solidFill>
+                  <a:schemeClr val="tx1"/>
+                </a:solidFill>
+              </a:rPr>
+              <a:t>&gt;</a:t>
+            </a:r>
+          </a:p>
+          <a:p>
+            <a:endParaRPr lang="en-US" b="1" dirty="0">
+              <a:solidFill>
+                <a:schemeClr val="tx1"/>
+              </a:solidFill>
+            </a:endParaRPr>
+          </a:p>
+          <a:p>
+            <a:r>
+              <a:rPr lang="en-US" b="1" u="sng" dirty="0"/>
+              <a:t>Button Sizes</a:t>
+            </a:r>
+          </a:p>
+          <a:p>
+            <a:r>
+              <a:rPr lang="en-US" dirty="0"/>
+              <a:t>Use the .</a:t>
+            </a:r>
+            <a:r>
+              <a:rPr lang="en-US" dirty="0" err="1"/>
+              <a:t>btn-lg</a:t>
+            </a:r>
+            <a:r>
+              <a:rPr lang="en-US" dirty="0"/>
+              <a:t> class for large buttons or .</a:t>
+            </a:r>
+            <a:r>
+              <a:rPr lang="en-US" dirty="0" err="1"/>
+              <a:t>btn-sm</a:t>
+            </a:r>
+            <a:r>
+              <a:rPr lang="en-US" dirty="0"/>
+              <a:t> class for small buttons:</a:t>
+            </a:r>
+          </a:p>
+          <a:p>
+            <a:endParaRPr lang="en-US" b="1" dirty="0" smtClean="0">
+              <a:solidFill>
+                <a:schemeClr val="tx1"/>
+              </a:solidFill>
+            </a:endParaRPr>
+          </a:p>
+          <a:p>
+            <a:r>
+              <a:rPr lang="en-US" b="1" dirty="0">
+                <a:solidFill>
+                  <a:schemeClr val="tx1"/>
+                </a:solidFill>
+              </a:rPr>
+              <a:t>&lt;button type="button" class="</a:t>
+            </a:r>
+            <a:r>
+              <a:rPr lang="en-US" b="1" dirty="0" err="1">
+                <a:solidFill>
+                  <a:schemeClr val="tx1"/>
+                </a:solidFill>
+              </a:rPr>
+              <a:t>btn</a:t>
+            </a:r>
+            <a:r>
+              <a:rPr lang="en-US" b="1" dirty="0">
+                <a:solidFill>
+                  <a:schemeClr val="tx1"/>
+                </a:solidFill>
+              </a:rPr>
+              <a:t> </a:t>
+            </a:r>
+            <a:r>
+              <a:rPr lang="en-US" b="1" dirty="0" err="1">
+                <a:solidFill>
+                  <a:schemeClr val="tx1"/>
+                </a:solidFill>
+              </a:rPr>
+              <a:t>btn</a:t>
+            </a:r>
+            <a:r>
+              <a:rPr lang="en-US" b="1" dirty="0">
+                <a:solidFill>
+                  <a:schemeClr val="tx1"/>
+                </a:solidFill>
+              </a:rPr>
+              <a:t>-primary </a:t>
+            </a:r>
+            <a:r>
+              <a:rPr lang="en-US" b="1" dirty="0" err="1">
+                <a:solidFill>
+                  <a:schemeClr val="tx1"/>
+                </a:solidFill>
+              </a:rPr>
+              <a:t>btn-lg</a:t>
+            </a:r>
+            <a:r>
+              <a:rPr lang="en-US" b="1" dirty="0">
+                <a:solidFill>
+                  <a:schemeClr val="tx1"/>
+                </a:solidFill>
+              </a:rPr>
+              <a:t>"&gt;Large&lt;/button&gt;</a:t>
+            </a:r>
+            <a:br>
+              <a:rPr lang="en-US" b="1" dirty="0">
+                <a:solidFill>
+                  <a:schemeClr val="tx1"/>
+                </a:solidFill>
+              </a:rPr>
+            </a:br>
+            <a:r>
+              <a:rPr lang="en-US" b="1" dirty="0">
+                <a:solidFill>
+                  <a:schemeClr val="tx1"/>
+                </a:solidFill>
+              </a:rPr>
+              <a:t>&lt;button type="button" class="</a:t>
+            </a:r>
+            <a:r>
+              <a:rPr lang="en-US" b="1" dirty="0" err="1">
+                <a:solidFill>
+                  <a:schemeClr val="tx1"/>
+                </a:solidFill>
+              </a:rPr>
+              <a:t>btn</a:t>
+            </a:r>
+            <a:r>
+              <a:rPr lang="en-US" b="1" dirty="0">
+                <a:solidFill>
+                  <a:schemeClr val="tx1"/>
+                </a:solidFill>
+              </a:rPr>
+              <a:t> </a:t>
+            </a:r>
+            <a:r>
+              <a:rPr lang="en-US" b="1" dirty="0" err="1">
+                <a:solidFill>
+                  <a:schemeClr val="tx1"/>
+                </a:solidFill>
+              </a:rPr>
+              <a:t>btn</a:t>
+            </a:r>
+            <a:r>
+              <a:rPr lang="en-US" b="1" dirty="0">
+                <a:solidFill>
+                  <a:schemeClr val="tx1"/>
+                </a:solidFill>
+              </a:rPr>
+              <a:t>-primary"&gt;Default&lt;/button&gt;</a:t>
+            </a:r>
+            <a:br>
+              <a:rPr lang="en-US" b="1" dirty="0">
+                <a:solidFill>
+                  <a:schemeClr val="tx1"/>
+                </a:solidFill>
+              </a:rPr>
+            </a:br>
+            <a:r>
+              <a:rPr lang="en-US" b="1" dirty="0">
+                <a:solidFill>
+                  <a:schemeClr val="tx1"/>
+                </a:solidFill>
+              </a:rPr>
+              <a:t>&lt;button type="button" class="</a:t>
+            </a:r>
+            <a:r>
+              <a:rPr lang="en-US" b="1" dirty="0" err="1">
+                <a:solidFill>
+                  <a:schemeClr val="tx1"/>
+                </a:solidFill>
+              </a:rPr>
+              <a:t>btn</a:t>
+            </a:r>
+            <a:r>
+              <a:rPr lang="en-US" b="1" dirty="0">
+                <a:solidFill>
+                  <a:schemeClr val="tx1"/>
+                </a:solidFill>
+              </a:rPr>
+              <a:t> </a:t>
+            </a:r>
+            <a:r>
+              <a:rPr lang="en-US" b="1" dirty="0" err="1">
+                <a:solidFill>
+                  <a:schemeClr val="tx1"/>
+                </a:solidFill>
+              </a:rPr>
+              <a:t>btn</a:t>
+            </a:r>
+            <a:r>
+              <a:rPr lang="en-US" b="1" dirty="0">
+                <a:solidFill>
+                  <a:schemeClr val="tx1"/>
+                </a:solidFill>
+              </a:rPr>
+              <a:t>-primary </a:t>
+            </a:r>
+            <a:r>
+              <a:rPr lang="en-US" b="1" dirty="0" err="1">
+                <a:solidFill>
+                  <a:schemeClr val="tx1"/>
+                </a:solidFill>
+              </a:rPr>
+              <a:t>btn-sm</a:t>
+            </a:r>
+            <a:r>
+              <a:rPr lang="en-US" b="1" dirty="0">
+                <a:solidFill>
+                  <a:schemeClr val="tx1"/>
+                </a:solidFill>
+              </a:rPr>
+              <a:t>"&gt;Small&lt;/button&gt;</a:t>
+            </a:r>
+          </a:p>
+        </p:txBody>
+      </p:sp>
+    </p:spTree>
+    <p:extLst>
+      <p:ext uri="{BB962C8B-B14F-4D97-AF65-F5344CB8AC3E}">
+        <p14:creationId xmlns:p14="http://schemas.microsoft.com/office/powerpoint/2010/main" val="1933802424"/>
+      </p:ext>
+    </p:extLst>
+  </p:cSld>
+  <p:clrMapOvr>
+    <a:masterClrMapping/>
+  </p:clrMapOvr>
+  <p:timing>
+    <p:tnLst>
+      <p:par>
+        <p:cTn id="1" dur="indefinite" restart="never" nodeType="tmRoot"/>
+      </p:par>
+    </p:tnLst>
+  </p:timing>
+</p:sld>
+</file>
+
+<file path=ppt/slides/slide12.xml><?xml version="1.0" encoding="utf-8"?>
+<p:sld xmlns:a="http://schemas.openxmlformats.org/drawingml/2006/main" xmlns:r="http://schemas.openxmlformats.org/officeDocument/2006/relationships" xmlns:p="http://schemas.openxmlformats.org/presentationml/2006/main">
+  <p:cSld>
+    <p:spTree>
+      <p:nvGrpSpPr>
+        <p:cNvPr id="1" name="Shape 102"/>
+        <p:cNvGrpSpPr/>
+        <p:nvPr/>
+      </p:nvGrpSpPr>
+      <p:grpSpPr>
+        <a:xfrm>
+          <a:off x="0" y="0"/>
+          <a:ext cx="0" cy="0"/>
+          <a:chOff x="0" y="0"/>
+          <a:chExt cx="0" cy="0"/>
+        </a:xfrm>
+      </p:grpSpPr>
+      <p:sp>
+        <p:nvSpPr>
+          <p:cNvPr id="103" name="Google Shape;103;p16"/>
+          <p:cNvSpPr txBox="1">
+            <a:spLocks noGrp="1"/>
+          </p:cNvSpPr>
+          <p:nvPr>
+            <p:ph type="title"/>
+          </p:nvPr>
+        </p:nvSpPr>
+        <p:spPr>
+          <a:xfrm>
+            <a:off x="0" y="-74645"/>
+            <a:ext cx="9144000" cy="457200"/>
+          </a:xfrm>
+          <a:prstGeom prst="rect">
+            <a:avLst/>
+          </a:prstGeom>
+        </p:spPr>
+        <p:txBody>
+          <a:bodyPr spcFirstLastPara="1" wrap="square" lIns="91425" tIns="91425" rIns="91425" bIns="91425" anchor="t" anchorCtr="0">
+            <a:noAutofit/>
+          </a:bodyPr>
+          <a:lstStyle/>
+          <a:p>
+            <a:pPr marL="0" lvl="0" indent="0" algn="ctr" rtl="0">
+              <a:spcBef>
+                <a:spcPts val="0"/>
+              </a:spcBef>
+              <a:spcAft>
+                <a:spcPts val="0"/>
+              </a:spcAft>
+              <a:buSzPts val="990"/>
+              <a:buNone/>
             </a:pPr>
             <a:r>
-              <a:rPr lang="en-US" dirty="0" smtClean="0"/>
-              <a:t>Bootstrap </a:t>
-            </a:r>
-            <a:r>
-              <a:rPr lang="en-US" dirty="0"/>
-              <a:t>is a free front-end framework for faster and easier web </a:t>
-            </a:r>
-            <a:r>
-              <a:rPr lang="en-US" dirty="0" smtClean="0"/>
-              <a:t>development</a:t>
-            </a:r>
-          </a:p>
-          <a:p>
-            <a:endParaRPr lang="en-US" dirty="0"/>
-          </a:p>
-          <a:p>
-            <a:pPr marL="285750" indent="-285750">
-              <a:buFont typeface="Wingdings" pitchFamily="2" charset="2"/>
-              <a:buChar char="v"/>
+              <a:rPr lang="en" sz="2800" b="1" dirty="0" smtClean="0"/>
+              <a:t>BOOTSTRAP-BUTTONS</a:t>
+            </a:r>
+            <a:endParaRPr sz="2800" b="1" dirty="0"/>
+          </a:p>
+        </p:txBody>
+      </p:sp>
+      <p:sp>
+        <p:nvSpPr>
+          <p:cNvPr id="104" name="Google Shape;104;p16"/>
+          <p:cNvSpPr txBox="1"/>
+          <p:nvPr/>
+        </p:nvSpPr>
+        <p:spPr>
+          <a:xfrm>
+            <a:off x="321600" y="437278"/>
+            <a:ext cx="8500800" cy="4431952"/>
+          </a:xfrm>
+          <a:prstGeom prst="rect">
+            <a:avLst/>
+          </a:prstGeom>
+          <a:noFill/>
+          <a:ln>
+            <a:noFill/>
+          </a:ln>
+        </p:spPr>
+        <p:txBody>
+          <a:bodyPr spcFirstLastPara="1" wrap="square" lIns="91425" tIns="91425" rIns="91425" bIns="91425" anchor="t" anchorCtr="0">
+            <a:spAutoFit/>
+          </a:bodyPr>
+          <a:lstStyle/>
+          <a:p>
+            <a:r>
+              <a:rPr lang="en-US" sz="1200" b="1" u="sng" dirty="0"/>
+              <a:t>Active/Disabled Buttons</a:t>
+            </a:r>
+          </a:p>
+          <a:p>
+            <a:r>
+              <a:rPr lang="en-US" sz="1200" dirty="0"/>
+              <a:t>A button can be set to an active (appear pressed) or a disabled (</a:t>
+            </a:r>
+            <a:r>
+              <a:rPr lang="en-US" sz="1200" dirty="0" err="1"/>
+              <a:t>unclickable</a:t>
+            </a:r>
+            <a:r>
+              <a:rPr lang="en-US" sz="1200" dirty="0"/>
+              <a:t>) state</a:t>
+            </a:r>
+            <a:r>
+              <a:rPr lang="en-US" sz="1200" dirty="0" smtClean="0"/>
+              <a:t>:</a:t>
+            </a:r>
+          </a:p>
+          <a:p>
+            <a:endParaRPr lang="en-US" sz="1200" dirty="0"/>
+          </a:p>
+          <a:p>
+            <a:r>
+              <a:rPr lang="en-US" sz="1200" dirty="0"/>
+              <a:t>The class .active makes a button appear pressed, and the disabled attribute makes a button </a:t>
+            </a:r>
+            <a:r>
+              <a:rPr lang="en-US" sz="1200" dirty="0" err="1" smtClean="0"/>
+              <a:t>unclickable</a:t>
+            </a:r>
+            <a:endParaRPr lang="en-US" sz="1200" dirty="0" smtClean="0"/>
+          </a:p>
+          <a:p>
+            <a:endParaRPr lang="en-US" sz="1200" dirty="0"/>
+          </a:p>
+          <a:p>
+            <a:r>
+              <a:rPr lang="en-US" sz="1200" b="1" dirty="0">
+                <a:solidFill>
+                  <a:schemeClr val="tx1"/>
+                </a:solidFill>
+              </a:rPr>
+              <a:t>&lt;button type="button" class="</a:t>
+            </a:r>
+            <a:r>
+              <a:rPr lang="en-US" sz="1200" b="1" dirty="0" err="1">
+                <a:solidFill>
+                  <a:schemeClr val="tx1"/>
+                </a:solidFill>
+              </a:rPr>
+              <a:t>btn</a:t>
+            </a:r>
+            <a:r>
+              <a:rPr lang="en-US" sz="1200" b="1" dirty="0">
+                <a:solidFill>
+                  <a:schemeClr val="tx1"/>
+                </a:solidFill>
+              </a:rPr>
+              <a:t> </a:t>
+            </a:r>
+            <a:r>
+              <a:rPr lang="en-US" sz="1200" b="1" dirty="0" err="1">
+                <a:solidFill>
+                  <a:schemeClr val="tx1"/>
+                </a:solidFill>
+              </a:rPr>
+              <a:t>btn</a:t>
+            </a:r>
+            <a:r>
+              <a:rPr lang="en-US" sz="1200" b="1" dirty="0">
+                <a:solidFill>
+                  <a:schemeClr val="tx1"/>
+                </a:solidFill>
+              </a:rPr>
+              <a:t>-primary active"&gt;Active Primary&lt;/button&gt;</a:t>
+            </a:r>
+            <a:br>
+              <a:rPr lang="en-US" sz="1200" b="1" dirty="0">
+                <a:solidFill>
+                  <a:schemeClr val="tx1"/>
+                </a:solidFill>
+              </a:rPr>
+            </a:br>
+            <a:r>
+              <a:rPr lang="en-US" sz="1200" b="1" dirty="0">
+                <a:solidFill>
+                  <a:schemeClr val="tx1"/>
+                </a:solidFill>
+              </a:rPr>
+              <a:t>&lt;button type="button" class="</a:t>
+            </a:r>
+            <a:r>
+              <a:rPr lang="en-US" sz="1200" b="1" dirty="0" err="1">
+                <a:solidFill>
+                  <a:schemeClr val="tx1"/>
+                </a:solidFill>
+              </a:rPr>
+              <a:t>btn</a:t>
+            </a:r>
+            <a:r>
+              <a:rPr lang="en-US" sz="1200" b="1" dirty="0">
+                <a:solidFill>
+                  <a:schemeClr val="tx1"/>
+                </a:solidFill>
+              </a:rPr>
+              <a:t> </a:t>
+            </a:r>
+            <a:r>
+              <a:rPr lang="en-US" sz="1200" b="1" dirty="0" err="1">
+                <a:solidFill>
+                  <a:schemeClr val="tx1"/>
+                </a:solidFill>
+              </a:rPr>
+              <a:t>btn</a:t>
+            </a:r>
+            <a:r>
+              <a:rPr lang="en-US" sz="1200" b="1" dirty="0">
+                <a:solidFill>
+                  <a:schemeClr val="tx1"/>
+                </a:solidFill>
+              </a:rPr>
+              <a:t>-primary" disabled&gt;Disabled Primary&lt;/button&gt;</a:t>
+            </a:r>
+            <a:br>
+              <a:rPr lang="en-US" sz="1200" b="1" dirty="0">
+                <a:solidFill>
+                  <a:schemeClr val="tx1"/>
+                </a:solidFill>
+              </a:rPr>
+            </a:br>
+            <a:r>
+              <a:rPr lang="en-US" sz="1200" b="1" dirty="0">
+                <a:solidFill>
+                  <a:schemeClr val="tx1"/>
+                </a:solidFill>
+              </a:rPr>
+              <a:t>&lt;a </a:t>
+            </a:r>
+            <a:r>
+              <a:rPr lang="en-US" sz="1200" b="1" dirty="0" err="1">
+                <a:solidFill>
+                  <a:schemeClr val="tx1"/>
+                </a:solidFill>
+              </a:rPr>
+              <a:t>href</a:t>
+            </a:r>
+            <a:r>
+              <a:rPr lang="en-US" sz="1200" b="1" dirty="0">
+                <a:solidFill>
+                  <a:schemeClr val="tx1"/>
+                </a:solidFill>
+              </a:rPr>
+              <a:t>="#" class="</a:t>
+            </a:r>
+            <a:r>
+              <a:rPr lang="en-US" sz="1200" b="1" dirty="0" err="1">
+                <a:solidFill>
+                  <a:schemeClr val="tx1"/>
+                </a:solidFill>
+              </a:rPr>
+              <a:t>btn</a:t>
+            </a:r>
+            <a:r>
+              <a:rPr lang="en-US" sz="1200" b="1" dirty="0">
+                <a:solidFill>
+                  <a:schemeClr val="tx1"/>
+                </a:solidFill>
+              </a:rPr>
+              <a:t> </a:t>
+            </a:r>
+            <a:r>
+              <a:rPr lang="en-US" sz="1200" b="1" dirty="0" err="1">
+                <a:solidFill>
+                  <a:schemeClr val="tx1"/>
+                </a:solidFill>
+              </a:rPr>
+              <a:t>btn</a:t>
+            </a:r>
+            <a:r>
+              <a:rPr lang="en-US" sz="1200" b="1" dirty="0">
+                <a:solidFill>
+                  <a:schemeClr val="tx1"/>
+                </a:solidFill>
+              </a:rPr>
+              <a:t>-primary disabled"&gt;Disabled Link&lt;/a</a:t>
+            </a:r>
+            <a:r>
+              <a:rPr lang="en-US" sz="1200" b="1" dirty="0" smtClean="0">
+                <a:solidFill>
+                  <a:schemeClr val="tx1"/>
+                </a:solidFill>
+              </a:rPr>
+              <a:t>&gt;</a:t>
+            </a:r>
+          </a:p>
+          <a:p>
+            <a:endParaRPr lang="en-US" sz="1200" b="1" dirty="0">
+              <a:solidFill>
+                <a:schemeClr val="tx1"/>
+              </a:solidFill>
+            </a:endParaRPr>
+          </a:p>
+          <a:p>
+            <a:r>
+              <a:rPr lang="en-US" sz="1200" b="1" u="sng" dirty="0"/>
+              <a:t>Spinner Buttons</a:t>
+            </a:r>
+          </a:p>
+          <a:p>
+            <a:r>
+              <a:rPr lang="en-US" sz="1200" b="1" dirty="0">
+                <a:solidFill>
+                  <a:schemeClr val="tx1"/>
+                </a:solidFill>
+              </a:rPr>
+              <a:t>&lt;button class="</a:t>
+            </a:r>
+            <a:r>
+              <a:rPr lang="en-US" sz="1200" b="1" dirty="0" err="1">
+                <a:solidFill>
+                  <a:schemeClr val="tx1"/>
+                </a:solidFill>
+              </a:rPr>
+              <a:t>btn</a:t>
+            </a:r>
+            <a:r>
+              <a:rPr lang="en-US" sz="1200" b="1" dirty="0">
+                <a:solidFill>
+                  <a:schemeClr val="tx1"/>
+                </a:solidFill>
+              </a:rPr>
+              <a:t> </a:t>
+            </a:r>
+            <a:r>
+              <a:rPr lang="en-US" sz="1200" b="1" dirty="0" err="1">
+                <a:solidFill>
+                  <a:schemeClr val="tx1"/>
+                </a:solidFill>
+              </a:rPr>
+              <a:t>btn</a:t>
+            </a:r>
+            <a:r>
+              <a:rPr lang="en-US" sz="1200" b="1" dirty="0">
+                <a:solidFill>
+                  <a:schemeClr val="tx1"/>
+                </a:solidFill>
+              </a:rPr>
+              <a:t>-primary"&gt;</a:t>
+            </a:r>
+            <a:br>
+              <a:rPr lang="en-US" sz="1200" b="1" dirty="0">
+                <a:solidFill>
+                  <a:schemeClr val="tx1"/>
+                </a:solidFill>
+              </a:rPr>
+            </a:br>
+            <a:r>
+              <a:rPr lang="en-US" sz="1200" b="1" dirty="0">
+                <a:solidFill>
+                  <a:schemeClr val="tx1"/>
+                </a:solidFill>
+              </a:rPr>
+              <a:t>  &lt;span class="spinner-border spinner-border-</a:t>
+            </a:r>
+            <a:r>
+              <a:rPr lang="en-US" sz="1200" b="1" dirty="0" err="1">
+                <a:solidFill>
+                  <a:schemeClr val="tx1"/>
+                </a:solidFill>
+              </a:rPr>
+              <a:t>sm</a:t>
+            </a:r>
+            <a:r>
+              <a:rPr lang="en-US" sz="1200" b="1" dirty="0">
+                <a:solidFill>
+                  <a:schemeClr val="tx1"/>
+                </a:solidFill>
+              </a:rPr>
+              <a:t>"&gt;&lt;/span&gt;</a:t>
+            </a:r>
+            <a:br>
+              <a:rPr lang="en-US" sz="1200" b="1" dirty="0">
+                <a:solidFill>
+                  <a:schemeClr val="tx1"/>
+                </a:solidFill>
+              </a:rPr>
+            </a:br>
+            <a:r>
+              <a:rPr lang="en-US" sz="1200" b="1" dirty="0">
+                <a:solidFill>
+                  <a:schemeClr val="tx1"/>
+                </a:solidFill>
+              </a:rPr>
+              <a:t>&lt;/button&gt;</a:t>
+            </a:r>
+            <a:br>
+              <a:rPr lang="en-US" sz="1200" b="1" dirty="0">
+                <a:solidFill>
+                  <a:schemeClr val="tx1"/>
+                </a:solidFill>
+              </a:rPr>
+            </a:br>
+            <a:r>
+              <a:rPr lang="en-US" sz="1200" b="1" dirty="0">
+                <a:solidFill>
+                  <a:schemeClr val="tx1"/>
+                </a:solidFill>
+              </a:rPr>
+              <a:t/>
+            </a:r>
+            <a:br>
+              <a:rPr lang="en-US" sz="1200" b="1" dirty="0">
+                <a:solidFill>
+                  <a:schemeClr val="tx1"/>
+                </a:solidFill>
+              </a:rPr>
+            </a:br>
+            <a:r>
+              <a:rPr lang="en-US" sz="1200" b="1" dirty="0">
+                <a:solidFill>
+                  <a:schemeClr val="tx1"/>
+                </a:solidFill>
+              </a:rPr>
+              <a:t>&lt;button class="</a:t>
+            </a:r>
+            <a:r>
+              <a:rPr lang="en-US" sz="1200" b="1" dirty="0" err="1">
+                <a:solidFill>
+                  <a:schemeClr val="tx1"/>
+                </a:solidFill>
+              </a:rPr>
+              <a:t>btn</a:t>
+            </a:r>
+            <a:r>
+              <a:rPr lang="en-US" sz="1200" b="1" dirty="0">
+                <a:solidFill>
+                  <a:schemeClr val="tx1"/>
+                </a:solidFill>
+              </a:rPr>
+              <a:t> </a:t>
+            </a:r>
+            <a:r>
+              <a:rPr lang="en-US" sz="1200" b="1" dirty="0" err="1">
+                <a:solidFill>
+                  <a:schemeClr val="tx1"/>
+                </a:solidFill>
+              </a:rPr>
+              <a:t>btn</a:t>
+            </a:r>
+            <a:r>
+              <a:rPr lang="en-US" sz="1200" b="1" dirty="0">
+                <a:solidFill>
+                  <a:schemeClr val="tx1"/>
+                </a:solidFill>
+              </a:rPr>
+              <a:t>-primary"&gt;</a:t>
+            </a:r>
+            <a:br>
+              <a:rPr lang="en-US" sz="1200" b="1" dirty="0">
+                <a:solidFill>
+                  <a:schemeClr val="tx1"/>
+                </a:solidFill>
+              </a:rPr>
+            </a:br>
+            <a:r>
+              <a:rPr lang="en-US" sz="1200" b="1" dirty="0">
+                <a:solidFill>
+                  <a:schemeClr val="tx1"/>
+                </a:solidFill>
+              </a:rPr>
+              <a:t>  &lt;span class="spinner-border spinner-border-</a:t>
+            </a:r>
+            <a:r>
+              <a:rPr lang="en-US" sz="1200" b="1" dirty="0" err="1">
+                <a:solidFill>
+                  <a:schemeClr val="tx1"/>
+                </a:solidFill>
+              </a:rPr>
+              <a:t>sm</a:t>
+            </a:r>
+            <a:r>
+              <a:rPr lang="en-US" sz="1200" b="1" dirty="0">
+                <a:solidFill>
+                  <a:schemeClr val="tx1"/>
+                </a:solidFill>
+              </a:rPr>
+              <a:t>"&gt;&lt;/span&gt;</a:t>
+            </a:r>
+            <a:br>
+              <a:rPr lang="en-US" sz="1200" b="1" dirty="0">
+                <a:solidFill>
+                  <a:schemeClr val="tx1"/>
+                </a:solidFill>
+              </a:rPr>
+            </a:br>
+            <a:r>
+              <a:rPr lang="en-US" sz="1200" b="1" dirty="0">
+                <a:solidFill>
+                  <a:schemeClr val="tx1"/>
+                </a:solidFill>
+              </a:rPr>
+              <a:t>  Loading..</a:t>
+            </a:r>
+            <a:br>
+              <a:rPr lang="en-US" sz="1200" b="1" dirty="0">
+                <a:solidFill>
+                  <a:schemeClr val="tx1"/>
+                </a:solidFill>
+              </a:rPr>
+            </a:br>
+            <a:r>
+              <a:rPr lang="en-US" sz="1200" b="1" dirty="0">
+                <a:solidFill>
+                  <a:schemeClr val="tx1"/>
+                </a:solidFill>
+              </a:rPr>
+              <a:t>&lt;/button&gt;</a:t>
+            </a:r>
+            <a:br>
+              <a:rPr lang="en-US" sz="1200" b="1" dirty="0">
+                <a:solidFill>
+                  <a:schemeClr val="tx1"/>
+                </a:solidFill>
+              </a:rPr>
+            </a:br>
+            <a:r>
+              <a:rPr lang="en-US" sz="1200" b="1" dirty="0">
+                <a:solidFill>
+                  <a:schemeClr val="tx1"/>
+                </a:solidFill>
+              </a:rPr>
+              <a:t/>
+            </a:r>
+            <a:br>
+              <a:rPr lang="en-US" sz="1200" b="1" dirty="0">
+                <a:solidFill>
+                  <a:schemeClr val="tx1"/>
+                </a:solidFill>
+              </a:rPr>
+            </a:br>
+            <a:r>
+              <a:rPr lang="en-US" sz="1200" b="1" dirty="0" smtClean="0">
+                <a:solidFill>
+                  <a:schemeClr val="tx1"/>
+                </a:solidFill>
+              </a:rPr>
+              <a:t>&lt;</a:t>
+            </a:r>
+            <a:r>
+              <a:rPr lang="en-US" sz="1200" b="1" dirty="0">
+                <a:solidFill>
+                  <a:schemeClr val="tx1"/>
+                </a:solidFill>
+              </a:rPr>
+              <a:t>button class="</a:t>
+            </a:r>
+            <a:r>
+              <a:rPr lang="en-US" sz="1200" b="1" dirty="0" err="1">
+                <a:solidFill>
+                  <a:schemeClr val="tx1"/>
+                </a:solidFill>
+              </a:rPr>
+              <a:t>btn</a:t>
+            </a:r>
+            <a:r>
+              <a:rPr lang="en-US" sz="1200" b="1" dirty="0">
+                <a:solidFill>
+                  <a:schemeClr val="tx1"/>
+                </a:solidFill>
+              </a:rPr>
+              <a:t> </a:t>
+            </a:r>
+            <a:r>
+              <a:rPr lang="en-US" sz="1200" b="1" dirty="0" err="1">
+                <a:solidFill>
+                  <a:schemeClr val="tx1"/>
+                </a:solidFill>
+              </a:rPr>
+              <a:t>btn</a:t>
+            </a:r>
+            <a:r>
+              <a:rPr lang="en-US" sz="1200" b="1" dirty="0">
+                <a:solidFill>
+                  <a:schemeClr val="tx1"/>
+                </a:solidFill>
+              </a:rPr>
+              <a:t>-primary" disabled&gt;</a:t>
+            </a:r>
+            <a:br>
+              <a:rPr lang="en-US" sz="1200" b="1" dirty="0">
+                <a:solidFill>
+                  <a:schemeClr val="tx1"/>
+                </a:solidFill>
+              </a:rPr>
+            </a:br>
+            <a:r>
+              <a:rPr lang="en-US" sz="1200" b="1" dirty="0">
+                <a:solidFill>
+                  <a:schemeClr val="tx1"/>
+                </a:solidFill>
+              </a:rPr>
+              <a:t>  &lt;span class="spinner-grow spinner-grow-</a:t>
+            </a:r>
+            <a:r>
+              <a:rPr lang="en-US" sz="1200" b="1" dirty="0" err="1">
+                <a:solidFill>
+                  <a:schemeClr val="tx1"/>
+                </a:solidFill>
+              </a:rPr>
+              <a:t>sm</a:t>
+            </a:r>
+            <a:r>
+              <a:rPr lang="en-US" sz="1200" b="1" dirty="0">
+                <a:solidFill>
+                  <a:schemeClr val="tx1"/>
+                </a:solidFill>
+              </a:rPr>
+              <a:t>"&gt;&lt;/span&gt;</a:t>
+            </a:r>
+            <a:br>
+              <a:rPr lang="en-US" sz="1200" b="1" dirty="0">
+                <a:solidFill>
+                  <a:schemeClr val="tx1"/>
+                </a:solidFill>
+              </a:rPr>
+            </a:br>
+            <a:r>
+              <a:rPr lang="en-US" sz="1200" b="1" dirty="0">
+                <a:solidFill>
+                  <a:schemeClr val="tx1"/>
+                </a:solidFill>
+              </a:rPr>
+              <a:t>  Loading..</a:t>
+            </a:r>
+            <a:br>
+              <a:rPr lang="en-US" sz="1200" b="1" dirty="0">
+                <a:solidFill>
+                  <a:schemeClr val="tx1"/>
+                </a:solidFill>
+              </a:rPr>
+            </a:br>
+            <a:r>
+              <a:rPr lang="en-US" sz="1200" b="1" dirty="0">
+                <a:solidFill>
+                  <a:schemeClr val="tx1"/>
+                </a:solidFill>
+              </a:rPr>
+              <a:t>&lt;/button&gt;</a:t>
+            </a:r>
+          </a:p>
+        </p:txBody>
+      </p:sp>
+    </p:spTree>
+    <p:extLst>
+      <p:ext uri="{BB962C8B-B14F-4D97-AF65-F5344CB8AC3E}">
+        <p14:creationId xmlns:p14="http://schemas.microsoft.com/office/powerpoint/2010/main" val="1975021924"/>
+      </p:ext>
+    </p:extLst>
+  </p:cSld>
+  <p:clrMapOvr>
+    <a:masterClrMapping/>
+  </p:clrMapOvr>
+  <p:timing>
+    <p:tnLst>
+      <p:par>
+        <p:cTn id="1" dur="indefinite" restart="never" nodeType="tmRoot"/>
+      </p:par>
+    </p:tnLst>
+  </p:timing>
+</p:sld>
+</file>
+
+<file path=ppt/slides/slide13.xml><?xml version="1.0" encoding="utf-8"?>
+<p:sld xmlns:a="http://schemas.openxmlformats.org/drawingml/2006/main" xmlns:r="http://schemas.openxmlformats.org/officeDocument/2006/relationships" xmlns:p="http://schemas.openxmlformats.org/presentationml/2006/main">
+  <p:cSld>
+    <p:spTree>
+      <p:nvGrpSpPr>
+        <p:cNvPr id="1" name="Shape 102"/>
+        <p:cNvGrpSpPr/>
+        <p:nvPr/>
+      </p:nvGrpSpPr>
+      <p:grpSpPr>
+        <a:xfrm>
+          <a:off x="0" y="0"/>
+          <a:ext cx="0" cy="0"/>
+          <a:chOff x="0" y="0"/>
+          <a:chExt cx="0" cy="0"/>
+        </a:xfrm>
+      </p:grpSpPr>
+      <p:sp>
+        <p:nvSpPr>
+          <p:cNvPr id="103" name="Google Shape;103;p16"/>
+          <p:cNvSpPr txBox="1">
+            <a:spLocks noGrp="1"/>
+          </p:cNvSpPr>
+          <p:nvPr>
+            <p:ph type="title"/>
+          </p:nvPr>
+        </p:nvSpPr>
+        <p:spPr>
+          <a:xfrm>
+            <a:off x="0" y="-74645"/>
+            <a:ext cx="9144000" cy="457200"/>
+          </a:xfrm>
+          <a:prstGeom prst="rect">
+            <a:avLst/>
+          </a:prstGeom>
+        </p:spPr>
+        <p:txBody>
+          <a:bodyPr spcFirstLastPara="1" wrap="square" lIns="91425" tIns="91425" rIns="91425" bIns="91425" anchor="t" anchorCtr="0">
+            <a:noAutofit/>
+          </a:bodyPr>
+          <a:lstStyle/>
+          <a:p>
+            <a:pPr marL="0" lvl="0" indent="0" algn="ctr" rtl="0">
+              <a:spcBef>
+                <a:spcPts val="0"/>
+              </a:spcBef>
+              <a:spcAft>
+                <a:spcPts val="0"/>
+              </a:spcAft>
+              <a:buSzPts val="990"/>
+              <a:buNone/>
             </a:pPr>
             <a:r>
-              <a:rPr lang="en-US" dirty="0"/>
-              <a:t>Bootstrap includes HTML and CSS based design templates for typography, forms, buttons, tables, navigation, modals, image carousels and many other, as well as optional JavaScript plugins</a:t>
-            </a:r>
-          </a:p>
-          <a:p>
-            <a:pPr marL="285750" indent="-285750">
-              <a:buFont typeface="Wingdings" pitchFamily="2" charset="2"/>
-              <a:buChar char="v"/>
+              <a:rPr lang="en" sz="2800" b="1" dirty="0" smtClean="0"/>
+              <a:t>BOOTSTRAP-SPINNERS</a:t>
+            </a:r>
+            <a:endParaRPr sz="2800" b="1" dirty="0"/>
+          </a:p>
+        </p:txBody>
+      </p:sp>
+      <p:sp>
+        <p:nvSpPr>
+          <p:cNvPr id="104" name="Google Shape;104;p16"/>
+          <p:cNvSpPr txBox="1"/>
+          <p:nvPr/>
+        </p:nvSpPr>
+        <p:spPr>
+          <a:xfrm>
+            <a:off x="321600" y="437278"/>
+            <a:ext cx="8500800" cy="4247286"/>
+          </a:xfrm>
+          <a:prstGeom prst="rect">
+            <a:avLst/>
+          </a:prstGeom>
+          <a:noFill/>
+          <a:ln>
+            <a:noFill/>
+          </a:ln>
+        </p:spPr>
+        <p:txBody>
+          <a:bodyPr spcFirstLastPara="1" wrap="square" lIns="91425" tIns="91425" rIns="91425" bIns="91425" anchor="t" anchorCtr="0">
+            <a:spAutoFit/>
+          </a:bodyPr>
+          <a:lstStyle/>
+          <a:p>
+            <a:r>
+              <a:rPr lang="en-US" sz="1200" b="1" u="sng" dirty="0"/>
+              <a:t>Spinners</a:t>
+            </a:r>
+          </a:p>
+          <a:p>
+            <a:r>
+              <a:rPr lang="en-US" sz="1200" dirty="0"/>
+              <a:t>To create a spinner/loader, use the .spinner-border class</a:t>
+            </a:r>
+            <a:r>
+              <a:rPr lang="en-US" sz="1200" dirty="0" smtClean="0"/>
+              <a:t>:.</a:t>
+            </a:r>
+          </a:p>
+          <a:p>
+            <a:r>
+              <a:rPr lang="en-US" sz="1200" b="1" dirty="0">
+                <a:solidFill>
+                  <a:schemeClr val="tx1"/>
+                </a:solidFill>
+              </a:rPr>
+              <a:t>&lt;div class="spinner-border"&gt;&lt;/div</a:t>
+            </a:r>
+            <a:r>
+              <a:rPr lang="en-US" sz="1200" b="1" dirty="0" smtClean="0">
+                <a:solidFill>
+                  <a:schemeClr val="tx1"/>
+                </a:solidFill>
+              </a:rPr>
+              <a:t>&gt;</a:t>
+            </a:r>
+          </a:p>
+          <a:p>
+            <a:endParaRPr lang="en-US" sz="1200" b="1" dirty="0">
+              <a:solidFill>
+                <a:schemeClr val="tx1"/>
+              </a:solidFill>
+            </a:endParaRPr>
+          </a:p>
+          <a:p>
+            <a:r>
+              <a:rPr lang="en-US" sz="1200" b="1" dirty="0">
+                <a:solidFill>
+                  <a:schemeClr val="tx1"/>
+                </a:solidFill>
+              </a:rPr>
+              <a:t>&lt;div class="spinner-border text-muted"&gt;&lt;/div&gt;</a:t>
+            </a:r>
+            <a:br>
+              <a:rPr lang="en-US" sz="1200" b="1" dirty="0">
+                <a:solidFill>
+                  <a:schemeClr val="tx1"/>
+                </a:solidFill>
+              </a:rPr>
+            </a:br>
+            <a:r>
+              <a:rPr lang="en-US" sz="1200" b="1" dirty="0">
+                <a:solidFill>
+                  <a:schemeClr val="tx1"/>
+                </a:solidFill>
+              </a:rPr>
+              <a:t>&lt;div class="spinner-border text-primary"&gt;&lt;/div&gt;</a:t>
+            </a:r>
+            <a:br>
+              <a:rPr lang="en-US" sz="1200" b="1" dirty="0">
+                <a:solidFill>
+                  <a:schemeClr val="tx1"/>
+                </a:solidFill>
+              </a:rPr>
+            </a:br>
+            <a:r>
+              <a:rPr lang="en-US" sz="1200" b="1" dirty="0">
+                <a:solidFill>
+                  <a:schemeClr val="tx1"/>
+                </a:solidFill>
+              </a:rPr>
+              <a:t>&lt;div class="spinner-border text-success"&gt;&lt;/div&gt;</a:t>
+            </a:r>
+            <a:br>
+              <a:rPr lang="en-US" sz="1200" b="1" dirty="0">
+                <a:solidFill>
+                  <a:schemeClr val="tx1"/>
+                </a:solidFill>
+              </a:rPr>
+            </a:br>
+            <a:r>
+              <a:rPr lang="en-US" sz="1200" b="1" dirty="0">
+                <a:solidFill>
+                  <a:schemeClr val="tx1"/>
+                </a:solidFill>
+              </a:rPr>
+              <a:t>&lt;div class="spinner-border text-info"&gt;&lt;/div&gt;</a:t>
+            </a:r>
+            <a:br>
+              <a:rPr lang="en-US" sz="1200" b="1" dirty="0">
+                <a:solidFill>
+                  <a:schemeClr val="tx1"/>
+                </a:solidFill>
+              </a:rPr>
+            </a:br>
+            <a:r>
+              <a:rPr lang="en-US" sz="1200" b="1" dirty="0">
+                <a:solidFill>
+                  <a:schemeClr val="tx1"/>
+                </a:solidFill>
+              </a:rPr>
+              <a:t>&lt;div class="spinner-border text-warning"&gt;&lt;/div&gt;</a:t>
+            </a:r>
+            <a:br>
+              <a:rPr lang="en-US" sz="1200" b="1" dirty="0">
+                <a:solidFill>
+                  <a:schemeClr val="tx1"/>
+                </a:solidFill>
+              </a:rPr>
+            </a:br>
+            <a:r>
+              <a:rPr lang="en-US" sz="1200" b="1" dirty="0">
+                <a:solidFill>
+                  <a:schemeClr val="tx1"/>
+                </a:solidFill>
+              </a:rPr>
+              <a:t>&lt;div class="spinner-border text-danger"&gt;&lt;/div&gt;</a:t>
+            </a:r>
+            <a:br>
+              <a:rPr lang="en-US" sz="1200" b="1" dirty="0">
+                <a:solidFill>
+                  <a:schemeClr val="tx1"/>
+                </a:solidFill>
+              </a:rPr>
+            </a:br>
+            <a:r>
+              <a:rPr lang="en-US" sz="1200" b="1" dirty="0">
+                <a:solidFill>
+                  <a:schemeClr val="tx1"/>
+                </a:solidFill>
+              </a:rPr>
+              <a:t>&lt;div class="spinner-border text-secondary"&gt;&lt;/div&gt;</a:t>
+            </a:r>
+            <a:br>
+              <a:rPr lang="en-US" sz="1200" b="1" dirty="0">
+                <a:solidFill>
+                  <a:schemeClr val="tx1"/>
+                </a:solidFill>
+              </a:rPr>
+            </a:br>
+            <a:r>
+              <a:rPr lang="en-US" sz="1200" b="1" dirty="0">
+                <a:solidFill>
+                  <a:schemeClr val="tx1"/>
+                </a:solidFill>
+              </a:rPr>
+              <a:t>&lt;div class="spinner-border text-dark"&gt;&lt;/div&gt;</a:t>
+            </a:r>
+            <a:br>
+              <a:rPr lang="en-US" sz="1200" b="1" dirty="0">
+                <a:solidFill>
+                  <a:schemeClr val="tx1"/>
+                </a:solidFill>
+              </a:rPr>
+            </a:br>
+            <a:r>
+              <a:rPr lang="en-US" sz="1200" b="1" dirty="0">
+                <a:solidFill>
+                  <a:schemeClr val="tx1"/>
+                </a:solidFill>
+              </a:rPr>
+              <a:t>&lt;div class="spinner-border text-light"&gt;&lt;/div</a:t>
+            </a:r>
+            <a:r>
+              <a:rPr lang="en-US" sz="1200" b="1" dirty="0" smtClean="0">
+                <a:solidFill>
+                  <a:schemeClr val="tx1"/>
+                </a:solidFill>
+              </a:rPr>
+              <a:t>&gt;</a:t>
+            </a:r>
+          </a:p>
+          <a:p>
+            <a:endParaRPr lang="en-US" sz="1200" b="1" dirty="0">
+              <a:solidFill>
+                <a:schemeClr val="tx1"/>
+              </a:solidFill>
+            </a:endParaRPr>
+          </a:p>
+          <a:p>
+            <a:r>
+              <a:rPr lang="en-US" sz="1200" b="1" u="sng" dirty="0"/>
+              <a:t>Growing Spinners</a:t>
+            </a:r>
+          </a:p>
+          <a:p>
+            <a:r>
+              <a:rPr lang="en-US" sz="1200" dirty="0"/>
+              <a:t>Use the .spinner-grow class if you want the spinner/loader to grow instead of "spin":</a:t>
+            </a:r>
+          </a:p>
+          <a:p>
+            <a:r>
+              <a:rPr lang="en-US" sz="1200" b="1" dirty="0">
+                <a:solidFill>
+                  <a:schemeClr val="tx1"/>
+                </a:solidFill>
+              </a:rPr>
+              <a:t>&lt;div class="spinner-grow text-muted"&gt;&lt;/div&gt;</a:t>
+            </a:r>
+            <a:br>
+              <a:rPr lang="en-US" sz="1200" b="1" dirty="0">
+                <a:solidFill>
+                  <a:schemeClr val="tx1"/>
+                </a:solidFill>
+              </a:rPr>
+            </a:br>
+            <a:r>
+              <a:rPr lang="en-US" sz="1200" b="1" dirty="0">
+                <a:solidFill>
+                  <a:schemeClr val="tx1"/>
+                </a:solidFill>
+              </a:rPr>
+              <a:t>&lt;div class="spinner-grow text-primary"&gt;&lt;/div&gt;</a:t>
+            </a:r>
+            <a:br>
+              <a:rPr lang="en-US" sz="1200" b="1" dirty="0">
+                <a:solidFill>
+                  <a:schemeClr val="tx1"/>
+                </a:solidFill>
+              </a:rPr>
+            </a:br>
+            <a:r>
+              <a:rPr lang="en-US" sz="1200" b="1" dirty="0">
+                <a:solidFill>
+                  <a:schemeClr val="tx1"/>
+                </a:solidFill>
+              </a:rPr>
+              <a:t>&lt;div class="spinner-grow text-success"&gt;&lt;/div&gt;</a:t>
+            </a:r>
+            <a:br>
+              <a:rPr lang="en-US" sz="1200" b="1" dirty="0">
+                <a:solidFill>
+                  <a:schemeClr val="tx1"/>
+                </a:solidFill>
+              </a:rPr>
+            </a:br>
+            <a:r>
+              <a:rPr lang="en-US" sz="1200" b="1" dirty="0">
+                <a:solidFill>
+                  <a:schemeClr val="tx1"/>
+                </a:solidFill>
+              </a:rPr>
+              <a:t>&lt;div class="spinner-grow text-info"&gt;&lt;/div&gt;</a:t>
+            </a:r>
+            <a:br>
+              <a:rPr lang="en-US" sz="1200" b="1" dirty="0">
+                <a:solidFill>
+                  <a:schemeClr val="tx1"/>
+                </a:solidFill>
+              </a:rPr>
+            </a:br>
+            <a:r>
+              <a:rPr lang="en-US" sz="1200" b="1" dirty="0">
+                <a:solidFill>
+                  <a:schemeClr val="tx1"/>
+                </a:solidFill>
+              </a:rPr>
+              <a:t>&lt;div class="spinner-grow text-warning"&gt;&lt;/div&gt;</a:t>
+            </a:r>
+            <a:br>
+              <a:rPr lang="en-US" sz="1200" b="1" dirty="0">
+                <a:solidFill>
+                  <a:schemeClr val="tx1"/>
+                </a:solidFill>
+              </a:rPr>
+            </a:br>
+            <a:r>
+              <a:rPr lang="en-US" sz="1200" b="1" dirty="0">
+                <a:solidFill>
+                  <a:schemeClr val="tx1"/>
+                </a:solidFill>
+              </a:rPr>
+              <a:t>&lt;div class="spinner-grow text-danger"&gt;&lt;/div&gt;</a:t>
+            </a:r>
+          </a:p>
+        </p:txBody>
+      </p:sp>
+    </p:spTree>
+    <p:extLst>
+      <p:ext uri="{BB962C8B-B14F-4D97-AF65-F5344CB8AC3E}">
+        <p14:creationId xmlns:p14="http://schemas.microsoft.com/office/powerpoint/2010/main" val="880493487"/>
+      </p:ext>
+    </p:extLst>
+  </p:cSld>
+  <p:clrMapOvr>
+    <a:masterClrMapping/>
+  </p:clrMapOvr>
+  <p:timing>
+    <p:tnLst>
+      <p:par>
+        <p:cTn id="1" dur="indefinite" restart="never" nodeType="tmRoot"/>
+      </p:par>
+    </p:tnLst>
+  </p:timing>
+</p:sld>
+</file>
+
+<file path=ppt/slides/slide14.xml><?xml version="1.0" encoding="utf-8"?>
+<p:sld xmlns:a="http://schemas.openxmlformats.org/drawingml/2006/main" xmlns:r="http://schemas.openxmlformats.org/officeDocument/2006/relationships" xmlns:p="http://schemas.openxmlformats.org/presentationml/2006/main">
+  <p:cSld>
+    <p:spTree>
+      <p:nvGrpSpPr>
+        <p:cNvPr id="1" name="Shape 102"/>
+        <p:cNvGrpSpPr/>
+        <p:nvPr/>
+      </p:nvGrpSpPr>
+      <p:grpSpPr>
+        <a:xfrm>
+          <a:off x="0" y="0"/>
+          <a:ext cx="0" cy="0"/>
+          <a:chOff x="0" y="0"/>
+          <a:chExt cx="0" cy="0"/>
+        </a:xfrm>
+      </p:grpSpPr>
+      <p:sp>
+        <p:nvSpPr>
+          <p:cNvPr id="103" name="Google Shape;103;p16"/>
+          <p:cNvSpPr txBox="1">
+            <a:spLocks noGrp="1"/>
+          </p:cNvSpPr>
+          <p:nvPr>
+            <p:ph type="title"/>
+          </p:nvPr>
+        </p:nvSpPr>
+        <p:spPr>
+          <a:xfrm>
+            <a:off x="0" y="-74645"/>
+            <a:ext cx="9144000" cy="457200"/>
+          </a:xfrm>
+          <a:prstGeom prst="rect">
+            <a:avLst/>
+          </a:prstGeom>
+        </p:spPr>
+        <p:txBody>
+          <a:bodyPr spcFirstLastPara="1" wrap="square" lIns="91425" tIns="91425" rIns="91425" bIns="91425" anchor="t" anchorCtr="0">
+            <a:noAutofit/>
+          </a:bodyPr>
+          <a:lstStyle/>
+          <a:p>
+            <a:pPr marL="0" lvl="0" indent="0" algn="ctr" rtl="0">
+              <a:spcBef>
+                <a:spcPts val="0"/>
+              </a:spcBef>
+              <a:spcAft>
+                <a:spcPts val="0"/>
+              </a:spcAft>
+              <a:buSzPts val="990"/>
+              <a:buNone/>
             </a:pPr>
             <a:r>
-              <a:rPr lang="en-US" dirty="0"/>
-              <a:t>Bootstrap also gives you the ability to easily create responsive designs</a:t>
-            </a:r>
-          </a:p>
-          <a:p>
-            <a:pPr algn="just"/>
-            <a:endParaRPr lang="en-US" dirty="0" smtClean="0"/>
-          </a:p>
-          <a:p>
-            <a:pPr lvl="0" algn="just"/>
-            <a:r>
-              <a:rPr lang="en-US" dirty="0"/>
-              <a:t>Bootstrap 5 is the newest version of </a:t>
-            </a:r>
-            <a:r>
-              <a:rPr lang="en-US" dirty="0">
-                <a:hlinkClick r:id="rId3"/>
-              </a:rPr>
-              <a:t>Bootstrap</a:t>
-            </a:r>
-            <a:r>
-              <a:rPr lang="en-US" dirty="0"/>
-              <a:t>, which is the most popular HTML, CSS, and JavaScript framework for creating responsive, mobile-first websites.</a:t>
-            </a:r>
-          </a:p>
-          <a:p>
-            <a:pPr lvl="0" algn="just"/>
-            <a:endParaRPr lang="en-US" dirty="0">
+              <a:rPr lang="en" sz="2800" b="1" dirty="0" smtClean="0"/>
+              <a:t>BOOTSTRAP-PAGINATION</a:t>
+            </a:r>
+            <a:endParaRPr sz="2800" b="1" dirty="0"/>
+          </a:p>
+        </p:txBody>
+      </p:sp>
+      <p:sp>
+        <p:nvSpPr>
+          <p:cNvPr id="104" name="Google Shape;104;p16"/>
+          <p:cNvSpPr txBox="1"/>
+          <p:nvPr/>
+        </p:nvSpPr>
+        <p:spPr>
+          <a:xfrm>
+            <a:off x="321600" y="437278"/>
+            <a:ext cx="8500800" cy="4124176"/>
+          </a:xfrm>
+          <a:prstGeom prst="rect">
+            <a:avLst/>
+          </a:prstGeom>
+          <a:noFill/>
+          <a:ln>
+            <a:noFill/>
+          </a:ln>
+        </p:spPr>
+        <p:txBody>
+          <a:bodyPr spcFirstLastPara="1" wrap="square" lIns="91425" tIns="91425" rIns="91425" bIns="91425" anchor="t" anchorCtr="0">
+            <a:spAutoFit/>
+          </a:bodyPr>
+          <a:lstStyle/>
+          <a:p>
+            <a:r>
+              <a:rPr lang="en-US" sz="1200" b="1" u="sng" dirty="0"/>
+              <a:t>Basic </a:t>
+            </a:r>
+            <a:r>
+              <a:rPr lang="en-US" sz="1200" b="1" u="sng" dirty="0" smtClean="0"/>
+              <a:t>Pagination</a:t>
+            </a:r>
+          </a:p>
+          <a:p>
+            <a:r>
+              <a:rPr lang="en-US" sz="1200" dirty="0"/>
+              <a:t>To create a basic pagination, add the .pagination class to an &lt;</a:t>
+            </a:r>
+            <a:r>
+              <a:rPr lang="en-US" sz="1200" dirty="0" err="1"/>
+              <a:t>ul</a:t>
+            </a:r>
+            <a:r>
+              <a:rPr lang="en-US" sz="1200" dirty="0"/>
+              <a:t>&gt; element. Then add the .page-item to each &lt;li&gt; element and a .page-link class to each link inside &lt;li</a:t>
+            </a:r>
+            <a:r>
+              <a:rPr lang="en-US" sz="1200" dirty="0" smtClean="0"/>
+              <a:t>&gt;:</a:t>
+            </a:r>
+          </a:p>
+          <a:p>
+            <a:endParaRPr lang="en-US" sz="1200" dirty="0"/>
+          </a:p>
+          <a:p>
+            <a:r>
+              <a:rPr lang="en-US" sz="1200" b="1" dirty="0">
+                <a:solidFill>
+                  <a:schemeClr val="tx1"/>
+                </a:solidFill>
+              </a:rPr>
+              <a:t>&lt;</a:t>
+            </a:r>
+            <a:r>
+              <a:rPr lang="en-US" sz="1200" b="1" dirty="0" err="1">
+                <a:solidFill>
+                  <a:schemeClr val="tx1"/>
+                </a:solidFill>
+              </a:rPr>
+              <a:t>ul</a:t>
+            </a:r>
+            <a:r>
+              <a:rPr lang="en-US" sz="1200" b="1" dirty="0">
+                <a:solidFill>
+                  <a:schemeClr val="tx1"/>
+                </a:solidFill>
+              </a:rPr>
+              <a:t> class="pagination"&gt;</a:t>
+            </a:r>
+            <a:br>
+              <a:rPr lang="en-US" sz="1200" b="1" dirty="0">
+                <a:solidFill>
+                  <a:schemeClr val="tx1"/>
+                </a:solidFill>
+              </a:rPr>
+            </a:br>
+            <a:r>
+              <a:rPr lang="en-US" sz="1200" b="1" dirty="0">
+                <a:solidFill>
+                  <a:schemeClr val="tx1"/>
+                </a:solidFill>
+              </a:rPr>
+              <a:t>  &lt;li class="page-item"&gt;&lt;a class="page-link" </a:t>
+            </a:r>
+            <a:r>
+              <a:rPr lang="en-US" sz="1200" b="1" dirty="0" err="1">
+                <a:solidFill>
+                  <a:schemeClr val="tx1"/>
+                </a:solidFill>
+              </a:rPr>
+              <a:t>href</a:t>
+            </a:r>
+            <a:r>
+              <a:rPr lang="en-US" sz="1200" b="1" dirty="0">
+                <a:solidFill>
+                  <a:schemeClr val="tx1"/>
+                </a:solidFill>
+              </a:rPr>
+              <a:t>="#"&gt;Previous&lt;/a&gt;&lt;/li&gt;</a:t>
+            </a:r>
+            <a:br>
+              <a:rPr lang="en-US" sz="1200" b="1" dirty="0">
+                <a:solidFill>
+                  <a:schemeClr val="tx1"/>
+                </a:solidFill>
+              </a:rPr>
+            </a:br>
+            <a:r>
+              <a:rPr lang="en-US" sz="1200" b="1" dirty="0">
+                <a:solidFill>
+                  <a:schemeClr val="tx1"/>
+                </a:solidFill>
+              </a:rPr>
+              <a:t>  &lt;li class="page-item"&gt;&lt;a class="page-link" </a:t>
+            </a:r>
+            <a:r>
+              <a:rPr lang="en-US" sz="1200" b="1" dirty="0" err="1">
+                <a:solidFill>
+                  <a:schemeClr val="tx1"/>
+                </a:solidFill>
+              </a:rPr>
+              <a:t>href</a:t>
+            </a:r>
+            <a:r>
+              <a:rPr lang="en-US" sz="1200" b="1" dirty="0">
+                <a:solidFill>
+                  <a:schemeClr val="tx1"/>
+                </a:solidFill>
+              </a:rPr>
+              <a:t>="#"&gt;1&lt;/a&gt;&lt;/li&gt;</a:t>
+            </a:r>
+            <a:br>
+              <a:rPr lang="en-US" sz="1200" b="1" dirty="0">
+                <a:solidFill>
+                  <a:schemeClr val="tx1"/>
+                </a:solidFill>
+              </a:rPr>
+            </a:br>
+            <a:r>
+              <a:rPr lang="en-US" sz="1200" b="1" dirty="0">
+                <a:solidFill>
+                  <a:schemeClr val="tx1"/>
+                </a:solidFill>
+              </a:rPr>
+              <a:t>  &lt;li class="page-item"&gt;&lt;a class="page-link" </a:t>
+            </a:r>
+            <a:r>
+              <a:rPr lang="en-US" sz="1200" b="1" dirty="0" err="1">
+                <a:solidFill>
+                  <a:schemeClr val="tx1"/>
+                </a:solidFill>
+              </a:rPr>
+              <a:t>href</a:t>
+            </a:r>
+            <a:r>
+              <a:rPr lang="en-US" sz="1200" b="1" dirty="0">
+                <a:solidFill>
+                  <a:schemeClr val="tx1"/>
+                </a:solidFill>
+              </a:rPr>
+              <a:t>="#"&gt;2&lt;/a&gt;&lt;/li&gt;</a:t>
+            </a:r>
+            <a:br>
+              <a:rPr lang="en-US" sz="1200" b="1" dirty="0">
+                <a:solidFill>
+                  <a:schemeClr val="tx1"/>
+                </a:solidFill>
+              </a:rPr>
+            </a:br>
+            <a:r>
+              <a:rPr lang="en-US" sz="1200" b="1" dirty="0">
+                <a:solidFill>
+                  <a:schemeClr val="tx1"/>
+                </a:solidFill>
+              </a:rPr>
+              <a:t>  &lt;li class="page-item"&gt;&lt;a class="page-link" </a:t>
+            </a:r>
+            <a:r>
+              <a:rPr lang="en-US" sz="1200" b="1" dirty="0" err="1">
+                <a:solidFill>
+                  <a:schemeClr val="tx1"/>
+                </a:solidFill>
+              </a:rPr>
+              <a:t>href</a:t>
+            </a:r>
+            <a:r>
+              <a:rPr lang="en-US" sz="1200" b="1" dirty="0">
+                <a:solidFill>
+                  <a:schemeClr val="tx1"/>
+                </a:solidFill>
+              </a:rPr>
+              <a:t>="#"&gt;3&lt;/a&gt;&lt;/li&gt;</a:t>
+            </a:r>
+            <a:br>
+              <a:rPr lang="en-US" sz="1200" b="1" dirty="0">
+                <a:solidFill>
+                  <a:schemeClr val="tx1"/>
+                </a:solidFill>
+              </a:rPr>
+            </a:br>
+            <a:r>
+              <a:rPr lang="en-US" sz="1200" b="1" dirty="0">
+                <a:solidFill>
+                  <a:schemeClr val="tx1"/>
+                </a:solidFill>
+              </a:rPr>
+              <a:t>  &lt;li class="page-item"&gt;&lt;a class="page-link" </a:t>
+            </a:r>
+            <a:r>
+              <a:rPr lang="en-US" sz="1200" b="1" dirty="0" err="1">
+                <a:solidFill>
+                  <a:schemeClr val="tx1"/>
+                </a:solidFill>
+              </a:rPr>
+              <a:t>href</a:t>
+            </a:r>
+            <a:r>
+              <a:rPr lang="en-US" sz="1200" b="1" dirty="0">
+                <a:solidFill>
+                  <a:schemeClr val="tx1"/>
+                </a:solidFill>
+              </a:rPr>
+              <a:t>="#"&gt;Next&lt;/a&gt;&lt;/li&gt;</a:t>
+            </a:r>
+            <a:br>
+              <a:rPr lang="en-US" sz="1200" b="1" dirty="0">
+                <a:solidFill>
+                  <a:schemeClr val="tx1"/>
+                </a:solidFill>
+              </a:rPr>
+            </a:br>
+            <a:r>
+              <a:rPr lang="en-US" sz="1200" b="1" dirty="0">
+                <a:solidFill>
+                  <a:schemeClr val="tx1"/>
+                </a:solidFill>
+              </a:rPr>
+              <a:t>&lt;/</a:t>
+            </a:r>
+            <a:r>
+              <a:rPr lang="en-US" sz="1200" b="1" dirty="0" err="1">
+                <a:solidFill>
+                  <a:schemeClr val="tx1"/>
+                </a:solidFill>
+              </a:rPr>
+              <a:t>ul</a:t>
+            </a:r>
+            <a:r>
+              <a:rPr lang="en-US" sz="1200" b="1" dirty="0" smtClean="0">
+                <a:solidFill>
+                  <a:schemeClr val="tx1"/>
+                </a:solidFill>
+              </a:rPr>
+              <a:t>&gt;</a:t>
+            </a:r>
+          </a:p>
+          <a:p>
+            <a:endParaRPr lang="en-US" sz="1200" b="1" dirty="0">
+              <a:solidFill>
+                <a:schemeClr val="tx1"/>
+              </a:solidFill>
+            </a:endParaRPr>
+          </a:p>
+          <a:p>
+            <a:r>
+              <a:rPr lang="en-US" sz="1200" b="1" u="sng" dirty="0"/>
+              <a:t>Active State</a:t>
+            </a:r>
+          </a:p>
+          <a:p>
+            <a:r>
+              <a:rPr lang="en-US" sz="1200" dirty="0"/>
+              <a:t>The .active class is used to "highlight" the current page</a:t>
+            </a:r>
+            <a:r>
+              <a:rPr lang="en-US" sz="1200" dirty="0" smtClean="0"/>
+              <a:t>:</a:t>
+            </a:r>
+          </a:p>
+          <a:p>
+            <a:endParaRPr lang="en-US" sz="1200" dirty="0"/>
+          </a:p>
+          <a:p>
+            <a:r>
+              <a:rPr lang="en-US" sz="1200" b="1" u="sng" dirty="0"/>
+              <a:t>Disabled State</a:t>
+            </a:r>
+          </a:p>
+          <a:p>
+            <a:r>
+              <a:rPr lang="en-US" sz="1200" dirty="0"/>
+              <a:t>The .disabled class is used for un-clickable links:</a:t>
+            </a:r>
+          </a:p>
+          <a:p>
+            <a:endParaRPr lang="en-US" sz="1200" dirty="0"/>
+          </a:p>
+          <a:p>
+            <a:r>
+              <a:rPr lang="en-US" sz="1200" b="1" u="sng" dirty="0"/>
+              <a:t>Pagination Sizing</a:t>
+            </a:r>
+          </a:p>
+          <a:p>
+            <a:r>
+              <a:rPr lang="en-US" sz="1200" dirty="0"/>
+              <a:t>Pagination blocks can also be sized to a larger or a smaller size:</a:t>
+            </a:r>
+          </a:p>
+          <a:p>
+            <a:r>
+              <a:rPr lang="en-US" sz="1200" dirty="0"/>
+              <a:t>Add class .pagination-</a:t>
+            </a:r>
+            <a:r>
+              <a:rPr lang="en-US" sz="1200" dirty="0" err="1"/>
+              <a:t>lg</a:t>
+            </a:r>
+            <a:r>
+              <a:rPr lang="en-US" sz="1200" dirty="0"/>
+              <a:t> for larger blocks or .pagination-</a:t>
+            </a:r>
+            <a:r>
+              <a:rPr lang="en-US" sz="1200" dirty="0" err="1"/>
+              <a:t>sm</a:t>
+            </a:r>
+            <a:r>
+              <a:rPr lang="en-US" sz="1200" dirty="0"/>
+              <a:t> for smaller blocks:</a:t>
+            </a:r>
+            <a:endParaRPr lang="en-US" sz="1200" b="1" dirty="0">
+              <a:solidFill>
+                <a:schemeClr val="tx1"/>
+              </a:solidFill>
+            </a:endParaRPr>
+          </a:p>
+        </p:txBody>
+      </p:sp>
+    </p:spTree>
+    <p:extLst>
+      <p:ext uri="{BB962C8B-B14F-4D97-AF65-F5344CB8AC3E}">
+        <p14:creationId xmlns:p14="http://schemas.microsoft.com/office/powerpoint/2010/main" val="1628394744"/>
+      </p:ext>
+    </p:extLst>
+  </p:cSld>
+  <p:clrMapOvr>
+    <a:masterClrMapping/>
+  </p:clrMapOvr>
+  <p:timing>
+    <p:tnLst>
+      <p:par>
+        <p:cTn id="1" dur="indefinite" restart="never" nodeType="tmRoot"/>
+      </p:par>
+    </p:tnLst>
+  </p:timing>
+</p:sld>
+</file>
+
+<file path=ppt/slides/slide15.xml><?xml version="1.0" encoding="utf-8"?>
+<p:sld xmlns:a="http://schemas.openxmlformats.org/drawingml/2006/main" xmlns:r="http://schemas.openxmlformats.org/officeDocument/2006/relationships" xmlns:p="http://schemas.openxmlformats.org/presentationml/2006/main">
+  <p:cSld>
+    <p:spTree>
+      <p:nvGrpSpPr>
+        <p:cNvPr id="1" name="Shape 102"/>
+        <p:cNvGrpSpPr/>
+        <p:nvPr/>
+      </p:nvGrpSpPr>
+      <p:grpSpPr>
+        <a:xfrm>
+          <a:off x="0" y="0"/>
+          <a:ext cx="0" cy="0"/>
+          <a:chOff x="0" y="0"/>
+          <a:chExt cx="0" cy="0"/>
+        </a:xfrm>
+      </p:grpSpPr>
+      <p:sp>
+        <p:nvSpPr>
+          <p:cNvPr id="103" name="Google Shape;103;p16"/>
+          <p:cNvSpPr txBox="1">
+            <a:spLocks noGrp="1"/>
+          </p:cNvSpPr>
+          <p:nvPr>
+            <p:ph type="title"/>
+          </p:nvPr>
+        </p:nvSpPr>
+        <p:spPr>
+          <a:xfrm>
+            <a:off x="0" y="-74645"/>
+            <a:ext cx="9144000" cy="457200"/>
+          </a:xfrm>
+          <a:prstGeom prst="rect">
+            <a:avLst/>
+          </a:prstGeom>
+        </p:spPr>
+        <p:txBody>
+          <a:bodyPr spcFirstLastPara="1" wrap="square" lIns="91425" tIns="91425" rIns="91425" bIns="91425" anchor="t" anchorCtr="0">
+            <a:noAutofit/>
+          </a:bodyPr>
+          <a:lstStyle/>
+          <a:p>
+            <a:pPr marL="0" lvl="0" indent="0" algn="ctr" rtl="0">
+              <a:spcBef>
+                <a:spcPts val="0"/>
+              </a:spcBef>
+              <a:spcAft>
+                <a:spcPts val="0"/>
+              </a:spcAft>
+              <a:buSzPts val="990"/>
+              <a:buNone/>
+            </a:pPr>
+            <a:r>
+              <a:rPr lang="en" sz="2800" b="1" dirty="0" smtClean="0"/>
+              <a:t>BOOTSTRAP-CARD</a:t>
+            </a:r>
+            <a:endParaRPr sz="2800" b="1" dirty="0"/>
+          </a:p>
+        </p:txBody>
+      </p:sp>
+      <p:sp>
+        <p:nvSpPr>
+          <p:cNvPr id="104" name="Google Shape;104;p16"/>
+          <p:cNvSpPr txBox="1"/>
+          <p:nvPr/>
+        </p:nvSpPr>
+        <p:spPr>
+          <a:xfrm>
+            <a:off x="321600" y="437278"/>
+            <a:ext cx="8500800" cy="3539400"/>
+          </a:xfrm>
+          <a:prstGeom prst="rect">
+            <a:avLst/>
+          </a:prstGeom>
+          <a:noFill/>
+          <a:ln>
+            <a:noFill/>
+          </a:ln>
+        </p:spPr>
+        <p:txBody>
+          <a:bodyPr spcFirstLastPara="1" wrap="square" lIns="91425" tIns="91425" rIns="91425" bIns="91425" anchor="t" anchorCtr="0">
+            <a:spAutoFit/>
+          </a:bodyPr>
+          <a:lstStyle/>
+          <a:p>
+            <a:r>
+              <a:rPr lang="en-US" sz="1200" b="1" u="sng" dirty="0"/>
+              <a:t>Cards</a:t>
+            </a:r>
+          </a:p>
+          <a:p>
+            <a:r>
+              <a:rPr lang="en-US" sz="1200" dirty="0"/>
+              <a:t>A card in Bootstrap 5 is a bordered box with some padding around its content. It includes options for headers, footers, content, colors, etc</a:t>
+            </a:r>
+            <a:r>
+              <a:rPr lang="en-US" sz="1200" dirty="0" smtClean="0"/>
+              <a:t>.</a:t>
+            </a:r>
+          </a:p>
+          <a:p>
+            <a:endParaRPr lang="en-US" sz="1200" dirty="0"/>
+          </a:p>
+          <a:p>
+            <a:r>
+              <a:rPr lang="en-US" sz="1200" b="1" u="sng" dirty="0"/>
+              <a:t>Basic Card</a:t>
+            </a:r>
+          </a:p>
+          <a:p>
+            <a:r>
+              <a:rPr lang="en-US" sz="1200" dirty="0"/>
+              <a:t>A basic card is created with the .card class, and content inside the card has a .card-body class:</a:t>
+            </a:r>
+          </a:p>
+          <a:p>
+            <a:endParaRPr lang="en-US" sz="1200" dirty="0" smtClean="0"/>
+          </a:p>
+          <a:p>
+            <a:r>
+              <a:rPr lang="en-US" sz="1200" b="1" u="sng" dirty="0"/>
+              <a:t>Contextual Cards</a:t>
+            </a:r>
+          </a:p>
+          <a:p>
+            <a:r>
+              <a:rPr lang="en-US" sz="1200" dirty="0"/>
+              <a:t>To add a background color to the card, use contextual classes (.</a:t>
+            </a:r>
+            <a:r>
+              <a:rPr lang="en-US" sz="1200" dirty="0" err="1"/>
+              <a:t>bg</a:t>
+            </a:r>
+            <a:r>
+              <a:rPr lang="en-US" sz="1200" dirty="0"/>
+              <a:t>-primary, .</a:t>
+            </a:r>
+            <a:r>
+              <a:rPr lang="en-US" sz="1200" dirty="0" err="1"/>
+              <a:t>bg</a:t>
+            </a:r>
+            <a:r>
+              <a:rPr lang="en-US" sz="1200" dirty="0"/>
+              <a:t>-success, .</a:t>
+            </a:r>
+            <a:r>
+              <a:rPr lang="en-US" sz="1200" dirty="0" err="1"/>
+              <a:t>bg</a:t>
+            </a:r>
+            <a:r>
+              <a:rPr lang="en-US" sz="1200" dirty="0"/>
+              <a:t>-info, .</a:t>
+            </a:r>
+            <a:r>
+              <a:rPr lang="en-US" sz="1200" dirty="0" err="1"/>
+              <a:t>bg</a:t>
+            </a:r>
+            <a:r>
+              <a:rPr lang="en-US" sz="1200" dirty="0"/>
+              <a:t>-warning, .</a:t>
+            </a:r>
+            <a:r>
+              <a:rPr lang="en-US" sz="1200" dirty="0" err="1"/>
+              <a:t>bg</a:t>
+            </a:r>
+            <a:r>
+              <a:rPr lang="en-US" sz="1200" dirty="0"/>
+              <a:t>-danger, .</a:t>
+            </a:r>
+            <a:r>
+              <a:rPr lang="en-US" sz="1200" dirty="0" err="1"/>
+              <a:t>bg</a:t>
+            </a:r>
+            <a:r>
+              <a:rPr lang="en-US" sz="1200" dirty="0"/>
+              <a:t>-secondary, .</a:t>
+            </a:r>
+            <a:r>
+              <a:rPr lang="en-US" sz="1200" dirty="0" err="1"/>
+              <a:t>bg</a:t>
+            </a:r>
+            <a:r>
+              <a:rPr lang="en-US" sz="1200" dirty="0"/>
+              <a:t>-dark and .</a:t>
+            </a:r>
+            <a:r>
+              <a:rPr lang="en-US" sz="1200" dirty="0" err="1"/>
+              <a:t>bg</a:t>
+            </a:r>
+            <a:r>
+              <a:rPr lang="en-US" sz="1200" dirty="0"/>
+              <a:t>-light.</a:t>
+            </a:r>
+          </a:p>
+          <a:p>
+            <a:endParaRPr lang="en-US" sz="1200" dirty="0" smtClean="0"/>
+          </a:p>
+          <a:p>
+            <a:r>
+              <a:rPr lang="en-US" sz="1200" b="1" u="sng" dirty="0"/>
+              <a:t>Card Images</a:t>
+            </a:r>
+          </a:p>
+          <a:p>
+            <a:r>
+              <a:rPr lang="en-US" sz="1200" dirty="0"/>
+              <a:t>Add .card-</a:t>
+            </a:r>
+            <a:r>
+              <a:rPr lang="en-US" sz="1200" dirty="0" err="1"/>
+              <a:t>img</a:t>
+            </a:r>
+            <a:r>
+              <a:rPr lang="en-US" sz="1200" dirty="0"/>
+              <a:t>-top or .card-</a:t>
+            </a:r>
+            <a:r>
+              <a:rPr lang="en-US" sz="1200" dirty="0" err="1"/>
+              <a:t>img</a:t>
+            </a:r>
+            <a:r>
+              <a:rPr lang="en-US" sz="1200" dirty="0"/>
+              <a:t>-bottom to an &lt;</a:t>
+            </a:r>
+            <a:r>
+              <a:rPr lang="en-US" sz="1200" dirty="0" err="1"/>
+              <a:t>img</a:t>
+            </a:r>
+            <a:r>
+              <a:rPr lang="en-US" sz="1200" dirty="0"/>
+              <a:t>&gt; to place the image at the top or at the bottom inside the card. Note that we have added the image outside of the .card-body to span the entire width</a:t>
+            </a:r>
+            <a:r>
+              <a:rPr lang="en-US" sz="1200" dirty="0" smtClean="0"/>
+              <a:t>:</a:t>
+            </a:r>
+          </a:p>
+          <a:p>
+            <a:endParaRPr lang="en-US" sz="1200" dirty="0"/>
+          </a:p>
+          <a:p>
+            <a:r>
+              <a:rPr lang="en-US" sz="1200" b="1" u="sng" dirty="0"/>
+              <a:t>Card Image </a:t>
+            </a:r>
+            <a:r>
+              <a:rPr lang="en-US" sz="1200" b="1" u="sng" dirty="0" smtClean="0"/>
+              <a:t>Overlays</a:t>
+            </a:r>
+          </a:p>
+          <a:p>
+            <a:r>
+              <a:rPr lang="en-US" sz="1200" dirty="0"/>
+              <a:t>Turn an image into a card background and use .card-</a:t>
+            </a:r>
+            <a:r>
+              <a:rPr lang="en-US" sz="1200" dirty="0" err="1"/>
+              <a:t>img</a:t>
+            </a:r>
+            <a:r>
+              <a:rPr lang="en-US" sz="1200" dirty="0"/>
+              <a:t>-overlay to add text on top of the image:</a:t>
+            </a:r>
+            <a:endParaRPr lang="en-US" sz="1200" b="1" u="sng" dirty="0"/>
+          </a:p>
+          <a:p>
+            <a:endParaRPr lang="en-US" sz="1200" dirty="0"/>
+          </a:p>
+        </p:txBody>
+      </p:sp>
+    </p:spTree>
+    <p:extLst>
+      <p:ext uri="{BB962C8B-B14F-4D97-AF65-F5344CB8AC3E}">
+        <p14:creationId xmlns:p14="http://schemas.microsoft.com/office/powerpoint/2010/main" val="4043640138"/>
+      </p:ext>
+    </p:extLst>
+  </p:cSld>
+  <p:clrMapOvr>
+    <a:masterClrMapping/>
+  </p:clrMapOvr>
+  <p:timing>
+    <p:tnLst>
+      <p:par>
+        <p:cTn id="1" dur="indefinite" restart="never" nodeType="tmRoot"/>
+      </p:par>
+    </p:tnLst>
+  </p:timing>
+</p:sld>
+</file>
+
+<file path=ppt/slides/slide16.xml><?xml version="1.0" encoding="utf-8"?>
+<p:sld xmlns:a="http://schemas.openxmlformats.org/drawingml/2006/main" xmlns:r="http://schemas.openxmlformats.org/officeDocument/2006/relationships" xmlns:p="http://schemas.openxmlformats.org/presentationml/2006/main">
+  <p:cSld>
+    <p:spTree>
+      <p:nvGrpSpPr>
+        <p:cNvPr id="1" name="Shape 102"/>
+        <p:cNvGrpSpPr/>
+        <p:nvPr/>
+      </p:nvGrpSpPr>
+      <p:grpSpPr>
+        <a:xfrm>
+          <a:off x="0" y="0"/>
+          <a:ext cx="0" cy="0"/>
+          <a:chOff x="0" y="0"/>
+          <a:chExt cx="0" cy="0"/>
+        </a:xfrm>
+      </p:grpSpPr>
+      <p:sp>
+        <p:nvSpPr>
+          <p:cNvPr id="103" name="Google Shape;103;p16"/>
+          <p:cNvSpPr txBox="1">
+            <a:spLocks noGrp="1"/>
+          </p:cNvSpPr>
+          <p:nvPr>
+            <p:ph type="title"/>
+          </p:nvPr>
+        </p:nvSpPr>
+        <p:spPr>
+          <a:xfrm>
+            <a:off x="0" y="-74645"/>
+            <a:ext cx="9144000" cy="457200"/>
+          </a:xfrm>
+          <a:prstGeom prst="rect">
+            <a:avLst/>
+          </a:prstGeom>
+        </p:spPr>
+        <p:txBody>
+          <a:bodyPr spcFirstLastPara="1" wrap="square" lIns="91425" tIns="91425" rIns="91425" bIns="91425" anchor="t" anchorCtr="0">
+            <a:noAutofit/>
+          </a:bodyPr>
+          <a:lstStyle/>
+          <a:p>
+            <a:pPr marL="0" lvl="0" indent="0" algn="ctr" rtl="0">
+              <a:spcBef>
+                <a:spcPts val="0"/>
+              </a:spcBef>
+              <a:spcAft>
+                <a:spcPts val="0"/>
+              </a:spcAft>
+              <a:buSzPts val="990"/>
+              <a:buNone/>
+            </a:pPr>
+            <a:r>
+              <a:rPr lang="en" sz="2800" b="1" dirty="0" smtClean="0"/>
+              <a:t>BOOTSTRAP-COLLAPSE / NAVS</a:t>
+            </a:r>
+            <a:endParaRPr sz="2800" b="1" dirty="0"/>
+          </a:p>
+        </p:txBody>
+      </p:sp>
+      <p:sp>
+        <p:nvSpPr>
+          <p:cNvPr id="104" name="Google Shape;104;p16"/>
+          <p:cNvSpPr txBox="1"/>
+          <p:nvPr/>
+        </p:nvSpPr>
+        <p:spPr>
+          <a:xfrm>
+            <a:off x="321600" y="437278"/>
+            <a:ext cx="8500800" cy="4585840"/>
+          </a:xfrm>
+          <a:prstGeom prst="rect">
+            <a:avLst/>
+          </a:prstGeom>
+          <a:noFill/>
+          <a:ln>
+            <a:noFill/>
+          </a:ln>
+        </p:spPr>
+        <p:txBody>
+          <a:bodyPr spcFirstLastPara="1" wrap="square" lIns="91425" tIns="91425" rIns="91425" bIns="91425" anchor="t" anchorCtr="0">
+            <a:spAutoFit/>
+          </a:bodyPr>
+          <a:lstStyle/>
+          <a:p>
+            <a:r>
+              <a:rPr lang="en-US" sz="1100" b="1" u="sng" dirty="0"/>
+              <a:t>Basic Collapsible</a:t>
+            </a:r>
+          </a:p>
+          <a:p>
+            <a:r>
+              <a:rPr lang="en-US" sz="1100" dirty="0" err="1"/>
+              <a:t>Collapsibles</a:t>
+            </a:r>
+            <a:r>
+              <a:rPr lang="en-US" sz="1100" dirty="0"/>
+              <a:t> are useful when you want to hide and show large amount of content:</a:t>
+            </a:r>
+          </a:p>
+          <a:p>
+            <a:endParaRPr lang="en-US" sz="1100" dirty="0" smtClean="0"/>
+          </a:p>
+          <a:p>
+            <a:r>
+              <a:rPr lang="en-US" sz="1100" b="1" dirty="0">
+                <a:solidFill>
+                  <a:schemeClr val="tx1"/>
+                </a:solidFill>
+              </a:rPr>
+              <a:t>&lt;button data-</a:t>
+            </a:r>
+            <a:r>
+              <a:rPr lang="en-US" sz="1100" b="1" dirty="0" err="1">
+                <a:solidFill>
+                  <a:schemeClr val="tx1"/>
+                </a:solidFill>
+              </a:rPr>
+              <a:t>bs</a:t>
+            </a:r>
+            <a:r>
+              <a:rPr lang="en-US" sz="1100" b="1" dirty="0">
+                <a:solidFill>
+                  <a:schemeClr val="tx1"/>
+                </a:solidFill>
+              </a:rPr>
+              <a:t>-toggle="collapse" data-</a:t>
+            </a:r>
+            <a:r>
+              <a:rPr lang="en-US" sz="1100" b="1" dirty="0" err="1">
+                <a:solidFill>
+                  <a:schemeClr val="tx1"/>
+                </a:solidFill>
+              </a:rPr>
+              <a:t>bs</a:t>
+            </a:r>
+            <a:r>
+              <a:rPr lang="en-US" sz="1100" b="1" dirty="0">
+                <a:solidFill>
+                  <a:schemeClr val="tx1"/>
+                </a:solidFill>
+              </a:rPr>
+              <a:t>-target="#demo"&gt;Collapsible&lt;/button&gt;</a:t>
+            </a:r>
+            <a:br>
+              <a:rPr lang="en-US" sz="1100" b="1" dirty="0">
+                <a:solidFill>
+                  <a:schemeClr val="tx1"/>
+                </a:solidFill>
+              </a:rPr>
+            </a:br>
+            <a:r>
+              <a:rPr lang="en-US" sz="1100" b="1" dirty="0" smtClean="0">
+                <a:solidFill>
+                  <a:schemeClr val="tx1"/>
+                </a:solidFill>
+              </a:rPr>
+              <a:t>&lt;</a:t>
+            </a:r>
+            <a:r>
+              <a:rPr lang="en-US" sz="1100" b="1" dirty="0">
+                <a:solidFill>
+                  <a:schemeClr val="tx1"/>
+                </a:solidFill>
+              </a:rPr>
+              <a:t>div id="demo" class="collapse"&gt;</a:t>
+            </a:r>
+            <a:br>
+              <a:rPr lang="en-US" sz="1100" b="1" dirty="0">
+                <a:solidFill>
+                  <a:schemeClr val="tx1"/>
+                </a:solidFill>
+              </a:rPr>
+            </a:br>
+            <a:r>
+              <a:rPr lang="en-US" sz="1100" b="1" dirty="0">
+                <a:solidFill>
+                  <a:schemeClr val="tx1"/>
+                </a:solidFill>
+              </a:rPr>
+              <a:t>Lorem ipsum dolor text....</a:t>
+            </a:r>
+            <a:br>
+              <a:rPr lang="en-US" sz="1100" b="1" dirty="0">
+                <a:solidFill>
+                  <a:schemeClr val="tx1"/>
+                </a:solidFill>
+              </a:rPr>
+            </a:br>
+            <a:r>
+              <a:rPr lang="en-US" sz="1100" b="1" dirty="0">
+                <a:solidFill>
+                  <a:schemeClr val="tx1"/>
+                </a:solidFill>
+              </a:rPr>
+              <a:t>&lt;/div</a:t>
+            </a:r>
+            <a:r>
+              <a:rPr lang="en-US" sz="1100" b="1" dirty="0" smtClean="0">
+                <a:solidFill>
+                  <a:schemeClr val="tx1"/>
+                </a:solidFill>
+              </a:rPr>
+              <a:t>&gt;</a:t>
+            </a:r>
+          </a:p>
+          <a:p>
+            <a:endParaRPr lang="en-US" sz="1100" b="1" dirty="0">
+              <a:solidFill>
+                <a:schemeClr val="tx1"/>
+              </a:solidFill>
+            </a:endParaRPr>
+          </a:p>
+          <a:p>
+            <a:r>
+              <a:rPr lang="en-US" sz="1100" b="1" u="sng" dirty="0" err="1"/>
+              <a:t>Nav</a:t>
+            </a:r>
+            <a:r>
+              <a:rPr lang="en-US" sz="1100" b="1" u="sng" dirty="0"/>
+              <a:t> Menus</a:t>
+            </a:r>
+          </a:p>
+          <a:p>
+            <a:r>
+              <a:rPr lang="en-US" sz="1100" dirty="0"/>
+              <a:t>If you want to create a simple horizontal menu, add the .</a:t>
+            </a:r>
+            <a:r>
+              <a:rPr lang="en-US" sz="1100" dirty="0" err="1"/>
+              <a:t>nav</a:t>
+            </a:r>
+            <a:r>
+              <a:rPr lang="en-US" sz="1100" dirty="0"/>
+              <a:t> class to a &lt;</a:t>
+            </a:r>
+            <a:r>
+              <a:rPr lang="en-US" sz="1100" dirty="0" err="1"/>
+              <a:t>ul</a:t>
+            </a:r>
+            <a:r>
+              <a:rPr lang="en-US" sz="1100" dirty="0"/>
+              <a:t>&gt; element, followed by .</a:t>
+            </a:r>
+            <a:r>
+              <a:rPr lang="en-US" sz="1100" dirty="0" err="1"/>
+              <a:t>nav</a:t>
+            </a:r>
+            <a:r>
+              <a:rPr lang="en-US" sz="1100" dirty="0"/>
+              <a:t>-item for each &lt;li&gt; and add the .</a:t>
+            </a:r>
+            <a:r>
+              <a:rPr lang="en-US" sz="1100" dirty="0" err="1"/>
+              <a:t>nav</a:t>
+            </a:r>
+            <a:r>
+              <a:rPr lang="en-US" sz="1100" dirty="0"/>
+              <a:t>-link class to their links</a:t>
+            </a:r>
+            <a:r>
+              <a:rPr lang="en-US" sz="1100" dirty="0" smtClean="0"/>
+              <a:t>:</a:t>
+            </a:r>
+          </a:p>
+          <a:p>
+            <a:endParaRPr lang="en-US" sz="1100" b="1" dirty="0">
+              <a:solidFill>
+                <a:schemeClr val="tx1"/>
+              </a:solidFill>
+            </a:endParaRPr>
+          </a:p>
+          <a:p>
+            <a:r>
+              <a:rPr lang="en-US" sz="1100" b="1" dirty="0">
+                <a:solidFill>
+                  <a:schemeClr val="tx1"/>
+                </a:solidFill>
+              </a:rPr>
+              <a:t>&lt;</a:t>
+            </a:r>
+            <a:r>
+              <a:rPr lang="en-US" sz="1100" b="1" dirty="0" err="1">
+                <a:solidFill>
+                  <a:schemeClr val="tx1"/>
+                </a:solidFill>
+              </a:rPr>
+              <a:t>ul</a:t>
+            </a:r>
+            <a:r>
+              <a:rPr lang="en-US" sz="1100" b="1" dirty="0">
+                <a:solidFill>
+                  <a:schemeClr val="tx1"/>
+                </a:solidFill>
+              </a:rPr>
+              <a:t> class="</a:t>
+            </a:r>
+            <a:r>
+              <a:rPr lang="en-US" sz="1100" b="1" dirty="0" err="1">
+                <a:solidFill>
+                  <a:schemeClr val="tx1"/>
+                </a:solidFill>
+              </a:rPr>
+              <a:t>nav</a:t>
+            </a:r>
+            <a:r>
+              <a:rPr lang="en-US" sz="1100" b="1" dirty="0">
+                <a:solidFill>
+                  <a:schemeClr val="tx1"/>
+                </a:solidFill>
+              </a:rPr>
+              <a:t>"&gt;</a:t>
+            </a:r>
+            <a:br>
+              <a:rPr lang="en-US" sz="1100" b="1" dirty="0">
+                <a:solidFill>
+                  <a:schemeClr val="tx1"/>
+                </a:solidFill>
+              </a:rPr>
+            </a:br>
+            <a:r>
+              <a:rPr lang="en-US" sz="1100" b="1" dirty="0">
+                <a:solidFill>
+                  <a:schemeClr val="tx1"/>
+                </a:solidFill>
+              </a:rPr>
+              <a:t>  &lt;li class="</a:t>
+            </a:r>
+            <a:r>
+              <a:rPr lang="en-US" sz="1100" b="1" dirty="0" err="1">
+                <a:solidFill>
+                  <a:schemeClr val="tx1"/>
+                </a:solidFill>
+              </a:rPr>
+              <a:t>nav</a:t>
+            </a:r>
+            <a:r>
+              <a:rPr lang="en-US" sz="1100" b="1" dirty="0">
+                <a:solidFill>
+                  <a:schemeClr val="tx1"/>
+                </a:solidFill>
+              </a:rPr>
+              <a:t>-item"&gt;</a:t>
+            </a:r>
+            <a:br>
+              <a:rPr lang="en-US" sz="1100" b="1" dirty="0">
+                <a:solidFill>
+                  <a:schemeClr val="tx1"/>
+                </a:solidFill>
+              </a:rPr>
+            </a:br>
+            <a:r>
+              <a:rPr lang="en-US" sz="1100" b="1" dirty="0">
+                <a:solidFill>
+                  <a:schemeClr val="tx1"/>
+                </a:solidFill>
+              </a:rPr>
+              <a:t>    &lt;a class="</a:t>
+            </a:r>
+            <a:r>
+              <a:rPr lang="en-US" sz="1100" b="1" dirty="0" err="1">
+                <a:solidFill>
+                  <a:schemeClr val="tx1"/>
+                </a:solidFill>
+              </a:rPr>
+              <a:t>nav</a:t>
+            </a:r>
+            <a:r>
+              <a:rPr lang="en-US" sz="1100" b="1" dirty="0">
+                <a:solidFill>
+                  <a:schemeClr val="tx1"/>
+                </a:solidFill>
+              </a:rPr>
+              <a:t>-link" </a:t>
+            </a:r>
+            <a:r>
+              <a:rPr lang="en-US" sz="1100" b="1" dirty="0" err="1">
+                <a:solidFill>
+                  <a:schemeClr val="tx1"/>
+                </a:solidFill>
+              </a:rPr>
+              <a:t>href</a:t>
+            </a:r>
+            <a:r>
+              <a:rPr lang="en-US" sz="1100" b="1" dirty="0">
+                <a:solidFill>
+                  <a:schemeClr val="tx1"/>
+                </a:solidFill>
+              </a:rPr>
+              <a:t>="#"&gt;Link&lt;/a&gt;</a:t>
+            </a:r>
+            <a:br>
+              <a:rPr lang="en-US" sz="1100" b="1" dirty="0">
+                <a:solidFill>
+                  <a:schemeClr val="tx1"/>
+                </a:solidFill>
+              </a:rPr>
+            </a:br>
+            <a:r>
+              <a:rPr lang="en-US" sz="1100" b="1" dirty="0">
+                <a:solidFill>
+                  <a:schemeClr val="tx1"/>
+                </a:solidFill>
+              </a:rPr>
+              <a:t>  &lt;/li&gt;</a:t>
+            </a:r>
+            <a:br>
+              <a:rPr lang="en-US" sz="1100" b="1" dirty="0">
+                <a:solidFill>
+                  <a:schemeClr val="tx1"/>
+                </a:solidFill>
+              </a:rPr>
+            </a:br>
+            <a:r>
+              <a:rPr lang="en-US" sz="1100" b="1" dirty="0">
+                <a:solidFill>
+                  <a:schemeClr val="tx1"/>
+                </a:solidFill>
+              </a:rPr>
+              <a:t>  &lt;li class="</a:t>
+            </a:r>
+            <a:r>
+              <a:rPr lang="en-US" sz="1100" b="1" dirty="0" err="1">
+                <a:solidFill>
+                  <a:schemeClr val="tx1"/>
+                </a:solidFill>
+              </a:rPr>
+              <a:t>nav</a:t>
+            </a:r>
+            <a:r>
+              <a:rPr lang="en-US" sz="1100" b="1" dirty="0">
+                <a:solidFill>
+                  <a:schemeClr val="tx1"/>
+                </a:solidFill>
+              </a:rPr>
+              <a:t>-item"&gt;</a:t>
+            </a:r>
+            <a:br>
+              <a:rPr lang="en-US" sz="1100" b="1" dirty="0">
+                <a:solidFill>
+                  <a:schemeClr val="tx1"/>
+                </a:solidFill>
+              </a:rPr>
+            </a:br>
+            <a:r>
+              <a:rPr lang="en-US" sz="1100" b="1" dirty="0">
+                <a:solidFill>
+                  <a:schemeClr val="tx1"/>
+                </a:solidFill>
+              </a:rPr>
+              <a:t>    &lt;a class="</a:t>
+            </a:r>
+            <a:r>
+              <a:rPr lang="en-US" sz="1100" b="1" dirty="0" err="1">
+                <a:solidFill>
+                  <a:schemeClr val="tx1"/>
+                </a:solidFill>
+              </a:rPr>
+              <a:t>nav</a:t>
+            </a:r>
+            <a:r>
+              <a:rPr lang="en-US" sz="1100" b="1" dirty="0">
+                <a:solidFill>
+                  <a:schemeClr val="tx1"/>
+                </a:solidFill>
+              </a:rPr>
+              <a:t>-link" </a:t>
+            </a:r>
+            <a:r>
+              <a:rPr lang="en-US" sz="1100" b="1" dirty="0" err="1">
+                <a:solidFill>
+                  <a:schemeClr val="tx1"/>
+                </a:solidFill>
+              </a:rPr>
+              <a:t>href</a:t>
+            </a:r>
+            <a:r>
+              <a:rPr lang="en-US" sz="1100" b="1" dirty="0">
+                <a:solidFill>
+                  <a:schemeClr val="tx1"/>
+                </a:solidFill>
+              </a:rPr>
+              <a:t>="#"&gt;Link&lt;/a&gt;</a:t>
+            </a:r>
+            <a:br>
+              <a:rPr lang="en-US" sz="1100" b="1" dirty="0">
+                <a:solidFill>
+                  <a:schemeClr val="tx1"/>
+                </a:solidFill>
+              </a:rPr>
+            </a:br>
+            <a:r>
+              <a:rPr lang="en-US" sz="1100" b="1" dirty="0">
+                <a:solidFill>
+                  <a:schemeClr val="tx1"/>
+                </a:solidFill>
+              </a:rPr>
+              <a:t>  &lt;/li&gt;</a:t>
+            </a:r>
+            <a:br>
+              <a:rPr lang="en-US" sz="1100" b="1" dirty="0">
+                <a:solidFill>
+                  <a:schemeClr val="tx1"/>
+                </a:solidFill>
+              </a:rPr>
+            </a:br>
+            <a:r>
+              <a:rPr lang="en-US" sz="1100" b="1" dirty="0">
+                <a:solidFill>
+                  <a:schemeClr val="tx1"/>
+                </a:solidFill>
+              </a:rPr>
+              <a:t>  &lt;li class="</a:t>
+            </a:r>
+            <a:r>
+              <a:rPr lang="en-US" sz="1100" b="1" dirty="0" err="1">
+                <a:solidFill>
+                  <a:schemeClr val="tx1"/>
+                </a:solidFill>
+              </a:rPr>
+              <a:t>nav</a:t>
+            </a:r>
+            <a:r>
+              <a:rPr lang="en-US" sz="1100" b="1" dirty="0">
+                <a:solidFill>
+                  <a:schemeClr val="tx1"/>
+                </a:solidFill>
+              </a:rPr>
+              <a:t>-item"&gt;</a:t>
+            </a:r>
+            <a:br>
+              <a:rPr lang="en-US" sz="1100" b="1" dirty="0">
+                <a:solidFill>
+                  <a:schemeClr val="tx1"/>
+                </a:solidFill>
+              </a:rPr>
+            </a:br>
+            <a:r>
+              <a:rPr lang="en-US" sz="1100" b="1" dirty="0">
+                <a:solidFill>
+                  <a:schemeClr val="tx1"/>
+                </a:solidFill>
+              </a:rPr>
+              <a:t>    &lt;a class="</a:t>
+            </a:r>
+            <a:r>
+              <a:rPr lang="en-US" sz="1100" b="1" dirty="0" err="1">
+                <a:solidFill>
+                  <a:schemeClr val="tx1"/>
+                </a:solidFill>
+              </a:rPr>
+              <a:t>nav</a:t>
+            </a:r>
+            <a:r>
+              <a:rPr lang="en-US" sz="1100" b="1" dirty="0">
+                <a:solidFill>
+                  <a:schemeClr val="tx1"/>
+                </a:solidFill>
+              </a:rPr>
+              <a:t>-link" </a:t>
+            </a:r>
+            <a:r>
+              <a:rPr lang="en-US" sz="1100" b="1" dirty="0" err="1">
+                <a:solidFill>
+                  <a:schemeClr val="tx1"/>
+                </a:solidFill>
+              </a:rPr>
+              <a:t>href</a:t>
+            </a:r>
+            <a:r>
+              <a:rPr lang="en-US" sz="1100" b="1" dirty="0">
+                <a:solidFill>
+                  <a:schemeClr val="tx1"/>
+                </a:solidFill>
+              </a:rPr>
+              <a:t>="#"&gt;Link&lt;/a&gt;</a:t>
+            </a:r>
+            <a:br>
+              <a:rPr lang="en-US" sz="1100" b="1" dirty="0">
+                <a:solidFill>
+                  <a:schemeClr val="tx1"/>
+                </a:solidFill>
+              </a:rPr>
+            </a:br>
+            <a:r>
+              <a:rPr lang="en-US" sz="1100" b="1" dirty="0">
+                <a:solidFill>
+                  <a:schemeClr val="tx1"/>
+                </a:solidFill>
+              </a:rPr>
+              <a:t>  &lt;/li&gt;</a:t>
+            </a:r>
+            <a:br>
+              <a:rPr lang="en-US" sz="1100" b="1" dirty="0">
+                <a:solidFill>
+                  <a:schemeClr val="tx1"/>
+                </a:solidFill>
+              </a:rPr>
+            </a:br>
+            <a:r>
+              <a:rPr lang="en-US" sz="1100" b="1" dirty="0">
+                <a:solidFill>
+                  <a:schemeClr val="tx1"/>
+                </a:solidFill>
+              </a:rPr>
+              <a:t>  &lt;li class="</a:t>
+            </a:r>
+            <a:r>
+              <a:rPr lang="en-US" sz="1100" b="1" dirty="0" err="1">
+                <a:solidFill>
+                  <a:schemeClr val="tx1"/>
+                </a:solidFill>
+              </a:rPr>
+              <a:t>nav</a:t>
+            </a:r>
+            <a:r>
+              <a:rPr lang="en-US" sz="1100" b="1" dirty="0">
+                <a:solidFill>
+                  <a:schemeClr val="tx1"/>
+                </a:solidFill>
+              </a:rPr>
+              <a:t>-item"&gt;</a:t>
+            </a:r>
+            <a:br>
+              <a:rPr lang="en-US" sz="1100" b="1" dirty="0">
+                <a:solidFill>
+                  <a:schemeClr val="tx1"/>
+                </a:solidFill>
+              </a:rPr>
+            </a:br>
+            <a:r>
+              <a:rPr lang="en-US" sz="1100" b="1" dirty="0">
+                <a:solidFill>
+                  <a:schemeClr val="tx1"/>
+                </a:solidFill>
+              </a:rPr>
+              <a:t>    &lt;a class="</a:t>
+            </a:r>
+            <a:r>
+              <a:rPr lang="en-US" sz="1100" b="1" dirty="0" err="1">
+                <a:solidFill>
+                  <a:schemeClr val="tx1"/>
+                </a:solidFill>
+              </a:rPr>
+              <a:t>nav</a:t>
+            </a:r>
+            <a:r>
+              <a:rPr lang="en-US" sz="1100" b="1" dirty="0">
+                <a:solidFill>
+                  <a:schemeClr val="tx1"/>
+                </a:solidFill>
+              </a:rPr>
+              <a:t>-link disabled" </a:t>
+            </a:r>
+            <a:r>
+              <a:rPr lang="en-US" sz="1100" b="1" dirty="0" err="1">
+                <a:solidFill>
+                  <a:schemeClr val="tx1"/>
+                </a:solidFill>
+              </a:rPr>
+              <a:t>href</a:t>
+            </a:r>
+            <a:r>
+              <a:rPr lang="en-US" sz="1100" b="1" dirty="0">
+                <a:solidFill>
+                  <a:schemeClr val="tx1"/>
+                </a:solidFill>
+              </a:rPr>
+              <a:t>="#"&gt;Disabled&lt;/a&gt;</a:t>
+            </a:r>
+            <a:br>
+              <a:rPr lang="en-US" sz="1100" b="1" dirty="0">
+                <a:solidFill>
+                  <a:schemeClr val="tx1"/>
+                </a:solidFill>
+              </a:rPr>
+            </a:br>
+            <a:r>
+              <a:rPr lang="en-US" sz="1100" b="1" dirty="0">
+                <a:solidFill>
+                  <a:schemeClr val="tx1"/>
+                </a:solidFill>
+              </a:rPr>
+              <a:t>  &lt;/li&gt;</a:t>
+            </a:r>
+            <a:br>
+              <a:rPr lang="en-US" sz="1100" b="1" dirty="0">
+                <a:solidFill>
+                  <a:schemeClr val="tx1"/>
+                </a:solidFill>
+              </a:rPr>
+            </a:br>
+            <a:r>
+              <a:rPr lang="en-US" sz="1100" b="1" dirty="0">
+                <a:solidFill>
+                  <a:schemeClr val="tx1"/>
+                </a:solidFill>
+              </a:rPr>
+              <a:t>&lt;/</a:t>
+            </a:r>
+            <a:r>
+              <a:rPr lang="en-US" sz="1100" b="1" dirty="0" err="1">
+                <a:solidFill>
+                  <a:schemeClr val="tx1"/>
+                </a:solidFill>
+              </a:rPr>
+              <a:t>ul</a:t>
+            </a:r>
+            <a:r>
+              <a:rPr lang="en-US" sz="1100" b="1" dirty="0">
+                <a:solidFill>
+                  <a:schemeClr val="tx1"/>
+                </a:solidFill>
+              </a:rPr>
+              <a:t>&gt;</a:t>
+            </a:r>
+          </a:p>
+        </p:txBody>
+      </p:sp>
+    </p:spTree>
+    <p:extLst>
+      <p:ext uri="{BB962C8B-B14F-4D97-AF65-F5344CB8AC3E}">
+        <p14:creationId xmlns:p14="http://schemas.microsoft.com/office/powerpoint/2010/main" val="4029145435"/>
+      </p:ext>
+    </p:extLst>
+  </p:cSld>
+  <p:clrMapOvr>
+    <a:masterClrMapping/>
+  </p:clrMapOvr>
+  <p:timing>
+    <p:tnLst>
+      <p:par>
+        <p:cTn id="1" dur="indefinite" restart="never" nodeType="tmRoot"/>
+      </p:par>
+    </p:tnLst>
+  </p:timing>
+</p:sld>
+</file>
+
+<file path=ppt/slides/slide17.xml><?xml version="1.0" encoding="utf-8"?>
+<p:sld xmlns:a="http://schemas.openxmlformats.org/drawingml/2006/main" xmlns:r="http://schemas.openxmlformats.org/officeDocument/2006/relationships" xmlns:p="http://schemas.openxmlformats.org/presentationml/2006/main">
+  <p:cSld>
+    <p:spTree>
+      <p:nvGrpSpPr>
+        <p:cNvPr id="1" name="Shape 102"/>
+        <p:cNvGrpSpPr/>
+        <p:nvPr/>
+      </p:nvGrpSpPr>
+      <p:grpSpPr>
+        <a:xfrm>
+          <a:off x="0" y="0"/>
+          <a:ext cx="0" cy="0"/>
+          <a:chOff x="0" y="0"/>
+          <a:chExt cx="0" cy="0"/>
+        </a:xfrm>
+      </p:grpSpPr>
+      <p:sp>
+        <p:nvSpPr>
+          <p:cNvPr id="103" name="Google Shape;103;p16"/>
+          <p:cNvSpPr txBox="1">
+            <a:spLocks noGrp="1"/>
+          </p:cNvSpPr>
+          <p:nvPr>
+            <p:ph type="title"/>
+          </p:nvPr>
+        </p:nvSpPr>
+        <p:spPr>
+          <a:xfrm>
+            <a:off x="0" y="-74645"/>
+            <a:ext cx="9144000" cy="457200"/>
+          </a:xfrm>
+          <a:prstGeom prst="rect">
+            <a:avLst/>
+          </a:prstGeom>
+        </p:spPr>
+        <p:txBody>
+          <a:bodyPr spcFirstLastPara="1" wrap="square" lIns="91425" tIns="91425" rIns="91425" bIns="91425" anchor="t" anchorCtr="0">
+            <a:noAutofit/>
+          </a:bodyPr>
+          <a:lstStyle/>
+          <a:p>
+            <a:pPr marL="0" lvl="0" indent="0" algn="ctr" rtl="0">
+              <a:spcBef>
+                <a:spcPts val="0"/>
+              </a:spcBef>
+              <a:spcAft>
+                <a:spcPts val="0"/>
+              </a:spcAft>
+              <a:buSzPts val="990"/>
+              <a:buNone/>
+            </a:pPr>
+            <a:r>
+              <a:rPr lang="en" sz="2800" b="1" dirty="0" smtClean="0"/>
+              <a:t>BOOTSTRAP-NAVBARS</a:t>
+            </a:r>
+            <a:endParaRPr sz="2800" b="1" dirty="0"/>
+          </a:p>
+        </p:txBody>
+      </p:sp>
+      <p:sp>
+        <p:nvSpPr>
+          <p:cNvPr id="104" name="Google Shape;104;p16"/>
+          <p:cNvSpPr txBox="1"/>
+          <p:nvPr/>
+        </p:nvSpPr>
+        <p:spPr>
+          <a:xfrm>
+            <a:off x="321600" y="437278"/>
+            <a:ext cx="8500800" cy="4539674"/>
+          </a:xfrm>
+          <a:prstGeom prst="rect">
+            <a:avLst/>
+          </a:prstGeom>
+          <a:noFill/>
+          <a:ln>
+            <a:noFill/>
+          </a:ln>
+        </p:spPr>
+        <p:txBody>
+          <a:bodyPr spcFirstLastPara="1" wrap="square" lIns="91425" tIns="91425" rIns="91425" bIns="91425" anchor="t" anchorCtr="0">
+            <a:spAutoFit/>
+          </a:bodyPr>
+          <a:lstStyle/>
+          <a:p>
+            <a:r>
+              <a:rPr lang="en-US" sz="1100" b="1" u="sng" dirty="0"/>
+              <a:t>Navigation Bars</a:t>
+            </a:r>
+          </a:p>
+          <a:p>
+            <a:r>
+              <a:rPr lang="en-US" sz="1100" dirty="0"/>
+              <a:t>A navigation bar is a navigation header that is placed at the top of the page</a:t>
+            </a:r>
+            <a:r>
+              <a:rPr lang="en-US" sz="1100" dirty="0" smtClean="0"/>
+              <a:t>:</a:t>
+            </a:r>
+          </a:p>
+          <a:p>
+            <a:endParaRPr lang="en-US" sz="1100" dirty="0">
+              <a:solidFill>
+                <a:schemeClr val="tx1"/>
+              </a:solidFill>
+            </a:endParaRPr>
+          </a:p>
+          <a:p>
+            <a:r>
+              <a:rPr lang="en-US" sz="1000" b="1" u="sng" dirty="0"/>
+              <a:t>Basic </a:t>
+            </a:r>
+            <a:r>
+              <a:rPr lang="en-US" sz="1000" b="1" u="sng" dirty="0" err="1"/>
+              <a:t>Navbar</a:t>
+            </a:r>
+            <a:endParaRPr lang="en-US" sz="1000" b="1" u="sng" dirty="0"/>
+          </a:p>
+          <a:p>
+            <a:r>
+              <a:rPr lang="en-US" sz="1000" dirty="0"/>
+              <a:t>With Bootstrap, a navigation bar can extend or collapse, depending on the screen size.</a:t>
+            </a:r>
+          </a:p>
+          <a:p>
+            <a:r>
+              <a:rPr lang="en-US" sz="1000" dirty="0"/>
+              <a:t>A standard navigation bar is created with the .</a:t>
+            </a:r>
+            <a:r>
+              <a:rPr lang="en-US" sz="1000" dirty="0" err="1"/>
+              <a:t>navbar</a:t>
+            </a:r>
+            <a:r>
+              <a:rPr lang="en-US" sz="1000" dirty="0"/>
+              <a:t> class, followed by a responsive collapsing class: .</a:t>
+            </a:r>
+            <a:r>
+              <a:rPr lang="en-US" sz="1000" dirty="0" err="1"/>
+              <a:t>navbar-expand-xxl|xl|lg|md|sm</a:t>
+            </a:r>
+            <a:r>
+              <a:rPr lang="en-US" sz="1000" dirty="0"/>
+              <a:t> (stacks the </a:t>
+            </a:r>
+            <a:r>
+              <a:rPr lang="en-US" sz="1000" dirty="0" err="1"/>
+              <a:t>navbar</a:t>
+            </a:r>
+            <a:r>
+              <a:rPr lang="en-US" sz="1000" dirty="0"/>
+              <a:t> vertically on </a:t>
+            </a:r>
+            <a:r>
+              <a:rPr lang="en-US" sz="1000" dirty="0" err="1"/>
+              <a:t>xxlarge</a:t>
+            </a:r>
+            <a:r>
+              <a:rPr lang="en-US" sz="1000" dirty="0"/>
+              <a:t>, extra large, large, medium or small screens</a:t>
+            </a:r>
+            <a:r>
+              <a:rPr lang="en-US" sz="1000" dirty="0" smtClean="0"/>
+              <a:t>).</a:t>
+            </a:r>
+          </a:p>
+          <a:p>
+            <a:endParaRPr lang="en-US" sz="1000" dirty="0"/>
+          </a:p>
+          <a:p>
+            <a:r>
+              <a:rPr lang="en-US" sz="1000" dirty="0"/>
+              <a:t>To add links inside the </a:t>
+            </a:r>
+            <a:r>
+              <a:rPr lang="en-US" sz="1000" dirty="0" err="1"/>
+              <a:t>navbar</a:t>
+            </a:r>
+            <a:r>
+              <a:rPr lang="en-US" sz="1000" dirty="0"/>
+              <a:t>, use either an &lt;</a:t>
+            </a:r>
+            <a:r>
+              <a:rPr lang="en-US" sz="1000" dirty="0" err="1"/>
+              <a:t>ul</a:t>
+            </a:r>
+            <a:r>
+              <a:rPr lang="en-US" sz="1000" dirty="0"/>
+              <a:t>&gt; element (or a &lt;div&gt;) with class="</a:t>
+            </a:r>
+            <a:r>
+              <a:rPr lang="en-US" sz="1000" dirty="0" err="1"/>
+              <a:t>navbar-nav</a:t>
+            </a:r>
+            <a:r>
+              <a:rPr lang="en-US" sz="1000" dirty="0"/>
+              <a:t>". Then add &lt;li&gt; elements with a .</a:t>
+            </a:r>
+            <a:r>
+              <a:rPr lang="en-US" sz="1000" dirty="0" err="1"/>
+              <a:t>nav</a:t>
+            </a:r>
+            <a:r>
+              <a:rPr lang="en-US" sz="1000" dirty="0"/>
+              <a:t>-item class followed by an &lt;a&gt; element with a .</a:t>
+            </a:r>
+            <a:r>
+              <a:rPr lang="en-US" sz="1000" dirty="0" err="1"/>
+              <a:t>nav</a:t>
+            </a:r>
+            <a:r>
+              <a:rPr lang="en-US" sz="1000" dirty="0"/>
+              <a:t>-link class:</a:t>
+            </a:r>
+          </a:p>
+          <a:p>
+            <a:endParaRPr lang="en-US" sz="1000" dirty="0" smtClean="0">
+              <a:solidFill>
+                <a:schemeClr val="tx1"/>
+              </a:solidFill>
+            </a:endParaRPr>
+          </a:p>
+          <a:p>
+            <a:r>
+              <a:rPr lang="en-US" sz="1000" b="1" dirty="0">
+                <a:solidFill>
+                  <a:schemeClr val="tx1"/>
+                </a:solidFill>
+              </a:rPr>
+              <a:t>&lt;!-- A grey horizontal </a:t>
+            </a:r>
+            <a:r>
+              <a:rPr lang="en-US" sz="1000" b="1" dirty="0" err="1">
+                <a:solidFill>
+                  <a:schemeClr val="tx1"/>
+                </a:solidFill>
+              </a:rPr>
+              <a:t>navbar</a:t>
+            </a:r>
+            <a:r>
+              <a:rPr lang="en-US" sz="1000" b="1" dirty="0">
+                <a:solidFill>
+                  <a:schemeClr val="tx1"/>
+                </a:solidFill>
+              </a:rPr>
+              <a:t> that becomes vertical on small screens --&gt;</a:t>
+            </a:r>
+            <a:br>
+              <a:rPr lang="en-US" sz="1000" b="1" dirty="0">
+                <a:solidFill>
+                  <a:schemeClr val="tx1"/>
+                </a:solidFill>
+              </a:rPr>
+            </a:br>
+            <a:r>
+              <a:rPr lang="en-US" sz="1000" b="1" dirty="0">
+                <a:solidFill>
+                  <a:schemeClr val="tx1"/>
+                </a:solidFill>
+              </a:rPr>
+              <a:t>&lt;</a:t>
+            </a:r>
+            <a:r>
+              <a:rPr lang="en-US" sz="1000" b="1" dirty="0" err="1">
+                <a:solidFill>
+                  <a:schemeClr val="tx1"/>
+                </a:solidFill>
+              </a:rPr>
+              <a:t>nav</a:t>
+            </a:r>
+            <a:r>
+              <a:rPr lang="en-US" sz="1000" b="1" dirty="0">
+                <a:solidFill>
+                  <a:schemeClr val="tx1"/>
+                </a:solidFill>
+              </a:rPr>
+              <a:t> class="</a:t>
+            </a:r>
+            <a:r>
+              <a:rPr lang="en-US" sz="1000" b="1" dirty="0" err="1">
+                <a:solidFill>
+                  <a:schemeClr val="tx1"/>
+                </a:solidFill>
+              </a:rPr>
+              <a:t>navbar</a:t>
+            </a:r>
+            <a:r>
+              <a:rPr lang="en-US" sz="1000" b="1" dirty="0">
+                <a:solidFill>
+                  <a:schemeClr val="tx1"/>
+                </a:solidFill>
+              </a:rPr>
+              <a:t> </a:t>
+            </a:r>
+            <a:r>
+              <a:rPr lang="en-US" sz="1000" b="1" dirty="0" err="1">
+                <a:solidFill>
+                  <a:schemeClr val="tx1"/>
+                </a:solidFill>
+              </a:rPr>
+              <a:t>navbar</a:t>
+            </a:r>
+            <a:r>
+              <a:rPr lang="en-US" sz="1000" b="1" dirty="0">
+                <a:solidFill>
+                  <a:schemeClr val="tx1"/>
+                </a:solidFill>
+              </a:rPr>
+              <a:t>-expand-</a:t>
+            </a:r>
+            <a:r>
+              <a:rPr lang="en-US" sz="1000" b="1" dirty="0" err="1">
+                <a:solidFill>
+                  <a:schemeClr val="tx1"/>
+                </a:solidFill>
+              </a:rPr>
+              <a:t>sm</a:t>
+            </a:r>
+            <a:r>
+              <a:rPr lang="en-US" sz="1000" b="1" dirty="0">
+                <a:solidFill>
+                  <a:schemeClr val="tx1"/>
+                </a:solidFill>
+              </a:rPr>
+              <a:t> </a:t>
+            </a:r>
+            <a:r>
+              <a:rPr lang="en-US" sz="1000" b="1" dirty="0" err="1">
+                <a:solidFill>
+                  <a:schemeClr val="tx1"/>
+                </a:solidFill>
+              </a:rPr>
+              <a:t>bg</a:t>
+            </a:r>
+            <a:r>
+              <a:rPr lang="en-US" sz="1000" b="1" dirty="0">
+                <a:solidFill>
+                  <a:schemeClr val="tx1"/>
+                </a:solidFill>
+              </a:rPr>
+              <a:t>-light"&gt;</a:t>
+            </a:r>
+            <a:br>
+              <a:rPr lang="en-US" sz="1000" b="1" dirty="0">
+                <a:solidFill>
+                  <a:schemeClr val="tx1"/>
+                </a:solidFill>
+              </a:rPr>
+            </a:br>
+            <a:r>
+              <a:rPr lang="en-US" sz="1000" b="1" dirty="0">
+                <a:solidFill>
+                  <a:schemeClr val="tx1"/>
+                </a:solidFill>
+              </a:rPr>
+              <a:t/>
+            </a:r>
+            <a:br>
+              <a:rPr lang="en-US" sz="1000" b="1" dirty="0">
+                <a:solidFill>
+                  <a:schemeClr val="tx1"/>
+                </a:solidFill>
+              </a:rPr>
+            </a:br>
+            <a:r>
+              <a:rPr lang="en-US" sz="1000" b="1" dirty="0">
+                <a:solidFill>
+                  <a:schemeClr val="tx1"/>
+                </a:solidFill>
+              </a:rPr>
+              <a:t>  &lt;div class="container-fluid"&gt;</a:t>
+            </a:r>
+            <a:br>
+              <a:rPr lang="en-US" sz="1000" b="1" dirty="0">
+                <a:solidFill>
+                  <a:schemeClr val="tx1"/>
+                </a:solidFill>
+              </a:rPr>
+            </a:br>
+            <a:r>
+              <a:rPr lang="en-US" sz="1000" b="1" dirty="0">
+                <a:solidFill>
+                  <a:schemeClr val="tx1"/>
+                </a:solidFill>
+              </a:rPr>
+              <a:t>    &lt;!-- Links --&gt;</a:t>
+            </a:r>
+            <a:br>
+              <a:rPr lang="en-US" sz="1000" b="1" dirty="0">
+                <a:solidFill>
+                  <a:schemeClr val="tx1"/>
+                </a:solidFill>
+              </a:rPr>
+            </a:br>
+            <a:r>
+              <a:rPr lang="en-US" sz="1000" b="1" dirty="0">
+                <a:solidFill>
+                  <a:schemeClr val="tx1"/>
+                </a:solidFill>
+              </a:rPr>
+              <a:t>    &lt;</a:t>
+            </a:r>
+            <a:r>
+              <a:rPr lang="en-US" sz="1000" b="1" dirty="0" err="1">
+                <a:solidFill>
+                  <a:schemeClr val="tx1"/>
+                </a:solidFill>
+              </a:rPr>
+              <a:t>ul</a:t>
+            </a:r>
+            <a:r>
+              <a:rPr lang="en-US" sz="1000" b="1" dirty="0">
+                <a:solidFill>
+                  <a:schemeClr val="tx1"/>
+                </a:solidFill>
+              </a:rPr>
+              <a:t> class="</a:t>
+            </a:r>
+            <a:r>
+              <a:rPr lang="en-US" sz="1000" b="1" dirty="0" err="1">
+                <a:solidFill>
+                  <a:schemeClr val="tx1"/>
+                </a:solidFill>
+              </a:rPr>
+              <a:t>navbar-nav</a:t>
+            </a:r>
+            <a:r>
+              <a:rPr lang="en-US" sz="1000" b="1" dirty="0">
+                <a:solidFill>
+                  <a:schemeClr val="tx1"/>
+                </a:solidFill>
+              </a:rPr>
+              <a:t>"&gt;</a:t>
+            </a:r>
+            <a:br>
+              <a:rPr lang="en-US" sz="1000" b="1" dirty="0">
+                <a:solidFill>
+                  <a:schemeClr val="tx1"/>
+                </a:solidFill>
+              </a:rPr>
+            </a:br>
+            <a:r>
+              <a:rPr lang="en-US" sz="1000" b="1" dirty="0">
+                <a:solidFill>
+                  <a:schemeClr val="tx1"/>
+                </a:solidFill>
+              </a:rPr>
+              <a:t>      &lt;li class="</a:t>
+            </a:r>
+            <a:r>
+              <a:rPr lang="en-US" sz="1000" b="1" dirty="0" err="1">
+                <a:solidFill>
+                  <a:schemeClr val="tx1"/>
+                </a:solidFill>
+              </a:rPr>
+              <a:t>nav</a:t>
+            </a:r>
+            <a:r>
+              <a:rPr lang="en-US" sz="1000" b="1" dirty="0">
+                <a:solidFill>
+                  <a:schemeClr val="tx1"/>
+                </a:solidFill>
+              </a:rPr>
+              <a:t>-item"&gt;</a:t>
+            </a:r>
+            <a:br>
+              <a:rPr lang="en-US" sz="1000" b="1" dirty="0">
+                <a:solidFill>
+                  <a:schemeClr val="tx1"/>
+                </a:solidFill>
+              </a:rPr>
+            </a:br>
+            <a:r>
+              <a:rPr lang="en-US" sz="1000" b="1" dirty="0">
+                <a:solidFill>
+                  <a:schemeClr val="tx1"/>
+                </a:solidFill>
+              </a:rPr>
+              <a:t>        &lt;a class="</a:t>
+            </a:r>
+            <a:r>
+              <a:rPr lang="en-US" sz="1000" b="1" dirty="0" err="1">
+                <a:solidFill>
+                  <a:schemeClr val="tx1"/>
+                </a:solidFill>
+              </a:rPr>
+              <a:t>nav</a:t>
+            </a:r>
+            <a:r>
+              <a:rPr lang="en-US" sz="1000" b="1" dirty="0">
+                <a:solidFill>
+                  <a:schemeClr val="tx1"/>
+                </a:solidFill>
+              </a:rPr>
+              <a:t>-link" </a:t>
+            </a:r>
+            <a:r>
+              <a:rPr lang="en-US" sz="1000" b="1" dirty="0" err="1">
+                <a:solidFill>
+                  <a:schemeClr val="tx1"/>
+                </a:solidFill>
+              </a:rPr>
+              <a:t>href</a:t>
+            </a:r>
+            <a:r>
+              <a:rPr lang="en-US" sz="1000" b="1" dirty="0">
+                <a:solidFill>
+                  <a:schemeClr val="tx1"/>
+                </a:solidFill>
+              </a:rPr>
+              <a:t>="#"&gt;Link 1&lt;/a&gt;</a:t>
+            </a:r>
+            <a:br>
+              <a:rPr lang="en-US" sz="1000" b="1" dirty="0">
+                <a:solidFill>
+                  <a:schemeClr val="tx1"/>
+                </a:solidFill>
+              </a:rPr>
+            </a:br>
+            <a:r>
+              <a:rPr lang="en-US" sz="1000" b="1" dirty="0">
+                <a:solidFill>
+                  <a:schemeClr val="tx1"/>
+                </a:solidFill>
+              </a:rPr>
+              <a:t>      &lt;/li&gt;</a:t>
+            </a:r>
+            <a:br>
+              <a:rPr lang="en-US" sz="1000" b="1" dirty="0">
+                <a:solidFill>
+                  <a:schemeClr val="tx1"/>
+                </a:solidFill>
+              </a:rPr>
+            </a:br>
+            <a:r>
+              <a:rPr lang="en-US" sz="1000" b="1" dirty="0">
+                <a:solidFill>
+                  <a:schemeClr val="tx1"/>
+                </a:solidFill>
+              </a:rPr>
+              <a:t>      &lt;li class="</a:t>
+            </a:r>
+            <a:r>
+              <a:rPr lang="en-US" sz="1000" b="1" dirty="0" err="1">
+                <a:solidFill>
+                  <a:schemeClr val="tx1"/>
+                </a:solidFill>
+              </a:rPr>
+              <a:t>nav</a:t>
+            </a:r>
+            <a:r>
+              <a:rPr lang="en-US" sz="1000" b="1" dirty="0">
+                <a:solidFill>
+                  <a:schemeClr val="tx1"/>
+                </a:solidFill>
+              </a:rPr>
+              <a:t>-item"&gt;</a:t>
+            </a:r>
+            <a:br>
+              <a:rPr lang="en-US" sz="1000" b="1" dirty="0">
+                <a:solidFill>
+                  <a:schemeClr val="tx1"/>
+                </a:solidFill>
+              </a:rPr>
+            </a:br>
+            <a:r>
+              <a:rPr lang="en-US" sz="1000" b="1" dirty="0">
+                <a:solidFill>
+                  <a:schemeClr val="tx1"/>
+                </a:solidFill>
+              </a:rPr>
+              <a:t>        &lt;a class="</a:t>
+            </a:r>
+            <a:r>
+              <a:rPr lang="en-US" sz="1000" b="1" dirty="0" err="1">
+                <a:solidFill>
+                  <a:schemeClr val="tx1"/>
+                </a:solidFill>
+              </a:rPr>
+              <a:t>nav</a:t>
+            </a:r>
+            <a:r>
+              <a:rPr lang="en-US" sz="1000" b="1" dirty="0">
+                <a:solidFill>
+                  <a:schemeClr val="tx1"/>
+                </a:solidFill>
+              </a:rPr>
+              <a:t>-link" </a:t>
+            </a:r>
+            <a:r>
+              <a:rPr lang="en-US" sz="1000" b="1" dirty="0" err="1">
+                <a:solidFill>
+                  <a:schemeClr val="tx1"/>
+                </a:solidFill>
+              </a:rPr>
+              <a:t>href</a:t>
+            </a:r>
+            <a:r>
+              <a:rPr lang="en-US" sz="1000" b="1" dirty="0">
+                <a:solidFill>
+                  <a:schemeClr val="tx1"/>
+                </a:solidFill>
+              </a:rPr>
+              <a:t>="#"&gt;Link 2&lt;/a&gt;</a:t>
+            </a:r>
+            <a:br>
+              <a:rPr lang="en-US" sz="1000" b="1" dirty="0">
+                <a:solidFill>
+                  <a:schemeClr val="tx1"/>
+                </a:solidFill>
+              </a:rPr>
+            </a:br>
+            <a:r>
+              <a:rPr lang="en-US" sz="1000" b="1" dirty="0">
+                <a:solidFill>
+                  <a:schemeClr val="tx1"/>
+                </a:solidFill>
+              </a:rPr>
+              <a:t>      &lt;/li&gt;</a:t>
+            </a:r>
+            <a:br>
+              <a:rPr lang="en-US" sz="1000" b="1" dirty="0">
+                <a:solidFill>
+                  <a:schemeClr val="tx1"/>
+                </a:solidFill>
+              </a:rPr>
+            </a:br>
+            <a:r>
+              <a:rPr lang="en-US" sz="1000" b="1" dirty="0">
+                <a:solidFill>
+                  <a:schemeClr val="tx1"/>
+                </a:solidFill>
+              </a:rPr>
+              <a:t>      &lt;li class="</a:t>
+            </a:r>
+            <a:r>
+              <a:rPr lang="en-US" sz="1000" b="1" dirty="0" err="1">
+                <a:solidFill>
+                  <a:schemeClr val="tx1"/>
+                </a:solidFill>
+              </a:rPr>
+              <a:t>nav</a:t>
+            </a:r>
+            <a:r>
+              <a:rPr lang="en-US" sz="1000" b="1" dirty="0">
+                <a:solidFill>
+                  <a:schemeClr val="tx1"/>
+                </a:solidFill>
+              </a:rPr>
+              <a:t>-item"&gt;</a:t>
+            </a:r>
+            <a:br>
+              <a:rPr lang="en-US" sz="1000" b="1" dirty="0">
+                <a:solidFill>
+                  <a:schemeClr val="tx1"/>
+                </a:solidFill>
+              </a:rPr>
+            </a:br>
+            <a:r>
+              <a:rPr lang="en-US" sz="1000" b="1" dirty="0">
+                <a:solidFill>
+                  <a:schemeClr val="tx1"/>
+                </a:solidFill>
+              </a:rPr>
+              <a:t>        &lt;a class="</a:t>
+            </a:r>
+            <a:r>
+              <a:rPr lang="en-US" sz="1000" b="1" dirty="0" err="1">
+                <a:solidFill>
+                  <a:schemeClr val="tx1"/>
+                </a:solidFill>
+              </a:rPr>
+              <a:t>nav</a:t>
+            </a:r>
+            <a:r>
+              <a:rPr lang="en-US" sz="1000" b="1" dirty="0">
+                <a:solidFill>
+                  <a:schemeClr val="tx1"/>
+                </a:solidFill>
+              </a:rPr>
+              <a:t>-link" </a:t>
+            </a:r>
+            <a:r>
+              <a:rPr lang="en-US" sz="1000" b="1" dirty="0" err="1">
+                <a:solidFill>
+                  <a:schemeClr val="tx1"/>
+                </a:solidFill>
+              </a:rPr>
+              <a:t>href</a:t>
+            </a:r>
+            <a:r>
+              <a:rPr lang="en-US" sz="1000" b="1" dirty="0">
+                <a:solidFill>
+                  <a:schemeClr val="tx1"/>
+                </a:solidFill>
+              </a:rPr>
+              <a:t>="#"&gt;Link 3&lt;/a&gt;</a:t>
+            </a:r>
+            <a:br>
+              <a:rPr lang="en-US" sz="1000" b="1" dirty="0">
+                <a:solidFill>
+                  <a:schemeClr val="tx1"/>
+                </a:solidFill>
+              </a:rPr>
+            </a:br>
+            <a:r>
+              <a:rPr lang="en-US" sz="1000" b="1" dirty="0">
+                <a:solidFill>
+                  <a:schemeClr val="tx1"/>
+                </a:solidFill>
+              </a:rPr>
+              <a:t>      &lt;/li&gt;</a:t>
+            </a:r>
+            <a:br>
+              <a:rPr lang="en-US" sz="1000" b="1" dirty="0">
+                <a:solidFill>
+                  <a:schemeClr val="tx1"/>
+                </a:solidFill>
+              </a:rPr>
+            </a:br>
+            <a:r>
+              <a:rPr lang="en-US" sz="1000" b="1" dirty="0">
+                <a:solidFill>
+                  <a:schemeClr val="tx1"/>
+                </a:solidFill>
+              </a:rPr>
+              <a:t>    &lt;/</a:t>
+            </a:r>
+            <a:r>
+              <a:rPr lang="en-US" sz="1000" b="1" dirty="0" err="1">
+                <a:solidFill>
+                  <a:schemeClr val="tx1"/>
+                </a:solidFill>
+              </a:rPr>
+              <a:t>ul</a:t>
+            </a:r>
+            <a:r>
+              <a:rPr lang="en-US" sz="1000" b="1" dirty="0">
+                <a:solidFill>
+                  <a:schemeClr val="tx1"/>
+                </a:solidFill>
+              </a:rPr>
+              <a:t>&gt;</a:t>
+            </a:r>
+            <a:br>
+              <a:rPr lang="en-US" sz="1000" b="1" dirty="0">
+                <a:solidFill>
+                  <a:schemeClr val="tx1"/>
+                </a:solidFill>
+              </a:rPr>
+            </a:br>
+            <a:r>
+              <a:rPr lang="en-US" sz="1000" b="1" dirty="0">
+                <a:solidFill>
+                  <a:schemeClr val="tx1"/>
+                </a:solidFill>
+              </a:rPr>
+              <a:t>  &lt;/div</a:t>
+            </a:r>
+            <a:r>
+              <a:rPr lang="en-US" sz="1000" b="1" dirty="0" smtClean="0">
+                <a:solidFill>
+                  <a:schemeClr val="tx1"/>
+                </a:solidFill>
+              </a:rPr>
+              <a:t>&gt; /</a:t>
+            </a:r>
+            <a:r>
+              <a:rPr lang="en-US" sz="1000" b="1" dirty="0" err="1">
+                <a:solidFill>
+                  <a:schemeClr val="tx1"/>
+                </a:solidFill>
+              </a:rPr>
+              <a:t>nav</a:t>
+            </a:r>
+            <a:r>
+              <a:rPr lang="en-US" sz="1000" b="1" dirty="0">
+                <a:solidFill>
+                  <a:schemeClr val="tx1"/>
+                </a:solidFill>
+              </a:rPr>
+              <a:t>&gt;</a:t>
+            </a:r>
+          </a:p>
+        </p:txBody>
+      </p:sp>
+    </p:spTree>
+    <p:extLst>
+      <p:ext uri="{BB962C8B-B14F-4D97-AF65-F5344CB8AC3E}">
+        <p14:creationId xmlns:p14="http://schemas.microsoft.com/office/powerpoint/2010/main" val="2677776336"/>
+      </p:ext>
+    </p:extLst>
+  </p:cSld>
+  <p:clrMapOvr>
+    <a:masterClrMapping/>
+  </p:clrMapOvr>
+  <p:timing>
+    <p:tnLst>
+      <p:par>
+        <p:cTn id="1" dur="indefinite" restart="never" nodeType="tmRoot"/>
+      </p:par>
+    </p:tnLst>
+  </p:timing>
+</p:sld>
+</file>
+
+<file path=ppt/slides/slide18.xml><?xml version="1.0" encoding="utf-8"?>
+<p:sld xmlns:a="http://schemas.openxmlformats.org/drawingml/2006/main" xmlns:r="http://schemas.openxmlformats.org/officeDocument/2006/relationships" xmlns:p="http://schemas.openxmlformats.org/presentationml/2006/main">
+  <p:cSld>
+    <p:spTree>
+      <p:nvGrpSpPr>
+        <p:cNvPr id="1" name="Shape 102"/>
+        <p:cNvGrpSpPr/>
+        <p:nvPr/>
+      </p:nvGrpSpPr>
+      <p:grpSpPr>
+        <a:xfrm>
+          <a:off x="0" y="0"/>
+          <a:ext cx="0" cy="0"/>
+          <a:chOff x="0" y="0"/>
+          <a:chExt cx="0" cy="0"/>
+        </a:xfrm>
+      </p:grpSpPr>
+      <p:sp>
+        <p:nvSpPr>
+          <p:cNvPr id="103" name="Google Shape;103;p16"/>
+          <p:cNvSpPr txBox="1">
+            <a:spLocks noGrp="1"/>
+          </p:cNvSpPr>
+          <p:nvPr>
+            <p:ph type="title"/>
+          </p:nvPr>
+        </p:nvSpPr>
+        <p:spPr>
+          <a:xfrm>
+            <a:off x="0" y="-74645"/>
+            <a:ext cx="9144000" cy="457200"/>
+          </a:xfrm>
+          <a:prstGeom prst="rect">
+            <a:avLst/>
+          </a:prstGeom>
+        </p:spPr>
+        <p:txBody>
+          <a:bodyPr spcFirstLastPara="1" wrap="square" lIns="91425" tIns="91425" rIns="91425" bIns="91425" anchor="t" anchorCtr="0">
+            <a:noAutofit/>
+          </a:bodyPr>
+          <a:lstStyle/>
+          <a:p>
+            <a:pPr marL="0" lvl="0" indent="0" algn="ctr" rtl="0">
+              <a:spcBef>
+                <a:spcPts val="0"/>
+              </a:spcBef>
+              <a:spcAft>
+                <a:spcPts val="0"/>
+              </a:spcAft>
+              <a:buSzPts val="990"/>
+              <a:buNone/>
+            </a:pPr>
+            <a:r>
+              <a:rPr lang="en" sz="2800" b="1" dirty="0" smtClean="0"/>
+              <a:t>BOOTSTRAP-BORDER</a:t>
+            </a:r>
+            <a:endParaRPr sz="2800" b="1" dirty="0"/>
+          </a:p>
+        </p:txBody>
+      </p:sp>
+      <p:sp>
+        <p:nvSpPr>
+          <p:cNvPr id="104" name="Google Shape;104;p16"/>
+          <p:cNvSpPr txBox="1"/>
+          <p:nvPr/>
+        </p:nvSpPr>
+        <p:spPr>
+          <a:xfrm>
+            <a:off x="321600" y="437278"/>
+            <a:ext cx="8500800" cy="3939510"/>
+          </a:xfrm>
+          <a:prstGeom prst="rect">
+            <a:avLst/>
+          </a:prstGeom>
+          <a:noFill/>
+          <a:ln>
+            <a:noFill/>
+          </a:ln>
+        </p:spPr>
+        <p:txBody>
+          <a:bodyPr spcFirstLastPara="1" wrap="square" lIns="91425" tIns="91425" rIns="91425" bIns="91425" anchor="t" anchorCtr="0">
+            <a:spAutoFit/>
+          </a:bodyPr>
+          <a:lstStyle/>
+          <a:p>
+            <a:r>
+              <a:rPr lang="en-US" sz="1000" b="1" u="sng" dirty="0" smtClean="0"/>
+              <a:t>Borders</a:t>
+            </a:r>
+            <a:endParaRPr lang="en-US" sz="1000" b="1" u="sng" dirty="0"/>
+          </a:p>
+          <a:p>
+            <a:r>
+              <a:rPr lang="en-US" sz="1000" dirty="0"/>
+              <a:t>Use the border classes to add or remove borders from an element:</a:t>
+            </a:r>
+          </a:p>
+          <a:p>
+            <a:endParaRPr lang="en-US" sz="1000" b="1" u="sng" dirty="0"/>
+          </a:p>
+          <a:p>
+            <a:r>
+              <a:rPr lang="en-US" sz="1000" b="1" dirty="0">
+                <a:solidFill>
+                  <a:schemeClr val="tx1"/>
+                </a:solidFill>
+              </a:rPr>
+              <a:t>&lt;span class="border"&gt;&lt;/span&gt;</a:t>
+            </a:r>
+            <a:br>
+              <a:rPr lang="en-US" sz="1000" b="1" dirty="0">
+                <a:solidFill>
+                  <a:schemeClr val="tx1"/>
+                </a:solidFill>
+              </a:rPr>
+            </a:br>
+            <a:r>
+              <a:rPr lang="en-US" sz="1000" b="1" dirty="0">
+                <a:solidFill>
+                  <a:schemeClr val="tx1"/>
+                </a:solidFill>
+              </a:rPr>
+              <a:t>&lt;span class="border border-0"&gt;&lt;/span</a:t>
+            </a:r>
+            <a:r>
+              <a:rPr lang="en-US" sz="1000" b="1" dirty="0" smtClean="0">
+                <a:solidFill>
+                  <a:schemeClr val="tx1"/>
+                </a:solidFill>
+              </a:rPr>
+              <a:t>&gt;</a:t>
+            </a:r>
+          </a:p>
+          <a:p>
+            <a:endParaRPr lang="en-US" sz="1000" b="1" dirty="0">
+              <a:solidFill>
+                <a:schemeClr val="tx1"/>
+              </a:solidFill>
+            </a:endParaRPr>
+          </a:p>
+          <a:p>
+            <a:r>
+              <a:rPr lang="en-US" sz="1000" b="1" u="sng" dirty="0"/>
+              <a:t>Border Width</a:t>
+            </a:r>
+          </a:p>
+          <a:p>
+            <a:r>
+              <a:rPr lang="en-US" sz="1000" dirty="0"/>
+              <a:t>Use .border-1 to .border-5 to change the width of the border:</a:t>
+            </a:r>
+          </a:p>
+          <a:p>
+            <a:endParaRPr lang="en-US" sz="1000" b="1" dirty="0" smtClean="0">
+              <a:solidFill>
+                <a:schemeClr val="tx1"/>
+              </a:solidFill>
+            </a:endParaRPr>
+          </a:p>
+          <a:p>
+            <a:r>
+              <a:rPr lang="en-US" sz="1000" b="1" dirty="0">
+                <a:solidFill>
+                  <a:schemeClr val="tx1"/>
+                </a:solidFill>
+              </a:rPr>
+              <a:t>&lt;span class="border border-1"&gt;&lt;/span&gt;</a:t>
+            </a:r>
+            <a:br>
+              <a:rPr lang="en-US" sz="1000" b="1" dirty="0">
+                <a:solidFill>
+                  <a:schemeClr val="tx1"/>
+                </a:solidFill>
+              </a:rPr>
+            </a:br>
+            <a:r>
+              <a:rPr lang="en-US" sz="1000" b="1" dirty="0">
+                <a:solidFill>
+                  <a:schemeClr val="tx1"/>
+                </a:solidFill>
+              </a:rPr>
+              <a:t>&lt;span class="border border-2"&gt;&lt;/span</a:t>
+            </a:r>
+            <a:r>
+              <a:rPr lang="en-US" sz="1000" b="1" dirty="0" smtClean="0">
+                <a:solidFill>
+                  <a:schemeClr val="tx1"/>
+                </a:solidFill>
+              </a:rPr>
+              <a:t>&gt;</a:t>
+            </a:r>
+          </a:p>
+          <a:p>
+            <a:endParaRPr lang="en-US" sz="1000" b="1" dirty="0">
+              <a:solidFill>
+                <a:schemeClr val="tx1"/>
+              </a:solidFill>
+            </a:endParaRPr>
+          </a:p>
+          <a:p>
+            <a:r>
+              <a:rPr lang="en-US" sz="1000" b="1" u="sng" dirty="0"/>
+              <a:t>Border Color</a:t>
+            </a:r>
+          </a:p>
+          <a:p>
+            <a:r>
+              <a:rPr lang="en-US" sz="1000" dirty="0"/>
+              <a:t>Add a color to the border with any of the contextual border color classes</a:t>
+            </a:r>
+            <a:r>
+              <a:rPr lang="en-US" sz="1000" dirty="0" smtClean="0"/>
+              <a:t>:</a:t>
+            </a:r>
+          </a:p>
+          <a:p>
+            <a:endParaRPr lang="en-US" sz="1000" dirty="0"/>
+          </a:p>
+          <a:p>
+            <a:r>
+              <a:rPr lang="en-US" sz="1000" b="1" dirty="0">
+                <a:solidFill>
+                  <a:schemeClr val="tx1"/>
+                </a:solidFill>
+              </a:rPr>
+              <a:t>&lt;span class="border border-primary"&gt;&lt;/span&gt;</a:t>
+            </a:r>
+            <a:br>
+              <a:rPr lang="en-US" sz="1000" b="1" dirty="0">
+                <a:solidFill>
+                  <a:schemeClr val="tx1"/>
+                </a:solidFill>
+              </a:rPr>
+            </a:br>
+            <a:r>
+              <a:rPr lang="en-US" sz="1000" b="1" dirty="0">
+                <a:solidFill>
+                  <a:schemeClr val="tx1"/>
+                </a:solidFill>
+              </a:rPr>
+              <a:t>&lt;span class="border border-secondary"&gt;&lt;/span</a:t>
+            </a:r>
+            <a:r>
+              <a:rPr lang="en-US" sz="1000" b="1" dirty="0" smtClean="0">
+                <a:solidFill>
+                  <a:schemeClr val="tx1"/>
+                </a:solidFill>
+              </a:rPr>
+              <a:t>&gt;</a:t>
+            </a:r>
+          </a:p>
+          <a:p>
+            <a:endParaRPr lang="en-US" sz="1000" b="1" dirty="0">
+              <a:solidFill>
+                <a:schemeClr val="tx1"/>
+              </a:solidFill>
+            </a:endParaRPr>
+          </a:p>
+          <a:p>
+            <a:r>
+              <a:rPr lang="en-US" sz="1000" b="1" u="sng" dirty="0"/>
+              <a:t>Border Radius</a:t>
+            </a:r>
+          </a:p>
+          <a:p>
+            <a:r>
+              <a:rPr lang="en-US" sz="1000" dirty="0"/>
+              <a:t>Add rounded corners to an element with the rounded classes:</a:t>
+            </a:r>
+          </a:p>
+          <a:p>
+            <a:endParaRPr lang="en-US" sz="1000" b="1" dirty="0" smtClean="0">
+              <a:solidFill>
+                <a:schemeClr val="tx1"/>
+              </a:solidFill>
+            </a:endParaRPr>
+          </a:p>
+          <a:p>
+            <a:r>
+              <a:rPr lang="en-US" sz="1000" b="1" dirty="0">
+                <a:solidFill>
+                  <a:schemeClr val="tx1"/>
+                </a:solidFill>
+              </a:rPr>
+              <a:t>&lt;span class="rounded"&gt;&lt;/span</a:t>
+            </a:r>
+            <a:r>
+              <a:rPr lang="en-US" sz="1000" b="1" dirty="0" smtClean="0">
+                <a:solidFill>
+                  <a:schemeClr val="tx1"/>
+                </a:solidFill>
+              </a:rPr>
+              <a:t>&gt;</a:t>
+            </a:r>
+          </a:p>
+          <a:p>
+            <a:r>
+              <a:rPr lang="en-US" sz="1000" b="1" dirty="0">
+                <a:solidFill>
+                  <a:schemeClr val="tx1"/>
+                </a:solidFill>
+              </a:rPr>
+              <a:t>&lt;span class="rounded-circle"&gt;&lt;/span</a:t>
+            </a:r>
+            <a:r>
+              <a:rPr lang="en-US" sz="1000" b="1" dirty="0" smtClean="0">
+                <a:solidFill>
+                  <a:schemeClr val="tx1"/>
+                </a:solidFill>
+              </a:rPr>
+              <a:t>&gt;</a:t>
+            </a:r>
+          </a:p>
+          <a:p>
+            <a:r>
+              <a:rPr lang="en-US" sz="1000" b="1" dirty="0">
+                <a:solidFill>
+                  <a:schemeClr val="tx1"/>
+                </a:solidFill>
+              </a:rPr>
+              <a:t>&lt;span class="rounded-1"&gt;&lt;/span&gt;</a:t>
+            </a:r>
+          </a:p>
+        </p:txBody>
+      </p:sp>
+    </p:spTree>
+    <p:extLst>
+      <p:ext uri="{BB962C8B-B14F-4D97-AF65-F5344CB8AC3E}">
+        <p14:creationId xmlns:p14="http://schemas.microsoft.com/office/powerpoint/2010/main" val="4145820438"/>
+      </p:ext>
+    </p:extLst>
+  </p:cSld>
+  <p:clrMapOvr>
+    <a:masterClrMapping/>
+  </p:clrMapOvr>
+  <p:timing>
+    <p:tnLst>
+      <p:par>
+        <p:cTn id="1" dur="indefinite" restart="never" nodeType="tmRoot"/>
+      </p:par>
+    </p:tnLst>
+  </p:timing>
+</p:sld>
+</file>
+
+<file path=ppt/slides/slide2.xml><?xml version="1.0" encoding="utf-8"?>
+<p:sld xmlns:a="http://schemas.openxmlformats.org/drawingml/2006/main" xmlns:r="http://schemas.openxmlformats.org/officeDocument/2006/relationships" xmlns:p="http://schemas.openxmlformats.org/presentationml/2006/main">
+  <p:cSld>
+    <p:spTree>
+      <p:nvGrpSpPr>
+        <p:cNvPr id="1" name="Shape 96"/>
+        <p:cNvGrpSpPr/>
+        <p:nvPr/>
+      </p:nvGrpSpPr>
+      <p:grpSpPr>
+        <a:xfrm>
+          <a:off x="0" y="0"/>
+          <a:ext cx="0" cy="0"/>
+          <a:chOff x="0" y="0"/>
+          <a:chExt cx="0" cy="0"/>
+        </a:xfrm>
+      </p:grpSpPr>
+      <p:sp>
+        <p:nvSpPr>
+          <p:cNvPr id="97" name="Google Shape;97;p15"/>
+          <p:cNvSpPr txBox="1">
+            <a:spLocks noGrp="1"/>
+          </p:cNvSpPr>
+          <p:nvPr>
+            <p:ph type="title"/>
+          </p:nvPr>
+        </p:nvSpPr>
+        <p:spPr>
+          <a:xfrm>
+            <a:off x="0" y="3650"/>
+            <a:ext cx="9144000" cy="607800"/>
+          </a:xfrm>
+          <a:prstGeom prst="rect">
+            <a:avLst/>
+          </a:prstGeom>
+        </p:spPr>
+        <p:txBody>
+          <a:bodyPr spcFirstLastPara="1" wrap="square" lIns="91425" tIns="91425" rIns="91425" bIns="91425" anchor="t" anchorCtr="0">
+            <a:noAutofit/>
+          </a:bodyPr>
+          <a:lstStyle/>
+          <a:p>
+            <a:pPr marL="0" lvl="0" indent="0" algn="ctr" rtl="0">
+              <a:spcBef>
+                <a:spcPts val="0"/>
+              </a:spcBef>
+              <a:spcAft>
+                <a:spcPts val="0"/>
+              </a:spcAft>
+              <a:buSzPts val="990"/>
+              <a:buNone/>
+            </a:pPr>
+            <a:r>
+              <a:rPr lang="en" b="1" dirty="0" smtClean="0"/>
+              <a:t>BOOTSTRAP </a:t>
+            </a:r>
+            <a:r>
+              <a:rPr lang="en" b="1" dirty="0"/>
+              <a:t>DEVELOPMENT ENVIRONMENT</a:t>
+            </a:r>
+            <a:endParaRPr b="1" dirty="0"/>
+          </a:p>
+        </p:txBody>
+      </p:sp>
+      <p:sp>
+        <p:nvSpPr>
+          <p:cNvPr id="98" name="Google Shape;98;p15"/>
+          <p:cNvSpPr txBox="1"/>
+          <p:nvPr/>
+        </p:nvSpPr>
+        <p:spPr>
+          <a:xfrm>
+            <a:off x="321600" y="642547"/>
+            <a:ext cx="8500800" cy="3447067"/>
+          </a:xfrm>
+          <a:prstGeom prst="rect">
+            <a:avLst/>
+          </a:prstGeom>
+          <a:noFill/>
+          <a:ln>
+            <a:noFill/>
+          </a:ln>
+        </p:spPr>
+        <p:txBody>
+          <a:bodyPr spcFirstLastPara="1" wrap="square" lIns="91425" tIns="91425" rIns="91425" bIns="91425" anchor="t" anchorCtr="0">
+            <a:spAutoFit/>
+          </a:bodyPr>
+          <a:lstStyle/>
+          <a:p>
+            <a:pPr marL="457200" lvl="0" indent="-431800" algn="just" rtl="0">
+              <a:spcBef>
+                <a:spcPts val="0"/>
+              </a:spcBef>
+              <a:spcAft>
+                <a:spcPts val="0"/>
+              </a:spcAft>
+              <a:buClr>
+                <a:srgbClr val="370E00"/>
+              </a:buClr>
+              <a:buSzPts val="3200"/>
+              <a:buFont typeface="Roboto"/>
+              <a:buChar char="❖"/>
+            </a:pPr>
+            <a:r>
+              <a:rPr lang="en" sz="2600" dirty="0">
+                <a:solidFill>
+                  <a:srgbClr val="370E00"/>
+                </a:solidFill>
+                <a:highlight>
+                  <a:srgbClr val="FFFFFF"/>
+                </a:highlight>
+                <a:latin typeface="Roboto"/>
+                <a:ea typeface="Roboto"/>
+                <a:cs typeface="Roboto"/>
+                <a:sym typeface="Roboto"/>
+              </a:rPr>
+              <a:t>Visual Studio </a:t>
+            </a:r>
+            <a:r>
+              <a:rPr lang="en" sz="2600" dirty="0" smtClean="0">
+                <a:solidFill>
+                  <a:srgbClr val="370E00"/>
+                </a:solidFill>
+                <a:highlight>
+                  <a:srgbClr val="FFFFFF"/>
+                </a:highlight>
+                <a:latin typeface="Roboto"/>
+                <a:ea typeface="Roboto"/>
+                <a:cs typeface="Roboto"/>
+                <a:sym typeface="Roboto"/>
+              </a:rPr>
+              <a:t>Code</a:t>
+            </a:r>
+          </a:p>
+          <a:p>
+            <a:pPr marL="25400" lvl="0" algn="just" rtl="0">
+              <a:spcBef>
+                <a:spcPts val="0"/>
+              </a:spcBef>
+              <a:spcAft>
+                <a:spcPts val="0"/>
+              </a:spcAft>
+              <a:buClr>
+                <a:srgbClr val="370E00"/>
+              </a:buClr>
+              <a:buSzPts val="3200"/>
+            </a:pPr>
+            <a:endParaRPr lang="en" sz="2600" dirty="0" smtClean="0">
               <a:solidFill>
                 <a:srgbClr val="370E00"/>
               </a:solidFill>
@@ -8463,32 +14715,51 @@
             </a:endParaRPr>
           </a:p>
           <a:p>
-            <a:pPr lvl="0" algn="just"/>
-            <a:r>
-              <a:rPr lang="en-US" dirty="0"/>
-              <a:t>The main differences between Bootstrap 5 and Bootstrap 3 &amp; 4, is that Bootstrap 5 has switched to </a:t>
-            </a:r>
-            <a:r>
-              <a:rPr lang="en-US" dirty="0">
-                <a:hlinkClick r:id="rId4"/>
-              </a:rPr>
-              <a:t>JavaScript</a:t>
-            </a:r>
-            <a:r>
-              <a:rPr lang="en-US" dirty="0"/>
-              <a:t> instead of </a:t>
-            </a:r>
-            <a:r>
-              <a:rPr lang="en-US" dirty="0">
-                <a:hlinkClick r:id="rId5"/>
-              </a:rPr>
-              <a:t>jQuery</a:t>
-            </a:r>
-            <a:r>
-              <a:rPr lang="en-US" dirty="0"/>
-              <a:t>.</a:t>
-            </a:r>
-            <a:endParaRPr lang="en-US" dirty="0">
+            <a:pPr marL="457200" lvl="0" indent="-431800" algn="just" rtl="0">
+              <a:spcBef>
+                <a:spcPts val="0"/>
+              </a:spcBef>
+              <a:spcAft>
+                <a:spcPts val="0"/>
+              </a:spcAft>
+              <a:buClr>
+                <a:srgbClr val="370E00"/>
+              </a:buClr>
+              <a:buSzPts val="3200"/>
+              <a:buFont typeface="Roboto"/>
+              <a:buChar char="❖"/>
+            </a:pPr>
+            <a:r>
+              <a:rPr lang="en" sz="2600" dirty="0">
+                <a:solidFill>
+                  <a:srgbClr val="370E00"/>
+                </a:solidFill>
+                <a:highlight>
+                  <a:srgbClr val="FFFFFF"/>
+                </a:highlight>
+                <a:latin typeface="Roboto"/>
+                <a:ea typeface="Roboto"/>
+                <a:cs typeface="Roboto"/>
+                <a:sym typeface="Roboto"/>
+              </a:rPr>
+              <a:t> </a:t>
+            </a:r>
+            <a:r>
+              <a:rPr lang="en" sz="2600" dirty="0" smtClean="0">
+                <a:solidFill>
+                  <a:srgbClr val="370E00"/>
+                </a:solidFill>
+                <a:highlight>
+                  <a:srgbClr val="FFFFFF"/>
+                </a:highlight>
+                <a:latin typeface="Roboto"/>
+                <a:ea typeface="Roboto"/>
+                <a:cs typeface="Roboto"/>
+                <a:sym typeface="Roboto"/>
+              </a:rPr>
+              <a:t>Node JS </a:t>
+            </a:r>
+            <a:endParaRPr sz="2600" dirty="0">
               <a:solidFill>
                 <a:srgbClr val="370E00"/>
               </a:solidFill>
@@ -8502,42 +14773,176 @@
             </a:endParaRPr>
           </a:p>
           <a:p>
-            <a:pPr algn="just"/>
-            <a:endParaRPr lang="en-US" dirty="0"/>
-          </a:p>
-          <a:p>
-            <a:r>
-              <a:rPr lang="en-US" b="1" u="sng" dirty="0"/>
-              <a:t>Where to Get Bootstrap 5?</a:t>
-            </a:r>
-          </a:p>
-          <a:p>
-            <a:r>
-              <a:rPr lang="en-US" dirty="0"/>
-              <a:t>There are two ways to start using Bootstrap 5 on your own web site.</a:t>
-            </a:r>
-          </a:p>
-          <a:p>
-            <a:r>
-              <a:rPr lang="en-US" dirty="0"/>
-              <a:t>You can:</a:t>
-            </a:r>
-          </a:p>
-          <a:p>
-            <a:r>
-              <a:rPr lang="en-US" dirty="0"/>
-              <a:t>Include Bootstrap 5 from a CDN</a:t>
-            </a:r>
-          </a:p>
-          <a:p>
-            <a:r>
-              <a:rPr lang="en-US" dirty="0"/>
-              <a:t>Download Bootstrap 5 from </a:t>
-            </a:r>
-            <a:r>
-              <a:rPr lang="en-US" dirty="0" smtClean="0"/>
-              <a:t>getbootstrap.com</a:t>
-            </a:r>
+            <a:pPr marL="457200" lvl="0" indent="0" algn="just" rtl="0">
+              <a:spcBef>
+                <a:spcPts val="0"/>
+              </a:spcBef>
+              <a:spcAft>
+                <a:spcPts val="0"/>
+              </a:spcAft>
+              <a:buNone/>
+            </a:pPr>
+            <a:endParaRPr sz="2600" dirty="0">
+              <a:solidFill>
+                <a:srgbClr val="370E00"/>
+              </a:solidFill>
+              <a:highlight>
+                <a:srgbClr val="FFFFFF"/>
+              </a:highlight>
+              <a:latin typeface="Roboto"/>
+              <a:ea typeface="Roboto"/>
+              <a:cs typeface="Roboto"/>
+              <a:sym typeface="Roboto"/>
+            </a:endParaRPr>
+          </a:p>
+          <a:p>
+            <a:pPr marL="457200" lvl="0" indent="-431800" algn="just">
+              <a:buClr>
+                <a:srgbClr val="370E00"/>
+              </a:buClr>
+              <a:buSzPts val="3200"/>
+              <a:buFont typeface="Roboto"/>
+              <a:buChar char="❖"/>
+            </a:pPr>
+            <a:r>
+              <a:rPr lang="en" sz="2600" dirty="0">
+                <a:solidFill>
+                  <a:srgbClr val="370E00"/>
+                </a:solidFill>
+                <a:highlight>
+                  <a:srgbClr val="FFFFFF"/>
+                </a:highlight>
+                <a:latin typeface="Roboto"/>
+                <a:ea typeface="Roboto"/>
+                <a:cs typeface="Roboto"/>
+                <a:sym typeface="Roboto"/>
+              </a:rPr>
+              <a:t>VS Code Extension </a:t>
+            </a:r>
+            <a:r>
+              <a:rPr lang="en" sz="2600" dirty="0" smtClean="0">
+                <a:solidFill>
+                  <a:srgbClr val="370E00"/>
+                </a:solidFill>
+                <a:highlight>
+                  <a:srgbClr val="FFFFFF"/>
+                </a:highlight>
+                <a:latin typeface="Roboto"/>
+                <a:ea typeface="Roboto"/>
+                <a:cs typeface="Roboto"/>
+                <a:sym typeface="Roboto"/>
+              </a:rPr>
+              <a:t>(</a:t>
+            </a:r>
+            <a:r>
+              <a:rPr lang="en-US" sz="2600" dirty="0" smtClean="0"/>
+              <a:t>Bootstrap </a:t>
+            </a:r>
+            <a:r>
+              <a:rPr lang="en-US" sz="2600" dirty="0" err="1" smtClean="0"/>
+              <a:t>Intellisense</a:t>
+            </a:r>
+            <a:r>
+              <a:rPr lang="en-US" sz="2600" dirty="0" smtClean="0"/>
+              <a:t>, </a:t>
+            </a:r>
+            <a:r>
+              <a:rPr lang="en-US" sz="2800" dirty="0"/>
+              <a:t>Bootstrap 5 Quick Snippets</a:t>
+            </a:r>
+            <a:r>
+              <a:rPr lang="en" sz="2600" dirty="0" smtClean="0">
+                <a:solidFill>
+                  <a:srgbClr val="370E00"/>
+                </a:solidFill>
+                <a:highlight>
+                  <a:srgbClr val="FFFFFF"/>
+                </a:highlight>
+                <a:latin typeface="Roboto"/>
+                <a:ea typeface="Roboto"/>
+                <a:cs typeface="Roboto"/>
+                <a:sym typeface="Roboto"/>
+              </a:rPr>
+              <a:t>)</a:t>
+            </a:r>
+            <a:endParaRPr sz="2600" dirty="0">
+              <a:solidFill>
+                <a:srgbClr val="370E00"/>
+              </a:solidFill>
+              <a:highlight>
+                <a:srgbClr val="FFFFFF"/>
+              </a:highlight>
+              <a:latin typeface="Roboto"/>
+              <a:ea typeface="Roboto"/>
+              <a:cs typeface="Roboto"/>
+              <a:sym typeface="Roboto"/>
+            </a:endParaRPr>
+          </a:p>
+          <a:p>
+            <a:pPr marL="457200" lvl="0" indent="0" algn="just" rtl="0">
+              <a:spcBef>
+                <a:spcPts val="0"/>
+              </a:spcBef>
+              <a:spcAft>
+                <a:spcPts val="0"/>
+              </a:spcAft>
+              <a:buNone/>
+            </a:pPr>
+            <a:endParaRPr sz="2600" dirty="0">
+              <a:solidFill>
+                <a:srgbClr val="370E00"/>
+              </a:solidFill>
+              <a:highlight>
+                <a:srgbClr val="FFFFFF"/>
+              </a:highlight>
+              <a:latin typeface="Roboto"/>
+              <a:ea typeface="Roboto"/>
+              <a:cs typeface="Roboto"/>
+              <a:sym typeface="Roboto"/>
+            </a:endParaRPr>
+          </a:p>
+          <a:p>
+            <a:pPr marL="457200" lvl="0" indent="-431800" algn="just" rtl="0">
+              <a:spcBef>
+                <a:spcPts val="0"/>
+              </a:spcBef>
+              <a:spcAft>
+                <a:spcPts val="0"/>
+              </a:spcAft>
+              <a:buClr>
+                <a:srgbClr val="370E00"/>
+              </a:buClr>
+              <a:buSzPts val="3200"/>
+              <a:buFont typeface="Roboto"/>
+              <a:buChar char="❖"/>
+            </a:pPr>
+            <a:r>
+              <a:rPr lang="en" sz="2600" dirty="0" smtClean="0">
+                <a:solidFill>
+                  <a:srgbClr val="370E00"/>
+                </a:solidFill>
+                <a:highlight>
+                  <a:srgbClr val="FFFFFF"/>
+                </a:highlight>
+                <a:latin typeface="Roboto"/>
+                <a:ea typeface="Roboto"/>
+                <a:cs typeface="Roboto"/>
+                <a:sym typeface="Roboto"/>
+              </a:rPr>
+              <a:t>Bootsprap Libraries / Components</a:t>
+            </a:r>
+            <a:endParaRPr sz="2600" dirty="0">
+              <a:solidFill>
+                <a:srgbClr val="370E00"/>
+              </a:solidFill>
+              <a:highlight>
+                <a:srgbClr val="FFFFFF"/>
+              </a:highlight>
+              <a:latin typeface="Roboto"/>
+              <a:ea typeface="Roboto"/>
+              <a:cs typeface="Roboto"/>
+              <a:sym typeface="Roboto"/>
+            </a:endParaRPr>
           </a:p>
         </p:txBody>
       </p:sp>
@@ -8625,7 +15030,7 @@
         <p:spPr>
           <a:xfrm>
             <a:off x="321600" y="633221"/>
-            <a:ext cx="8500800" cy="2046684"/>
+            <a:ext cx="8500800" cy="4278064"/>
           </a:xfrm>
           <a:prstGeom prst="rect">
             <a:avLst/>
@@ -8641,280 +15046,177 @@
           </a:bodyPr>
           <a:lstStyle/>
           <a:p>
+            <a:pPr algn="just"/>
+            <a:r>
+              <a:rPr lang="en-US" b="1" u="sng" dirty="0"/>
+              <a:t>What is Bootstrap</a:t>
+            </a:r>
+            <a:r>
+              <a:rPr lang="en-US" b="1" u="sng" dirty="0" smtClean="0"/>
+              <a:t>?</a:t>
+            </a:r>
+          </a:p>
+          <a:p>
+            <a:pPr algn="just"/>
+            <a:endParaRPr lang="en-US" b="1" u="sng" dirty="0" smtClean="0"/>
+          </a:p>
+          <a:p>
+            <a:pPr marL="285750" indent="-285750">
+              <a:buFont typeface="Wingdings" pitchFamily="2" charset="2"/>
+              <a:buChar char="v"/>
+            </a:pPr>
+            <a:r>
+              <a:rPr lang="en-US" dirty="0" smtClean="0"/>
+              <a:t>Bootstrap </a:t>
+            </a:r>
             <a:r>
               <a:rPr lang="en-US" dirty="0"/>
-              <a:t>Bootstrap 5 </a:t>
+              <a:t>is a free front-end framework for faster and easier web </a:t>
             </a:r>
             <a:r>
               <a:rPr lang="en-US" dirty="0" smtClean="0"/>
-              <a:t>CDN</a:t>
-            </a:r>
-          </a:p>
-          <a:p>
-            <a:r>
-              <a:rPr lang="en-US" dirty="0" err="1"/>
-              <a:t>jsDelivr</a:t>
-            </a:r>
+              <a:t>development</a:t>
+            </a:r>
+          </a:p>
+          <a:p>
+            <a:endParaRPr lang="en-US" dirty="0"/>
+          </a:p>
+          <a:p>
+            <a:pPr marL="285750" indent="-285750">
+              <a:buFont typeface="Wingdings" pitchFamily="2" charset="2"/>
+              <a:buChar char="v"/>
+            </a:pPr>
             <a:r>
               <a:rPr lang="en-US" dirty="0"/>
-              <a:t> provides CDN support for Bootstrap's CSS and JavaScript</a:t>
+              <a:t>Bootstrap includes HTML and CSS based design templates for typography, forms, buttons, tables, navigation, modals, image carousels and many other, as well as optional JavaScript plugins</a:t>
+            </a:r>
+          </a:p>
+          <a:p>
+            <a:pPr marL="285750" indent="-285750">
+              <a:buFont typeface="Wingdings" pitchFamily="2" charset="2"/>
+              <a:buChar char="v"/>
+            </a:pPr>
+            <a:r>
+              <a:rPr lang="en-US" dirty="0"/>
+              <a:t>Bootstrap also gives you the ability to easily create responsive designs</a:t>
+            </a:r>
+          </a:p>
+          <a:p>
+            <a:pPr algn="just"/>
+            <a:endParaRPr lang="en-US" dirty="0" smtClean="0"/>
+          </a:p>
+          <a:p>
+            <a:pPr lvl="0" algn="just"/>
+            <a:r>
+              <a:rPr lang="en-US" dirty="0"/>
+              <a:t>Bootstrap 5 is the newest version of </a:t>
+            </a:r>
+            <a:r>
+              <a:rPr lang="en-US" dirty="0">
+                <a:hlinkClick r:id="rId3"/>
+              </a:rPr>
+              <a:t>Bootstrap</a:t>
+            </a:r>
+            <a:r>
+              <a:rPr lang="en-US" dirty="0"/>
+              <a:t>, which is the most popular HTML, CSS, and JavaScript framework for creating responsive, mobile-first websites.</a:t>
+            </a:r>
+          </a:p>
+          <a:p>
+            <a:pPr lvl="0" algn="just"/>
+            <a:endParaRPr lang="en-US" dirty="0">
+              <a:solidFill>
+                <a:srgbClr val="370E00"/>
+              </a:solidFill>
+              <a:highlight>
+                <a:srgbClr val="FFFFFF"/>
+              </a:highlight>
+              <a:latin typeface="Roboto"/>
+              <a:ea typeface="Roboto"/>
+              <a:cs typeface="Roboto"/>
+              <a:sym typeface="Roboto"/>
+            </a:endParaRPr>
+          </a:p>
+          <a:p>
+            <a:pPr lvl="0" algn="just"/>
+            <a:r>
+              <a:rPr lang="en-US" dirty="0"/>
+              <a:t>The main differences between Bootstrap 5 and Bootstrap 3 &amp; 4, is that Bootstrap 5 has switched to </a:t>
+            </a:r>
+            <a:r>
+              <a:rPr lang="en-US" dirty="0">
+                <a:hlinkClick r:id="rId4"/>
+              </a:rPr>
+              <a:t>JavaScript</a:t>
+            </a:r>
+            <a:r>
+              <a:rPr lang="en-US" dirty="0"/>
+              <a:t> instead of </a:t>
+            </a:r>
+            <a:r>
+              <a:rPr lang="en-US" dirty="0">
+                <a:hlinkClick r:id="rId5"/>
+              </a:rPr>
+              <a:t>jQuery</a:t>
+            </a:r>
+            <a:r>
+              <a:rPr lang="en-US" dirty="0"/>
+              <a:t>.</a:t>
+            </a:r>
+            <a:endParaRPr lang="en-US" dirty="0">
+              <a:solidFill>
+                <a:srgbClr val="370E00"/>
+              </a:solidFill>
+              <a:highlight>
+                <a:srgbClr val="FFFFFF"/>
+              </a:highlight>
+              <a:latin typeface="Roboto"/>
+              <a:ea typeface="Roboto"/>
+              <a:cs typeface="Roboto"/>
+              <a:sym typeface="Roboto"/>
+            </a:endParaRPr>
+          </a:p>
+          <a:p>
+            <a:pPr algn="just"/>
+            <a:endParaRPr lang="en-US" dirty="0"/>
+          </a:p>
+          <a:p>
+            <a:r>
+              <a:rPr lang="en-US" b="1" u="sng" dirty="0"/>
+              <a:t>Where to Get Bootstrap 5?</a:t>
+            </a:r>
+          </a:p>
+          <a:p>
+            <a:r>
+              <a:rPr lang="en-US" dirty="0"/>
+              <a:t>There are two ways to start using Bootstrap 5 on your own web site.</a:t>
+            </a:r>
+          </a:p>
+          <a:p>
+            <a:r>
+              <a:rPr lang="en-US" dirty="0"/>
+              <a:t>You can:</a:t>
+            </a:r>
+          </a:p>
+          <a:p>
+            <a:r>
+              <a:rPr lang="en-US" dirty="0"/>
+              <a:t>Include Bootstrap 5 from a CDN</a:t>
+            </a:r>
+          </a:p>
+          <a:p>
+            <a:r>
+              <a:rPr lang="en-US" dirty="0"/>
+              <a:t>Download Bootstrap 5 from </a:t>
             </a:r>
             <a:r>
               <a:rPr lang="en-US" dirty="0" smtClean="0"/>
-              <a:t>:</a:t>
-            </a:r>
-          </a:p>
-          <a:p>
-            <a:endParaRPr lang="en-US" dirty="0"/>
-          </a:p>
-          <a:p>
-            <a:r>
-              <a:rPr lang="en-US" dirty="0" err="1"/>
-              <a:t>MaxCDN</a:t>
-            </a:r>
-            <a:r>
-              <a:rPr lang="en-US" dirty="0"/>
-              <a:t>:</a:t>
-            </a:r>
-          </a:p>
-          <a:p>
-            <a:r>
-              <a:rPr lang="en-US" sz="1300" b="1" dirty="0">
-                <a:solidFill>
-                  <a:schemeClr val="tx1"/>
-                </a:solidFill>
-              </a:rPr>
-              <a:t>&lt;!-- Latest compiled and minified CSS --&gt;</a:t>
-            </a:r>
-            <a:br>
-              <a:rPr lang="en-US" sz="1300" b="1" dirty="0">
-                <a:solidFill>
-                  <a:schemeClr val="tx1"/>
-                </a:solidFill>
-              </a:rPr>
-            </a:br>
-            <a:r>
-              <a:rPr lang="en-US" sz="1300" b="1" dirty="0">
-                <a:solidFill>
-                  <a:schemeClr val="tx1"/>
-                </a:solidFill>
-              </a:rPr>
-              <a:t>&lt;link </a:t>
-            </a:r>
-            <a:r>
-              <a:rPr lang="en-US" sz="1300" b="1" dirty="0" err="1">
-                <a:solidFill>
-                  <a:schemeClr val="tx1"/>
-                </a:solidFill>
-              </a:rPr>
-              <a:t>href</a:t>
-            </a:r>
-            <a:r>
-              <a:rPr lang="en-US" sz="1300" b="1" dirty="0">
-                <a:solidFill>
-                  <a:schemeClr val="tx1"/>
-                </a:solidFill>
-              </a:rPr>
-              <a:t>="https://cdn.jsdelivr.net/</a:t>
-            </a:r>
-            <a:r>
-              <a:rPr lang="en-US" sz="1300" b="1" dirty="0" err="1">
-                <a:solidFill>
-                  <a:schemeClr val="tx1"/>
-                </a:solidFill>
-              </a:rPr>
-              <a:t>npm</a:t>
-            </a:r>
-            <a:r>
-              <a:rPr lang="en-US" sz="1300" b="1" dirty="0">
-                <a:solidFill>
-                  <a:schemeClr val="tx1"/>
-                </a:solidFill>
-              </a:rPr>
-              <a:t>/bootstrap@5.3.3/</a:t>
-            </a:r>
-            <a:r>
-              <a:rPr lang="en-US" sz="1300" b="1" dirty="0" err="1">
-                <a:solidFill>
-                  <a:schemeClr val="tx1"/>
-                </a:solidFill>
-              </a:rPr>
-              <a:t>dist</a:t>
-            </a:r>
-            <a:r>
-              <a:rPr lang="en-US" sz="1300" b="1" dirty="0">
-                <a:solidFill>
-                  <a:schemeClr val="tx1"/>
-                </a:solidFill>
-              </a:rPr>
-              <a:t>/</a:t>
-            </a:r>
-            <a:r>
-              <a:rPr lang="en-US" sz="1300" b="1" dirty="0" err="1">
-                <a:solidFill>
-                  <a:schemeClr val="tx1"/>
-                </a:solidFill>
-              </a:rPr>
-              <a:t>css</a:t>
-            </a:r>
-            <a:r>
-              <a:rPr lang="en-US" sz="1300" b="1" dirty="0">
-                <a:solidFill>
-                  <a:schemeClr val="tx1"/>
-                </a:solidFill>
-              </a:rPr>
-              <a:t>/bootstrap.min.css" </a:t>
-            </a:r>
-            <a:r>
-              <a:rPr lang="en-US" sz="1300" b="1" dirty="0" err="1">
-                <a:solidFill>
-                  <a:schemeClr val="tx1"/>
-                </a:solidFill>
-              </a:rPr>
-              <a:t>rel</a:t>
-            </a:r>
-            <a:r>
-              <a:rPr lang="en-US" sz="1300" b="1" dirty="0">
-                <a:solidFill>
-                  <a:schemeClr val="tx1"/>
-                </a:solidFill>
-              </a:rPr>
-              <a:t>="</a:t>
-            </a:r>
-            <a:r>
-              <a:rPr lang="en-US" sz="1300" b="1" dirty="0" err="1">
-                <a:solidFill>
-                  <a:schemeClr val="tx1"/>
-                </a:solidFill>
-              </a:rPr>
-              <a:t>stylesheet</a:t>
-            </a:r>
-            <a:r>
-              <a:rPr lang="en-US" sz="1300" b="1" dirty="0">
-                <a:solidFill>
-                  <a:schemeClr val="tx1"/>
-                </a:solidFill>
-              </a:rPr>
-              <a:t>"&gt;</a:t>
-            </a:r>
-            <a:br>
-              <a:rPr lang="en-US" sz="1300" b="1" dirty="0">
-                <a:solidFill>
-                  <a:schemeClr val="tx1"/>
-                </a:solidFill>
-              </a:rPr>
-            </a:br>
-            <a:r>
-              <a:rPr lang="en-US" sz="1300" b="1" dirty="0">
-                <a:solidFill>
-                  <a:schemeClr val="tx1"/>
-                </a:solidFill>
-              </a:rPr>
-              <a:t/>
-            </a:r>
-            <a:br>
-              <a:rPr lang="en-US" sz="1300" b="1" dirty="0">
-                <a:solidFill>
-                  <a:schemeClr val="tx1"/>
-                </a:solidFill>
-              </a:rPr>
-            </a:br>
-            <a:r>
-              <a:rPr lang="en-US" sz="1300" b="1" dirty="0">
-                <a:solidFill>
-                  <a:schemeClr val="tx1"/>
-                </a:solidFill>
-              </a:rPr>
-              <a:t>&lt;!-- Latest compiled JavaScript --&gt;</a:t>
-            </a:r>
-            <a:br>
-              <a:rPr lang="en-US" sz="1300" b="1" dirty="0">
-                <a:solidFill>
-                  <a:schemeClr val="tx1"/>
-                </a:solidFill>
-              </a:rPr>
-            </a:br>
-            <a:r>
-              <a:rPr lang="en-US" sz="1300" b="1" dirty="0">
-                <a:solidFill>
-                  <a:schemeClr val="tx1"/>
-                </a:solidFill>
-              </a:rPr>
-              <a:t>&lt;script </a:t>
-            </a:r>
-            <a:r>
-              <a:rPr lang="en-US" sz="1300" b="1" dirty="0" err="1">
-                <a:solidFill>
-                  <a:schemeClr val="tx1"/>
-                </a:solidFill>
-              </a:rPr>
-              <a:t>src</a:t>
-            </a:r>
-            <a:r>
-              <a:rPr lang="en-US" sz="1300" b="1" dirty="0">
-                <a:solidFill>
-                  <a:schemeClr val="tx1"/>
-                </a:solidFill>
-              </a:rPr>
-              <a:t>="https://cdn.jsdelivr.net/</a:t>
-            </a:r>
-            <a:r>
-              <a:rPr lang="en-US" sz="1300" b="1" dirty="0" err="1">
-                <a:solidFill>
-                  <a:schemeClr val="tx1"/>
-                </a:solidFill>
-              </a:rPr>
-              <a:t>npm</a:t>
-            </a:r>
-            <a:r>
-              <a:rPr lang="en-US" sz="1300" b="1" dirty="0">
-                <a:solidFill>
-                  <a:schemeClr val="tx1"/>
-                </a:solidFill>
-              </a:rPr>
-              <a:t>/bootstrap@5.3.3/</a:t>
-            </a:r>
-            <a:r>
-              <a:rPr lang="en-US" sz="1300" b="1" dirty="0" err="1">
-                <a:solidFill>
-                  <a:schemeClr val="tx1"/>
-                </a:solidFill>
-              </a:rPr>
-              <a:t>dist</a:t>
-            </a:r>
-            <a:r>
-              <a:rPr lang="en-US" sz="1300" b="1" dirty="0">
-                <a:solidFill>
-                  <a:schemeClr val="tx1"/>
-                </a:solidFill>
-              </a:rPr>
-              <a:t>/</a:t>
-            </a:r>
-            <a:r>
-              <a:rPr lang="en-US" sz="1300" b="1" dirty="0" err="1">
-                <a:solidFill>
-                  <a:schemeClr val="tx1"/>
-                </a:solidFill>
-              </a:rPr>
-              <a:t>js</a:t>
-            </a:r>
-            <a:r>
-              <a:rPr lang="en-US" sz="1300" b="1" dirty="0">
-                <a:solidFill>
-                  <a:schemeClr val="tx1"/>
-                </a:solidFill>
-              </a:rPr>
-              <a:t>/bootstrap.bundle.min.js"&gt;&lt;/script&gt;</a:t>
+              <a:t>getbootstrap.com</a:t>
             </a:r>
           </a:p>
         </p:txBody>
       </p:sp>
     </p:spTree>
-    <p:extLst>
-      <p:ext uri="{BB962C8B-B14F-4D97-AF65-F5344CB8AC3E}">
-        <p14:creationId xmlns:p14="http://schemas.microsoft.com/office/powerpoint/2010/main" val="3092106665"/>
-      </p:ext>
-    </p:extLst>
   </p:cSld>
   <p:clrMapOvr>
     <a:masterClrMapping/>
@@ -8998,6 +15300,379 @@
         <p:spPr>
           <a:xfrm>
             <a:off x="321600" y="633221"/>
+            <a:ext cx="8500800" cy="2046684"/>
+          </a:xfrm>
+          <a:prstGeom prst="rect">
+            <a:avLst/>
+          </a:prstGeom>
+          <a:noFill/>
+          <a:ln>
+            <a:noFill/>
+          </a:ln>
+        </p:spPr>
+        <p:txBody>
+          <a:bodyPr spcFirstLastPara="1" wrap="square" lIns="91425" tIns="91425" rIns="91425" bIns="91425" anchor="t" anchorCtr="0">
+            <a:spAutoFit/>
+          </a:bodyPr>
+          <a:lstStyle/>
+          <a:p>
+            <a:r>
+              <a:rPr lang="en-US" dirty="0"/>
+              <a:t>Bootstrap 5 </a:t>
+            </a:r>
+            <a:r>
+              <a:rPr lang="en-US" dirty="0" smtClean="0"/>
+              <a:t>CDN</a:t>
+            </a:r>
+          </a:p>
+          <a:p>
+            <a:r>
+              <a:rPr lang="en-US" dirty="0" err="1"/>
+              <a:t>jsDelivr</a:t>
+            </a:r>
+            <a:r>
+              <a:rPr lang="en-US" dirty="0"/>
+              <a:t> provides CDN support for Bootstrap's CSS and JavaScript</a:t>
+            </a:r>
+            <a:r>
+              <a:rPr lang="en-US" dirty="0" smtClean="0"/>
+              <a:t>:</a:t>
+            </a:r>
+          </a:p>
+          <a:p>
+            <a:endParaRPr lang="en-US" dirty="0"/>
+          </a:p>
+          <a:p>
+            <a:r>
+              <a:rPr lang="en-US" dirty="0" err="1"/>
+              <a:t>MaxCDN</a:t>
+            </a:r>
+            <a:r>
+              <a:rPr lang="en-US" dirty="0"/>
+              <a:t>:</a:t>
+            </a:r>
+          </a:p>
+          <a:p>
+            <a:r>
+              <a:rPr lang="en-US" sz="1300" b="1" dirty="0">
+                <a:solidFill>
+                  <a:schemeClr val="tx1"/>
+                </a:solidFill>
+              </a:rPr>
+              <a:t>&lt;!-- Latest compiled and minified CSS --&gt;</a:t>
+            </a:r>
+            <a:br>
+              <a:rPr lang="en-US" sz="1300" b="1" dirty="0">
+                <a:solidFill>
+                  <a:schemeClr val="tx1"/>
+                </a:solidFill>
+              </a:rPr>
+            </a:br>
+            <a:r>
+              <a:rPr lang="en-US" sz="1300" b="1" dirty="0">
+                <a:solidFill>
+                  <a:schemeClr val="tx1"/>
+                </a:solidFill>
+              </a:rPr>
+              <a:t>&lt;link </a:t>
+            </a:r>
+            <a:r>
+              <a:rPr lang="en-US" sz="1300" b="1" dirty="0" err="1">
+                <a:solidFill>
+                  <a:schemeClr val="tx1"/>
+                </a:solidFill>
+              </a:rPr>
+              <a:t>href</a:t>
+            </a:r>
+            <a:r>
+              <a:rPr lang="en-US" sz="1300" b="1" dirty="0">
+                <a:solidFill>
+                  <a:schemeClr val="tx1"/>
+                </a:solidFill>
+              </a:rPr>
+              <a:t>="https://cdn.jsdelivr.net/</a:t>
+            </a:r>
+            <a:r>
+              <a:rPr lang="en-US" sz="1300" b="1" dirty="0" err="1">
+                <a:solidFill>
+                  <a:schemeClr val="tx1"/>
+                </a:solidFill>
+              </a:rPr>
+              <a:t>npm</a:t>
+            </a:r>
+            <a:r>
+              <a:rPr lang="en-US" sz="1300" b="1" dirty="0">
+                <a:solidFill>
+                  <a:schemeClr val="tx1"/>
+                </a:solidFill>
+              </a:rPr>
+              <a:t>/bootstrap@5.3.3/</a:t>
+            </a:r>
+            <a:r>
+              <a:rPr lang="en-US" sz="1300" b="1" dirty="0" err="1">
+                <a:solidFill>
+                  <a:schemeClr val="tx1"/>
+                </a:solidFill>
+              </a:rPr>
+              <a:t>dist</a:t>
+            </a:r>
+            <a:r>
+              <a:rPr lang="en-US" sz="1300" b="1" dirty="0">
+                <a:solidFill>
+                  <a:schemeClr val="tx1"/>
+                </a:solidFill>
+              </a:rPr>
+              <a:t>/</a:t>
+            </a:r>
+            <a:r>
+              <a:rPr lang="en-US" sz="1300" b="1" dirty="0" err="1">
+                <a:solidFill>
+                  <a:schemeClr val="tx1"/>
+                </a:solidFill>
+              </a:rPr>
+              <a:t>css</a:t>
+            </a:r>
+            <a:r>
+              <a:rPr lang="en-US" sz="1300" b="1" dirty="0">
+                <a:solidFill>
+                  <a:schemeClr val="tx1"/>
+                </a:solidFill>
+              </a:rPr>
+              <a:t>/bootstrap.min.css" </a:t>
+            </a:r>
+            <a:r>
+              <a:rPr lang="en-US" sz="1300" b="1" dirty="0" err="1">
+                <a:solidFill>
+                  <a:schemeClr val="tx1"/>
+                </a:solidFill>
+              </a:rPr>
+              <a:t>rel</a:t>
+            </a:r>
+            <a:r>
+              <a:rPr lang="en-US" sz="1300" b="1" dirty="0">
+                <a:solidFill>
+                  <a:schemeClr val="tx1"/>
+                </a:solidFill>
+              </a:rPr>
+              <a:t>="</a:t>
+            </a:r>
+            <a:r>
+              <a:rPr lang="en-US" sz="1300" b="1" dirty="0" err="1">
+                <a:solidFill>
+                  <a:schemeClr val="tx1"/>
+                </a:solidFill>
+              </a:rPr>
+              <a:t>stylesheet</a:t>
+            </a:r>
+            <a:r>
+              <a:rPr lang="en-US" sz="1300" b="1" dirty="0">
+                <a:solidFill>
+                  <a:schemeClr val="tx1"/>
+                </a:solidFill>
+              </a:rPr>
+              <a:t>"&gt;</a:t>
+            </a:r>
+            <a:br>
+              <a:rPr lang="en-US" sz="1300" b="1" dirty="0">
+                <a:solidFill>
+                  <a:schemeClr val="tx1"/>
+                </a:solidFill>
+              </a:rPr>
+            </a:br>
+            <a:r>
+              <a:rPr lang="en-US" sz="1300" b="1" dirty="0">
+                <a:solidFill>
+                  <a:schemeClr val="tx1"/>
+                </a:solidFill>
+              </a:rPr>
+              <a:t/>
+            </a:r>
+            <a:br>
+              <a:rPr lang="en-US" sz="1300" b="1" dirty="0">
+                <a:solidFill>
+                  <a:schemeClr val="tx1"/>
+                </a:solidFill>
+              </a:rPr>
+            </a:br>
+            <a:r>
+              <a:rPr lang="en-US" sz="1300" b="1" dirty="0">
+                <a:solidFill>
+                  <a:schemeClr val="tx1"/>
+                </a:solidFill>
+              </a:rPr>
+              <a:t>&lt;!-- Latest compiled JavaScript --&gt;</a:t>
+            </a:r>
+            <a:br>
+              <a:rPr lang="en-US" sz="1300" b="1" dirty="0">
+                <a:solidFill>
+                  <a:schemeClr val="tx1"/>
+                </a:solidFill>
+              </a:rPr>
+            </a:br>
+            <a:r>
+              <a:rPr lang="en-US" sz="1300" b="1" dirty="0">
+                <a:solidFill>
+                  <a:schemeClr val="tx1"/>
+                </a:solidFill>
+              </a:rPr>
+              <a:t>&lt;script </a:t>
+            </a:r>
+            <a:r>
+              <a:rPr lang="en-US" sz="1300" b="1" dirty="0" err="1">
+                <a:solidFill>
+                  <a:schemeClr val="tx1"/>
+                </a:solidFill>
+              </a:rPr>
+              <a:t>src</a:t>
+            </a:r>
+            <a:r>
+              <a:rPr lang="en-US" sz="1300" b="1" dirty="0">
+                <a:solidFill>
+                  <a:schemeClr val="tx1"/>
+                </a:solidFill>
+              </a:rPr>
+              <a:t>="https://cdn.jsdelivr.net/</a:t>
+            </a:r>
+            <a:r>
+              <a:rPr lang="en-US" sz="1300" b="1" dirty="0" err="1">
+                <a:solidFill>
+                  <a:schemeClr val="tx1"/>
+                </a:solidFill>
+              </a:rPr>
+              <a:t>npm</a:t>
+            </a:r>
+            <a:r>
+              <a:rPr lang="en-US" sz="1300" b="1" dirty="0">
+                <a:solidFill>
+                  <a:schemeClr val="tx1"/>
+                </a:solidFill>
+              </a:rPr>
+              <a:t>/bootstrap@5.3.3/</a:t>
+            </a:r>
+            <a:r>
+              <a:rPr lang="en-US" sz="1300" b="1" dirty="0" err="1">
+                <a:solidFill>
+                  <a:schemeClr val="tx1"/>
+                </a:solidFill>
+              </a:rPr>
+              <a:t>dist</a:t>
+            </a:r>
+            <a:r>
+              <a:rPr lang="en-US" sz="1300" b="1" dirty="0">
+                <a:solidFill>
+                  <a:schemeClr val="tx1"/>
+                </a:solidFill>
+              </a:rPr>
+              <a:t>/</a:t>
+            </a:r>
+            <a:r>
+              <a:rPr lang="en-US" sz="1300" b="1" dirty="0" err="1">
+                <a:solidFill>
+                  <a:schemeClr val="tx1"/>
+                </a:solidFill>
+              </a:rPr>
+              <a:t>js</a:t>
+            </a:r>
+            <a:r>
+              <a:rPr lang="en-US" sz="1300" b="1" dirty="0">
+                <a:solidFill>
+                  <a:schemeClr val="tx1"/>
+                </a:solidFill>
+              </a:rPr>
+              <a:t>/bootstrap.bundle.min.js"&gt;&lt;/script&gt;</a:t>
+            </a:r>
+          </a:p>
+        </p:txBody>
+      </p:sp>
+    </p:spTree>
+    <p:extLst>
+      <p:ext uri="{BB962C8B-B14F-4D97-AF65-F5344CB8AC3E}">
+        <p14:creationId xmlns:p14="http://schemas.microsoft.com/office/powerpoint/2010/main" val="3092106665"/>
+      </p:ext>
+    </p:extLst>
+  </p:cSld>
+  <p:clrMapOvr>
+    <a:masterClrMapping/>
+  </p:clrMapOvr>
+  <p:timing>
+    <p:tnLst>
+      <p:par>
+        <p:cTn id="1" dur="indefinite" restart="never" nodeType="tmRoot"/>
+      </p:par>
+    </p:tnLst>
+  </p:timing>
+</p:sld>
+</file>
+
+<file path=ppt/slides/slide5.xml><?xml version="1.0" encoding="utf-8"?>
+<p:sld xmlns:a="http://schemas.openxmlformats.org/drawingml/2006/main" xmlns:r="http://schemas.openxmlformats.org/officeDocument/2006/relationships" xmlns:p="http://schemas.openxmlformats.org/presentationml/2006/main">
+  <p:cSld>
+    <p:spTree>
+      <p:nvGrpSpPr>
+        <p:cNvPr id="1" name="Shape 102"/>
+        <p:cNvGrpSpPr/>
+        <p:nvPr/>
+      </p:nvGrpSpPr>
+      <p:grpSpPr>
+        <a:xfrm>
+          <a:off x="0" y="0"/>
+          <a:ext cx="0" cy="0"/>
+          <a:chOff x="0" y="0"/>
+          <a:chExt cx="0" cy="0"/>
+        </a:xfrm>
+      </p:grpSpPr>
+      <p:sp>
+        <p:nvSpPr>
+          <p:cNvPr id="103" name="Google Shape;103;p16"/>
+          <p:cNvSpPr txBox="1">
+            <a:spLocks noGrp="1"/>
+          </p:cNvSpPr>
+          <p:nvPr>
+            <p:ph type="title"/>
+          </p:nvPr>
+        </p:nvSpPr>
+        <p:spPr>
+          <a:xfrm>
+            <a:off x="0" y="3650"/>
+            <a:ext cx="9144000" cy="607800"/>
+          </a:xfrm>
+          <a:prstGeom prst="rect">
+            <a:avLst/>
+          </a:prstGeom>
+        </p:spPr>
+        <p:txBody>
+          <a:bodyPr spcFirstLastPara="1" wrap="square" lIns="91425" tIns="91425" rIns="91425" bIns="91425" anchor="t" anchorCtr="0">
+            <a:noAutofit/>
+          </a:bodyPr>
+          <a:lstStyle/>
+          <a:p>
+            <a:pPr marL="0" lvl="0" indent="0" algn="ctr" rtl="0">
+              <a:spcBef>
+                <a:spcPts val="0"/>
+              </a:spcBef>
+              <a:spcAft>
+                <a:spcPts val="0"/>
+              </a:spcAft>
+              <a:buSzPts val="990"/>
+              <a:buNone/>
+            </a:pPr>
+            <a:r>
+              <a:rPr lang="en" sz="3300" b="1" dirty="0" smtClean="0"/>
+              <a:t>BOOTSTRAP</a:t>
+            </a:r>
+            <a:endParaRPr sz="3300" b="1" dirty="0"/>
+          </a:p>
+        </p:txBody>
+      </p:sp>
+      <p:sp>
+        <p:nvSpPr>
+          <p:cNvPr id="104" name="Google Shape;104;p16"/>
+          <p:cNvSpPr txBox="1"/>
+          <p:nvPr/>
+        </p:nvSpPr>
+        <p:spPr>
+          <a:xfrm>
+            <a:off x="321600" y="633221"/>
             <a:ext cx="8500800" cy="2339072"/>
           </a:xfrm>
           <a:prstGeom prst="rect">
@@ -9015,11 +15690,11 @@
           <a:lstStyle/>
           <a:p>
             <a:r>
-              <a:rPr lang="en-US" b="1" u="sng" dirty="0"/>
+              <a:rPr lang="en-US" dirty="0"/>
               <a:t>Bootstrap 5 </a:t>
             </a:r>
             <a:r>
-              <a:rPr lang="en-US" b="1" u="sng" dirty="0" smtClean="0"/>
+              <a:rPr lang="en-US" dirty="0" smtClean="0"/>
               <a:t>Containers</a:t>
             </a:r>
           </a:p>
@@ -9059,7 +15734,7 @@
           </a:p>
           <a:p>
             <a:r>
-              <a:rPr lang="en-US" b="1" u="sng" dirty="0"/>
+              <a:rPr lang="en-US" dirty="0"/>
               <a:t>Fixed Container</a:t>
             </a:r>
           </a:p>
@@ -9309,18 +15984,18 @@
                     <a:p>
                       <a:pPr algn="l" fontAlgn="t"/>
                       <a:r>
-                        <a:rPr lang="en-US" dirty="0">
+                        <a:rPr lang="en-US">
                           <a:effectLst/>
                         </a:rPr>
                         <a:t>Medium</a:t>
                       </a:r>
                       <a:br>
-                        <a:rPr lang="en-US" dirty="0">
+                        <a:rPr lang="en-US">
                           <a:effectLst/>
                         </a:rPr>
                       </a:br>
                       <a:r>
-                        <a:rPr lang="en-US" dirty="0">
+                        <a:rPr lang="en-US">
                           <a:effectLst/>
                         </a:rPr>
                         <a:t>≥768px</a:t>
@@ -9613,7 +16288,7 @@
                     <a:p>
                       <a:pPr algn="l" fontAlgn="t"/>
                       <a:r>
-                        <a:rPr lang="en-US" dirty="0">
+                        <a:rPr lang="en-US">
                           <a:effectLst/>
                         </a:rPr>
                         <a:t>max-width</a:t>
@@ -9669,7 +16344,7 @@
                     <a:p>
                       <a:pPr algn="l" fontAlgn="t"/>
                       <a:r>
-                        <a:rPr lang="en-US" dirty="0">
+                        <a:rPr lang="en-US">
                           <a:effectLst/>
                         </a:rPr>
                         <a:t>100%</a:t>
@@ -10028,7 +16703,7 @@
 </p:sld>
 </file>
 
-<file path=ppt/slides/slide5.xml><?xml version="1.0" encoding="utf-8"?>
+<file path=ppt/slides/slide6.xml><?xml version="1.0" encoding="utf-8"?>
 <p:sld xmlns:a="http://schemas.openxmlformats.org/drawingml/2006/main" xmlns:r="http://schemas.openxmlformats.org/officeDocument/2006/relationships" xmlns:p="http://schemas.openxmlformats.org/presentationml/2006/main">
   <p:cSld>
     <p:spTree>
@@ -11320,7 +17995,7 @@
                     <a:p>
                       <a:pPr algn="l" fontAlgn="t"/>
                       <a:r>
-                        <a:rPr lang="en-US" sz="1200" b="1" dirty="0">
+                        <a:rPr lang="en-US" sz="1200" b="1">
                           <a:effectLst/>
                         </a:rPr>
                         <a:t>100%</a:t>
@@ -11376,7 +18051,7 @@
                     <a:p>
                       <a:pPr algn="l" fontAlgn="t"/>
                       <a:r>
-                        <a:rPr lang="en-US" sz="1200" b="1" dirty="0">
+                        <a:rPr lang="en-US" sz="1200" b="1">
                           <a:effectLst/>
                         </a:rPr>
                         <a:t>720px</a:t>
@@ -11831,7 +18506,7 @@
                     <a:p>
                       <a:pPr algn="l" fontAlgn="t"/>
                       <a:r>
-                        <a:rPr lang="en-US" sz="1200" b="1" dirty="0">
+                        <a:rPr lang="en-US" sz="1200" b="1">
                           <a:effectLst/>
                         </a:rPr>
                         <a:t>960px</a:t>
@@ -12286,7 +18961,7 @@
                     <a:p>
                       <a:pPr algn="l" fontAlgn="t"/>
                       <a:r>
-                        <a:rPr lang="en-US" sz="1200" b="1" dirty="0">
+                        <a:rPr lang="en-US" sz="1200" b="1">
                           <a:effectLst/>
                         </a:rPr>
                         <a:t>1140px</a:t>
@@ -12804,246 +19479,6 @@
     <p:extLst>
       <p:ext uri="{BB962C8B-B14F-4D97-AF65-F5344CB8AC3E}">
         <p14:creationId xmlns:p14="http://schemas.microsoft.com/office/powerpoint/2010/main" val="2047590386"/>
-      </p:ext>
-    </p:extLst>
-  </p:cSld>
-  <p:clrMapOvr>
-    <a:masterClrMapping/>
-  </p:clrMapOvr>
-  <p:timing>
-    <p:tnLst>
-      <p:par>
-        <p:cTn id="1" dur="indefinite" restart="never" nodeType="tmRoot"/>
-      </p:par>
-    </p:tnLst>
-  </p:timing>
-</p:sld>
-</file>
-
-<file path=ppt/slides/slide6.xml><?xml version="1.0" encoding="utf-8"?>
-<p:sld xmlns:a="http://schemas.openxmlformats.org/drawingml/2006/main" xmlns:r="http://schemas.openxmlformats.org/officeDocument/2006/relationships" xmlns:p="http://schemas.openxmlformats.org/presentationml/2006/main">
-  <p:cSld>
-    <p:spTree>
-      <p:nvGrpSpPr>
-        <p:cNvPr id="1" name="Shape 102"/>
-        <p:cNvGrpSpPr/>
-        <p:nvPr/>
-      </p:nvGrpSpPr>
-      <p:grpSpPr>
-        <a:xfrm>
-          <a:off x="0" y="0"/>
-          <a:ext cx="0" cy="0"/>
-          <a:chOff x="0" y="0"/>
-          <a:chExt cx="0" cy="0"/>
-        </a:xfrm>
-      </p:grpSpPr>
-      <p:sp>
-        <p:nvSpPr>
-          <p:cNvPr id="103" name="Google Shape;103;p16"/>
-          <p:cNvSpPr txBox="1">
-            <a:spLocks noGrp="1"/>
-          </p:cNvSpPr>
-          <p:nvPr>
-            <p:ph type="title"/>
-          </p:nvPr>
-        </p:nvSpPr>
-        <p:spPr>
-          <a:xfrm>
-            <a:off x="0" y="0"/>
-            <a:ext cx="9144000" cy="457200"/>
-          </a:xfrm>
-          <a:prstGeom prst="rect">
-            <a:avLst/>
-          </a:prstGeom>
-        </p:spPr>
-        <p:txBody>
-          <a:bodyPr spcFirstLastPara="1" wrap="square" lIns="91425" tIns="91425" rIns="91425" bIns="91425" anchor="t" anchorCtr="0">
-            <a:noAutofit/>
-          </a:bodyPr>
-          <a:lstStyle/>
-          <a:p>
-            <a:pPr marL="0" lvl="0" indent="0" algn="ctr" rtl="0">
-              <a:spcBef>
-                <a:spcPts val="0"/>
-              </a:spcBef>
-              <a:spcAft>
-                <a:spcPts val="0"/>
-              </a:spcAft>
-              <a:buSzPts val="990"/>
-              <a:buNone/>
-            </a:pPr>
-            <a:r>
-              <a:rPr lang="en" sz="2800" b="1" dirty="0" smtClean="0"/>
-              <a:t>BOOTSTRAP</a:t>
-            </a:r>
-            <a:endParaRPr sz="2800" b="1" dirty="0"/>
-          </a:p>
-        </p:txBody>
-      </p:sp>
-      <p:sp>
-        <p:nvSpPr>
-          <p:cNvPr id="104" name="Google Shape;104;p16"/>
-          <p:cNvSpPr txBox="1"/>
-          <p:nvPr/>
-        </p:nvSpPr>
-        <p:spPr>
-          <a:xfrm>
-            <a:off x="321600" y="511923"/>
-            <a:ext cx="8500800" cy="4431952"/>
-          </a:xfrm>
-          <a:prstGeom prst="rect">
-            <a:avLst/>
-          </a:prstGeom>
-          <a:noFill/>
-          <a:ln>
-            <a:noFill/>
-          </a:ln>
-        </p:spPr>
-        <p:txBody>
-          <a:bodyPr spcFirstLastPara="1" wrap="square" lIns="91425" tIns="91425" rIns="91425" bIns="91425" anchor="t" anchorCtr="0">
-            <a:spAutoFit/>
-          </a:bodyPr>
-          <a:lstStyle/>
-          <a:p>
-            <a:r>
-              <a:rPr lang="en-US" sz="1200" b="1" u="sng" dirty="0"/>
-              <a:t>Bootstrap 5 </a:t>
-            </a:r>
-            <a:r>
-              <a:rPr lang="en-US" sz="1200" b="1" u="sng" dirty="0" smtClean="0"/>
-              <a:t>Tables</a:t>
-            </a:r>
-          </a:p>
-          <a:p>
-            <a:endParaRPr lang="en-US" sz="1200" b="1" u="sng" dirty="0"/>
-          </a:p>
-          <a:p>
-            <a:r>
-              <a:rPr lang="en-US" sz="1200" b="1" u="sng" dirty="0"/>
-              <a:t>Basic Table</a:t>
-            </a:r>
-          </a:p>
-          <a:p>
-            <a:r>
-              <a:rPr lang="en-US" sz="1200" dirty="0"/>
-              <a:t>A basic Bootstrap 5 table has a light padding and horizontal dividers.</a:t>
-            </a:r>
-          </a:p>
-          <a:p>
-            <a:r>
-              <a:rPr lang="en-US" sz="1200" dirty="0"/>
-              <a:t>The .table class adds basic styling to a table:</a:t>
-            </a:r>
-          </a:p>
-          <a:p>
-            <a:endParaRPr lang="en-US" sz="1200" b="1" u="sng" dirty="0" smtClean="0"/>
-          </a:p>
-          <a:p>
-            <a:r>
-              <a:rPr lang="en-US" sz="1200" b="1" u="sng" dirty="0"/>
-              <a:t>Striped Rows</a:t>
-            </a:r>
-          </a:p>
-          <a:p>
-            <a:r>
-              <a:rPr lang="en-US" sz="1200" dirty="0"/>
-              <a:t>The .table-striped class adds zebra-stripes to a table</a:t>
-            </a:r>
-            <a:r>
-              <a:rPr lang="en-US" sz="1200" dirty="0" smtClean="0"/>
-              <a:t>:</a:t>
-            </a:r>
-          </a:p>
-          <a:p>
-            <a:endParaRPr lang="en-US" sz="1200" dirty="0"/>
-          </a:p>
-          <a:p>
-            <a:r>
-              <a:rPr lang="en-US" sz="1200" b="1" u="sng" dirty="0"/>
-              <a:t>Bordered Table</a:t>
-            </a:r>
-          </a:p>
-          <a:p>
-            <a:r>
-              <a:rPr lang="en-US" sz="1200" dirty="0"/>
-              <a:t>The .table-bordered class adds borders on all sides of the table and cells:</a:t>
-            </a:r>
-          </a:p>
-          <a:p>
-            <a:endParaRPr lang="en-US" sz="1200" dirty="0"/>
-          </a:p>
-          <a:p>
-            <a:r>
-              <a:rPr lang="en-US" sz="1200" b="1" u="sng" dirty="0"/>
-              <a:t>Hover Rows</a:t>
-            </a:r>
-          </a:p>
-          <a:p>
-            <a:r>
-              <a:rPr lang="en-US" sz="1200" dirty="0"/>
-              <a:t>The .table-hover class adds a hover effect (grey background color) on table rows:</a:t>
-            </a:r>
-          </a:p>
-          <a:p>
-            <a:endParaRPr lang="en-US" sz="1200" b="1" u="sng" dirty="0" smtClean="0"/>
-          </a:p>
-          <a:p>
-            <a:r>
-              <a:rPr lang="en-US" sz="1200" b="1" u="sng" dirty="0"/>
-              <a:t>Borderless Table</a:t>
-            </a:r>
-          </a:p>
-          <a:p>
-            <a:r>
-              <a:rPr lang="en-US" sz="1200" dirty="0"/>
-              <a:t>The .table-borderless class removes borders from the table</a:t>
-            </a:r>
-            <a:r>
-              <a:rPr lang="en-US" sz="1200" dirty="0" smtClean="0"/>
-              <a:t>:</a:t>
-            </a:r>
-          </a:p>
-          <a:p>
-            <a:endParaRPr lang="en-US" sz="1200" b="1" u="sng" dirty="0"/>
-          </a:p>
-          <a:p>
-            <a:r>
-              <a:rPr lang="en-US" sz="1200" b="1" u="sng" dirty="0"/>
-              <a:t>Black/Dark Table</a:t>
-            </a:r>
-          </a:p>
-          <a:p>
-            <a:r>
-              <a:rPr lang="en-US" sz="1200" dirty="0"/>
-              <a:t>The .table-dark class adds a black background to the table:</a:t>
-            </a:r>
-          </a:p>
-          <a:p>
-            <a:endParaRPr lang="en-US" sz="1200" dirty="0"/>
-          </a:p>
-          <a:p>
-            <a:r>
-              <a:rPr lang="en-US" sz="1200" b="1" u="sng" dirty="0"/>
-              <a:t>Dark Striped Table</a:t>
-            </a:r>
-          </a:p>
-          <a:p>
-            <a:r>
-              <a:rPr lang="en-US" sz="1200" dirty="0"/>
-              <a:t>Combine .table-dark and .table-striped to create a dark, striped table</a:t>
-            </a:r>
-            <a:r>
-              <a:rPr lang="en-US" sz="1200" dirty="0" smtClean="0"/>
-              <a:t>:</a:t>
-            </a:r>
-            <a:endParaRPr lang="en-US" sz="1200" b="1" u="sng" dirty="0"/>
-          </a:p>
-        </p:txBody>
-      </p:sp>
-    </p:spTree>
-    <p:extLst>
-      <p:ext uri="{BB962C8B-B14F-4D97-AF65-F5344CB8AC3E}">
-        <p14:creationId xmlns:p14="http://schemas.microsoft.com/office/powerpoint/2010/main" val="816123051"/>
       </p:ext>
     </p:extLst>
   </p:cSld>
@@ -13114,7 +19549,7 @@
             </a:pPr>
             <a:r>
               <a:rPr lang="en" sz="2800" b="1" dirty="0" smtClean="0"/>
-              <a:t>BOOTSTRAP- Images</a:t>
+              <a:t>BOOTSTRAP</a:t>
             </a:r>
             <a:endParaRPr sz="2800" b="1" dirty="0"/>
           </a:p>
@@ -13129,7 +19564,7 @@
         <p:spPr>
           <a:xfrm>
             <a:off x="321600" y="511923"/>
-            <a:ext cx="8500800" cy="3323957"/>
+            <a:ext cx="8500800" cy="4431952"/>
           </a:xfrm>
           <a:prstGeom prst="rect">
             <a:avLst/>
@@ -13146,27 +19581,48 @@
           <a:lstStyle/>
           <a:p>
             <a:r>
+              <a:rPr lang="en-US" sz="1200" b="1" u="sng" dirty="0"/>
+              <a:t>Bootstrap 5 </a:t>
+            </a:r>
+            <a:r>
               <a:rPr lang="en-US" sz="1200" b="1" u="sng" dirty="0" smtClean="0"/>
-              <a:t/>
-            </a:r>
-            <a:br>
-              <a:rPr lang="en-US" sz="1200" b="1" u="sng" dirty="0" smtClean="0"/>
-            </a:br>
+              <a:t>Tables</a:t>
+            </a:r>
+          </a:p>
+          <a:p>
+            <a:endParaRPr lang="en-US" sz="1200" b="1" u="sng" dirty="0"/>
+          </a:p>
+          <a:p>
             <a:r>
               <a:rPr lang="en-US" sz="1200" b="1" u="sng" dirty="0"/>
-              <a:t>Image Shapes</a:t>
-            </a:r>
+              <a:t>Basic Table</a:t>
+            </a:r>
+          </a:p>
+          <a:p>
+            <a:r>
+              <a:rPr lang="en-US" sz="1200" dirty="0"/>
+              <a:t>A basic Bootstrap 5 table has a light padding and horizontal dividers.</a:t>
+            </a:r>
+          </a:p>
+          <a:p>
+            <a:r>
+              <a:rPr lang="en-US" sz="1200" dirty="0"/>
+              <a:t>The .table class adds basic styling to a table:</a:t>
+            </a:r>
+          </a:p>
+          <a:p>
+            <a:endParaRPr lang="en-US" sz="1200" b="1" u="sng" dirty="0" smtClean="0"/>
           </a:p>
           <a:p>
             <a:r>
               <a:rPr lang="en-US" sz="1200" b="1" u="sng" dirty="0"/>
-              <a:t>Rounded Corners</a:t>
+              <a:t>Striped Rows</a:t>
             </a:r>
           </a:p>
           <a:p>
             <a:r>
               <a:rPr lang="en-US" sz="1200" dirty="0"/>
-              <a:t>The .rounded class adds rounded corners to an image</a:t>
+              <a:t>The .table-striped class adds zebra-stripes to a table</a:t>
             </a:r>
             <a:r>
               <a:rPr lang="en-US" sz="1200" dirty="0" smtClean="0"/>
@@ -13174,75 +19630,48 @@
             </a:r>
           </a:p>
           <a:p>
-            <a:endParaRPr lang="en-US" sz="1200" dirty="0" smtClean="0"/>
-          </a:p>
-          <a:p>
-            <a:r>
-              <a:rPr lang="en-US" sz="1200" b="1" dirty="0">
-                <a:solidFill>
-                  <a:schemeClr val="tx1"/>
-                </a:solidFill>
-              </a:rPr>
-              <a:t>&lt;</a:t>
-            </a:r>
-            <a:r>
-              <a:rPr lang="en-US" sz="1200" b="1" dirty="0" err="1">
-                <a:solidFill>
-                  <a:schemeClr val="tx1"/>
-                </a:solidFill>
-              </a:rPr>
-              <a:t>img</a:t>
-            </a:r>
-            <a:r>
-              <a:rPr lang="en-US" sz="1200" b="1" dirty="0">
-                <a:solidFill>
-                  <a:schemeClr val="tx1"/>
-                </a:solidFill>
-              </a:rPr>
-              <a:t> </a:t>
-            </a:r>
-            <a:r>
-              <a:rPr lang="en-US" sz="1200" b="1" dirty="0" err="1">
-                <a:solidFill>
-                  <a:schemeClr val="tx1"/>
-                </a:solidFill>
-              </a:rPr>
-              <a:t>src</a:t>
-            </a:r>
-            <a:r>
-              <a:rPr lang="en-US" sz="1200" b="1" dirty="0">
-                <a:solidFill>
-                  <a:schemeClr val="tx1"/>
-                </a:solidFill>
-              </a:rPr>
-              <a:t>="cinqueterre.jpg" class="rounded" alt="Cinque Terre</a:t>
-            </a:r>
-            <a:r>
-              <a:rPr lang="en-US" sz="1200" b="1" dirty="0" smtClean="0">
-                <a:solidFill>
-                  <a:schemeClr val="tx1"/>
-                </a:solidFill>
-              </a:rPr>
-              <a:t>"&gt;</a:t>
-            </a:r>
-          </a:p>
-          <a:p>
-            <a:endParaRPr lang="en-US" sz="1200" b="1" dirty="0">
-              <a:solidFill>
-                <a:schemeClr val="tx1"/>
-              </a:solidFill>
-            </a:endParaRPr>
+            <a:endParaRPr lang="en-US" sz="1200" dirty="0"/>
           </a:p>
           <a:p>
             <a:r>
               <a:rPr lang="en-US" sz="1200" b="1" u="sng" dirty="0"/>
-              <a:t>Circle</a:t>
+              <a:t>Bordered Table</a:t>
             </a:r>
           </a:p>
           <a:p>
             <a:r>
               <a:rPr lang="en-US" sz="1200" dirty="0"/>
-              <a:t>The .rounded-circle class shapes the image to a circle</a:t>
+              <a:t>The .table-bordered class adds borders on all sides of the table and cells:</a:t>
+            </a:r>
+          </a:p>
+          <a:p>
+            <a:endParaRPr lang="en-US" sz="1200" dirty="0"/>
+          </a:p>
+          <a:p>
+            <a:r>
+              <a:rPr lang="en-US" sz="1200" b="1" u="sng" dirty="0"/>
+              <a:t>Hover Rows</a:t>
+            </a:r>
+          </a:p>
+          <a:p>
+            <a:r>
+              <a:rPr lang="en-US" sz="1200" dirty="0"/>
+              <a:t>The .table-hover class adds a hover effect (grey background color) on table rows:</a:t>
+            </a:r>
+          </a:p>
+          <a:p>
+            <a:endParaRPr lang="en-US" sz="1200" b="1" u="sng" dirty="0" smtClean="0"/>
+          </a:p>
+          <a:p>
+            <a:r>
+              <a:rPr lang="en-US" sz="1200" b="1" u="sng" dirty="0"/>
+              <a:t>Borderless Table</a:t>
+            </a:r>
+          </a:p>
+          <a:p>
+            <a:r>
+              <a:rPr lang="en-US" sz="1200" dirty="0"/>
+              <a:t>The .table-borderless class removes borders from the table</a:t>
             </a:r>
             <a:r>
               <a:rPr lang="en-US" sz="1200" dirty="0" smtClean="0"/>
@@ -13250,159 +19679,46 @@
             </a:r>
           </a:p>
           <a:p>
-            <a:endParaRPr lang="en-US" sz="1200" dirty="0" smtClean="0"/>
-          </a:p>
-          <a:p>
-            <a:r>
-              <a:rPr lang="en-US" sz="1200" b="1" dirty="0">
-                <a:solidFill>
-                  <a:schemeClr val="tx1"/>
-                </a:solidFill>
-              </a:rPr>
-              <a:t>&lt;</a:t>
-            </a:r>
-            <a:r>
-              <a:rPr lang="en-US" sz="1200" b="1" dirty="0" err="1">
-                <a:solidFill>
-                  <a:schemeClr val="tx1"/>
-                </a:solidFill>
-              </a:rPr>
-              <a:t>img</a:t>
-            </a:r>
-            <a:r>
-              <a:rPr lang="en-US" sz="1200" b="1" dirty="0">
-                <a:solidFill>
-                  <a:schemeClr val="tx1"/>
-                </a:solidFill>
-              </a:rPr>
-              <a:t> </a:t>
-            </a:r>
-            <a:r>
-              <a:rPr lang="en-US" sz="1200" b="1" dirty="0" err="1">
-                <a:solidFill>
-                  <a:schemeClr val="tx1"/>
-                </a:solidFill>
-              </a:rPr>
-              <a:t>src</a:t>
-            </a:r>
-            <a:r>
-              <a:rPr lang="en-US" sz="1200" b="1" dirty="0">
-                <a:solidFill>
-                  <a:schemeClr val="tx1"/>
-                </a:solidFill>
-              </a:rPr>
-              <a:t>="cinqueterre.jpg" class="rounded-circle" alt="Cinque Terre"&gt;</a:t>
-            </a:r>
-          </a:p>
-          <a:p>
-            <a:endParaRPr lang="en-US" sz="1200" b="1" dirty="0" smtClean="0">
-              <a:solidFill>
-                <a:schemeClr val="tx1"/>
-              </a:solidFill>
-            </a:endParaRPr>
+            <a:endParaRPr lang="en-US" sz="1200" b="1" u="sng" dirty="0"/>
           </a:p>
           <a:p>
             <a:r>
               <a:rPr lang="en-US" sz="1200" b="1" u="sng" dirty="0"/>
-              <a:t>Thumbnail</a:t>
+              <a:t>Black/Dark Table</a:t>
             </a:r>
           </a:p>
           <a:p>
             <a:r>
               <a:rPr lang="en-US" sz="1200" dirty="0"/>
-              <a:t>The .</a:t>
-            </a:r>
-            <a:r>
-              <a:rPr lang="en-US" sz="1200" dirty="0" err="1"/>
-              <a:t>img</a:t>
-            </a:r>
+              <a:t>The .table-dark class adds a black background to the table:</a:t>
+            </a:r>
+          </a:p>
+          <a:p>
+            <a:endParaRPr lang="en-US" sz="1200" dirty="0"/>
+          </a:p>
+          <a:p>
+            <a:r>
+              <a:rPr lang="en-US" sz="1200" b="1" u="sng" dirty="0"/>
+              <a:t>Dark Striped Table</a:t>
+            </a:r>
+          </a:p>
+          <a:p>
             <a:r>
               <a:rPr lang="en-US" sz="1200" dirty="0"/>
-              <a:t>-thumbnail class shapes the image to a thumbnail (</a:t>
-            </a:r>
-            <a:r>
-              <a:rPr lang="en-US" sz="1200"/>
-              <a:t>bordered</a:t>
-            </a:r>
-            <a:r>
-              <a:rPr lang="en-US" sz="1200" smtClean="0"/>
-              <a:t>):</a:t>
-            </a:r>
-          </a:p>
-          <a:p>
-            <a:endParaRPr lang="en-US" sz="1200" dirty="0" smtClean="0"/>
-          </a:p>
-          <a:p>
-            <a:r>
-              <a:rPr lang="en-US" sz="1200" b="1" dirty="0">
-                <a:solidFill>
-                  <a:schemeClr val="tx1"/>
-                </a:solidFill>
-              </a:rPr>
-              <a:t>&lt;</a:t>
-            </a:r>
-            <a:r>
-              <a:rPr lang="en-US" sz="1200" b="1" dirty="0" err="1">
-                <a:solidFill>
-                  <a:schemeClr val="tx1"/>
-                </a:solidFill>
-              </a:rPr>
-              <a:t>img</a:t>
-            </a:r>
-            <a:r>
-              <a:rPr lang="en-US" sz="1200" b="1" dirty="0">
-                <a:solidFill>
-                  <a:schemeClr val="tx1"/>
-                </a:solidFill>
-              </a:rPr>
-              <a:t> </a:t>
-            </a:r>
-            <a:r>
-              <a:rPr lang="en-US" sz="1200" b="1" dirty="0" err="1">
-                <a:solidFill>
-                  <a:schemeClr val="tx1"/>
-                </a:solidFill>
-              </a:rPr>
-              <a:t>src</a:t>
-            </a:r>
-            <a:r>
-              <a:rPr lang="en-US" sz="1200" b="1" dirty="0">
-                <a:solidFill>
-                  <a:schemeClr val="tx1"/>
-                </a:solidFill>
-              </a:rPr>
-              <a:t>="cinqueterre.jpg" class="</a:t>
-            </a:r>
-            <a:r>
-              <a:rPr lang="en-US" sz="1200" b="1" dirty="0" err="1">
-                <a:solidFill>
-                  <a:schemeClr val="tx1"/>
-                </a:solidFill>
-              </a:rPr>
-              <a:t>img</a:t>
-            </a:r>
-            <a:r>
-              <a:rPr lang="en-US" sz="1200" b="1" dirty="0">
-                <a:solidFill>
-                  <a:schemeClr val="tx1"/>
-                </a:solidFill>
-              </a:rPr>
-              <a:t>-thumbnail" alt="Cinque Terre"&gt;</a:t>
-            </a:r>
-          </a:p>
-          <a:p>
-            <a:endParaRPr lang="en-US" sz="1200" b="1" dirty="0">
-              <a:solidFill>
-                <a:schemeClr val="tx1"/>
-              </a:solidFill>
-            </a:endParaRPr>
+              <a:t>Combine .table-dark and .table-striped to create a dark, striped table</a:t>
+            </a:r>
+            <a:r>
+              <a:rPr lang="en-US" sz="1200" dirty="0" smtClean="0"/>
+              <a:t>:</a:t>
+            </a:r>
+            <a:endParaRPr lang="en-US" sz="1200" b="1" u="sng" dirty="0"/>
           </a:p>
         </p:txBody>
       </p:sp>
     </p:spTree>
     <p:extLst>
       <p:ext uri="{BB962C8B-B14F-4D97-AF65-F5344CB8AC3E}">
-        <p14:creationId xmlns:p14="http://schemas.microsoft.com/office/powerpoint/2010/main" val="2062710673"/>
+        <p14:creationId xmlns:p14="http://schemas.microsoft.com/office/powerpoint/2010/main" val="816123051"/>
       </p:ext>
     </p:extLst>
   </p:cSld>
@@ -13473,7 +19789,7 @@
             </a:pPr>
             <a:r>
               <a:rPr lang="en" sz="2800" b="1" dirty="0" smtClean="0"/>
-              <a:t>BOOTSTRAP</a:t>
+              <a:t>BOOTSTRAP- Images</a:t>
             </a:r>
             <a:endParaRPr sz="2800" b="1" dirty="0"/>
           </a:p>
@@ -13488,7 +19804,7 @@
         <p:spPr>
           <a:xfrm>
             <a:off x="321600" y="511923"/>
-            <a:ext cx="8500800" cy="738633"/>
+            <a:ext cx="8500800" cy="3323957"/>
           </a:xfrm>
           <a:prstGeom prst="rect">
             <a:avLst/>
@@ -13505,51 +19821,470 @@
           <a:lstStyle/>
           <a:p>
             <a:r>
+              <a:rPr lang="en-US" sz="1200" b="1" u="sng" dirty="0" smtClean="0"/>
+              <a:t/>
+            </a:r>
+            <a:br>
+              <a:rPr lang="en-US" sz="1200" b="1" u="sng" dirty="0" smtClean="0"/>
+            </a:br>
+            <a:r>
               <a:rPr lang="en-US" sz="1200" b="1" u="sng" dirty="0"/>
-              <a:t>Contextual Classes</a:t>
-            </a:r>
-          </a:p>
-          <a:p>
-            <a:r>
-              <a:rPr lang="en-US" sz="1200" dirty="0">
-                <a:hlinkClick r:id="rId3"/>
-              </a:rPr>
-              <a:t>Contextual classes</a:t>
-            </a:r>
+              <a:t>Image Shapes</a:t>
+            </a:r>
+          </a:p>
+          <a:p>
+            <a:r>
+              <a:rPr lang="en-US" sz="1200" b="1" u="sng" dirty="0"/>
+              <a:t>Rounded Corners</a:t>
+            </a:r>
+          </a:p>
+          <a:p>
             <a:r>
               <a:rPr lang="en-US" sz="1200" dirty="0"/>
-              <a:t> can be used to color the whole table (&lt;table&gt;),  the table rows (&lt;</a:t>
+              <a:t>The .rounded class adds rounded corners to an image</a:t>
+            </a:r>
+            <a:r>
+              <a:rPr lang="en-US" sz="1200" dirty="0" smtClean="0"/>
+              <a:t>:</a:t>
+            </a:r>
+          </a:p>
+          <a:p>
+            <a:endParaRPr lang="en-US" sz="1200" dirty="0" smtClean="0"/>
+          </a:p>
+          <a:p>
+            <a:r>
+              <a:rPr lang="en-US" sz="1200" b="1" dirty="0">
+                <a:solidFill>
+                  <a:schemeClr val="tx1"/>
+                </a:solidFill>
+              </a:rPr>
+              <a:t>&lt;</a:t>
+            </a:r>
+            <a:r>
+              <a:rPr lang="en-US" sz="1200" b="1" dirty="0" err="1">
+                <a:solidFill>
+                  <a:schemeClr val="tx1"/>
+                </a:solidFill>
+              </a:rPr>
+              <a:t>img</a:t>
+            </a:r>
+            <a:r>
+              <a:rPr lang="en-US" sz="1200" b="1" dirty="0">
+                <a:solidFill>
+                  <a:schemeClr val="tx1"/>
+                </a:solidFill>
+              </a:rPr>
+              <a:t> </a:t>
+            </a:r>
+            <a:r>
+              <a:rPr lang="en-US" sz="1200" b="1" dirty="0" err="1">
+                <a:solidFill>
+                  <a:schemeClr val="tx1"/>
+                </a:solidFill>
+              </a:rPr>
+              <a:t>src</a:t>
+            </a:r>
+            <a:r>
+              <a:rPr lang="en-US" sz="1200" b="1" dirty="0">
+                <a:solidFill>
+                  <a:schemeClr val="tx1"/>
+                </a:solidFill>
+              </a:rPr>
+              <a:t>="cinqueterre.jpg" class="rounded" alt="Cinque Terre</a:t>
+            </a:r>
+            <a:r>
+              <a:rPr lang="en-US" sz="1200" b="1" dirty="0" smtClean="0">
+                <a:solidFill>
+                  <a:schemeClr val="tx1"/>
+                </a:solidFill>
+              </a:rPr>
+              <a:t>"&gt;</a:t>
+            </a:r>
+          </a:p>
+          <a:p>
+            <a:endParaRPr lang="en-US" sz="1200" b="1" dirty="0">
+              <a:solidFill>
+                <a:schemeClr val="tx1"/>
+              </a:solidFill>
+            </a:endParaRPr>
+          </a:p>
+          <a:p>
+            <a:r>
+              <a:rPr lang="en-US" sz="1200" b="1" u="sng" dirty="0"/>
+              <a:t>Circle</a:t>
+            </a:r>
+          </a:p>
+          <a:p>
+            <a:r>
+              <a:rPr lang="en-US" sz="1200" dirty="0"/>
+              <a:t>The .rounded-circle class shapes the image to a circle</a:t>
+            </a:r>
+            <a:r>
+              <a:rPr lang="en-US" sz="1200" dirty="0" smtClean="0"/>
+              <a:t>:</a:t>
+            </a:r>
+          </a:p>
+          <a:p>
+            <a:endParaRPr lang="en-US" sz="1200" dirty="0" smtClean="0"/>
+          </a:p>
+          <a:p>
+            <a:r>
+              <a:rPr lang="en-US" sz="1200" b="1" dirty="0">
+                <a:solidFill>
+                  <a:schemeClr val="tx1"/>
+                </a:solidFill>
+              </a:rPr>
+              <a:t>&lt;</a:t>
+            </a:r>
+            <a:r>
+              <a:rPr lang="en-US" sz="1200" b="1" dirty="0" err="1">
+                <a:solidFill>
+                  <a:schemeClr val="tx1"/>
+                </a:solidFill>
+              </a:rPr>
+              <a:t>img</a:t>
+            </a:r>
+            <a:r>
+              <a:rPr lang="en-US" sz="1200" b="1" dirty="0">
+                <a:solidFill>
+                  <a:schemeClr val="tx1"/>
+                </a:solidFill>
+              </a:rPr>
+              <a:t> </a:t>
+            </a:r>
+            <a:r>
+              <a:rPr lang="en-US" sz="1200" b="1" dirty="0" err="1">
+                <a:solidFill>
+                  <a:schemeClr val="tx1"/>
+                </a:solidFill>
+              </a:rPr>
+              <a:t>src</a:t>
+            </a:r>
+            <a:r>
+              <a:rPr lang="en-US" sz="1200" b="1" dirty="0">
+                <a:solidFill>
+                  <a:schemeClr val="tx1"/>
+                </a:solidFill>
+              </a:rPr>
+              <a:t>="cinqueterre.jpg" class="rounded-circle" alt="Cinque Terre"&gt;</a:t>
+            </a:r>
+          </a:p>
+          <a:p>
+            <a:endParaRPr lang="en-US" sz="1200" b="1" dirty="0" smtClean="0">
+              <a:solidFill>
+                <a:schemeClr val="tx1"/>
+              </a:solidFill>
+            </a:endParaRPr>
+          </a:p>
+          <a:p>
+            <a:r>
+              <a:rPr lang="en-US" sz="1200" b="1" u="sng" dirty="0"/>
+              <a:t>Thumbnail</a:t>
+            </a:r>
+          </a:p>
+          <a:p>
+            <a:r>
+              <a:rPr lang="en-US" sz="1200" dirty="0"/>
+              <a:t>The .</a:t>
             </a:r>
             <a:r>
               <a:rPr lang="en-US" sz="1200" dirty="0" err="1"/>
-              <a:t>tr</a:t>
+              <a:t>img</a:t>
             </a:r>
             <a:r>
               <a:rPr lang="en-US" sz="1200" dirty="0"/>
-              <a:t>&gt;) or table cells (&lt;td</a:t>
-            </a:r>
-            <a:r>
-              <a:rPr lang="en-US" sz="1200" dirty="0" smtClean="0"/>
-              <a:t>&gt;)..3</a:t>
-            </a:r>
-          </a:p>
-          <a:p>
-            <a:pPr lvl="0"/>
-            <a:r>
-              <a:rPr lang="en-US" sz="1200" dirty="0">
-                <a:latin typeface="Verdana" pitchFamily="34" charset="0"/>
-                <a:cs typeface="Arial" pitchFamily="34" charset="0"/>
-              </a:rPr>
-              <a:t>The contextual classes that can be used are</a:t>
-            </a:r>
-            <a:r>
-              <a:rPr lang="en-US" sz="1200" dirty="0" smtClean="0">
-                <a:latin typeface="Verdana" pitchFamily="34" charset="0"/>
-                <a:cs typeface="Arial" pitchFamily="34" charset="0"/>
-              </a:rPr>
+              <a:t>-thumbnail class shapes the image to a thumbnail (</a:t>
+            </a:r>
+            <a:r>
+              <a:rPr lang="en-US" sz="1200"/>
+              <a:t>bordered</a:t>
+            </a:r>
+            <a:r>
+              <a:rPr lang="en-US" sz="1200" smtClean="0"/>
+              <a:t>):</a:t>
+            </a:r>
+          </a:p>
+          <a:p>
+            <a:endParaRPr lang="en-US" sz="1200" dirty="0" smtClean="0"/>
+          </a:p>
+          <a:p>
+            <a:r>
+              <a:rPr lang="en-US" sz="1200" b="1" dirty="0">
+                <a:solidFill>
+                  <a:schemeClr val="tx1"/>
+                </a:solidFill>
+              </a:rPr>
+              <a:t>&lt;</a:t>
+            </a:r>
+            <a:r>
+              <a:rPr lang="en-US" sz="1200" b="1" dirty="0" err="1">
+                <a:solidFill>
+                  <a:schemeClr val="tx1"/>
+                </a:solidFill>
+              </a:rPr>
+              <a:t>img</a:t>
+            </a:r>
+            <a:r>
+              <a:rPr lang="en-US" sz="1200" b="1" dirty="0">
+                <a:solidFill>
+                  <a:schemeClr val="tx1"/>
+                </a:solidFill>
+              </a:rPr>
+              <a:t> </a:t>
+            </a:r>
+            <a:r>
+              <a:rPr lang="en-US" sz="1200" b="1" dirty="0" err="1">
+                <a:solidFill>
+                  <a:schemeClr val="tx1"/>
+                </a:solidFill>
+              </a:rPr>
+              <a:t>src</a:t>
+            </a:r>
+            <a:r>
+              <a:rPr lang="en-US" sz="1200" b="1" dirty="0">
+                <a:solidFill>
+                  <a:schemeClr val="tx1"/>
+                </a:solidFill>
+              </a:rPr>
+              <a:t>="cinqueterre.jpg" class="</a:t>
+            </a:r>
+            <a:r>
+              <a:rPr lang="en-US" sz="1200" b="1" dirty="0" err="1">
+                <a:solidFill>
+                  <a:schemeClr val="tx1"/>
+                </a:solidFill>
+              </a:rPr>
+              <a:t>img</a:t>
+            </a:r>
+            <a:r>
+              <a:rPr lang="en-US" sz="1200" b="1" dirty="0">
+                <a:solidFill>
+                  <a:schemeClr val="tx1"/>
+                </a:solidFill>
+              </a:rPr>
+              <a:t>-thumbnail" alt="Cinque Terre"&gt;</a:t>
+            </a:r>
+          </a:p>
+          <a:p>
+            <a:endParaRPr lang="en-US" sz="1200" b="1" dirty="0">
+              <a:solidFill>
+                <a:schemeClr val="tx1"/>
+              </a:solidFill>
+            </a:endParaRPr>
+          </a:p>
+        </p:txBody>
+      </p:sp>
+    </p:spTree>
+    <p:extLst>
+      <p:ext uri="{BB962C8B-B14F-4D97-AF65-F5344CB8AC3E}">
+        <p14:creationId xmlns:p14="http://schemas.microsoft.com/office/powerpoint/2010/main" val="2062710673"/>
+      </p:ext>
+    </p:extLst>
+  </p:cSld>
+  <p:clrMapOvr>
+    <a:masterClrMapping/>
+  </p:clrMapOvr>
+  <p:timing>
+    <p:tnLst>
+      <p:par>
+        <p:cTn id="1" dur="indefinite" restart="never" nodeType="tmRoot"/>
+      </p:par>
+    </p:tnLst>
+  </p:timing>
+</p:sld>
+</file>
+
+<file path=ppt/slides/slide9.xml><?xml version="1.0" encoding="utf-8"?>
+<p:sld xmlns:a="http://schemas.openxmlformats.org/drawingml/2006/main" xmlns:r="http://schemas.openxmlformats.org/officeDocument/2006/relationships" xmlns:p="http://schemas.openxmlformats.org/presentationml/2006/main">
+  <p:cSld>
+    <p:spTree>
+      <p:nvGrpSpPr>
+        <p:cNvPr id="1" name="Shape 102"/>
+        <p:cNvGrpSpPr/>
+        <p:nvPr/>
+      </p:nvGrpSpPr>
+      <p:grpSpPr>
+        <a:xfrm>
+          <a:off x="0" y="0"/>
+          <a:ext cx="0" cy="0"/>
+          <a:chOff x="0" y="0"/>
+          <a:chExt cx="0" cy="0"/>
+        </a:xfrm>
+      </p:grpSpPr>
+      <p:sp>
+        <p:nvSpPr>
+          <p:cNvPr id="103" name="Google Shape;103;p16"/>
+          <p:cNvSpPr txBox="1">
+            <a:spLocks noGrp="1"/>
+          </p:cNvSpPr>
+          <p:nvPr>
+            <p:ph type="title"/>
+          </p:nvPr>
+        </p:nvSpPr>
+        <p:spPr>
+          <a:xfrm>
+            <a:off x="0" y="0"/>
+            <a:ext cx="9144000" cy="457200"/>
+          </a:xfrm>
+          <a:prstGeom prst="rect">
+            <a:avLst/>
+          </a:prstGeom>
+        </p:spPr>
+        <p:txBody>
+          <a:bodyPr spcFirstLastPara="1" wrap="square" lIns="91425" tIns="91425" rIns="91425" bIns="91425" anchor="t" anchorCtr="0">
+            <a:noAutofit/>
+          </a:bodyPr>
+          <a:lstStyle/>
+          <a:p>
+            <a:pPr marL="0" lvl="0" indent="0" algn="ctr" rtl="0">
+              <a:spcBef>
+                <a:spcPts val="0"/>
+              </a:spcBef>
+              <a:spcAft>
+                <a:spcPts val="0"/>
+              </a:spcAft>
+              <a:buSzPts val="990"/>
+              <a:buNone/>
+            </a:pPr>
+            <a:r>
+              <a:rPr lang="en" sz="2800" b="1" dirty="0" smtClean="0"/>
+              <a:t>BOOTSTRAP-ALERTS</a:t>
+            </a:r>
+            <a:endParaRPr sz="2800" b="1" dirty="0"/>
+          </a:p>
+        </p:txBody>
+      </p:sp>
+      <p:sp>
+        <p:nvSpPr>
+          <p:cNvPr id="104" name="Google Shape;104;p16"/>
+          <p:cNvSpPr txBox="1"/>
+          <p:nvPr/>
+        </p:nvSpPr>
+        <p:spPr>
+          <a:xfrm>
+            <a:off x="321600" y="511923"/>
+            <a:ext cx="8500800" cy="3847177"/>
+          </a:xfrm>
+          <a:prstGeom prst="rect">
+            <a:avLst/>
+          </a:prstGeom>
+          <a:noFill/>
+          <a:ln>
+            <a:noFill/>
+          </a:ln>
+        </p:spPr>
+        <p:txBody>
+          <a:bodyPr spcFirstLastPara="1" wrap="square" lIns="91425" tIns="91425" rIns="91425" bIns="91425" anchor="t" anchorCtr="0">
+            <a:spAutoFit/>
+          </a:bodyPr>
+          <a:lstStyle/>
+          <a:p>
+            <a:r>
+              <a:rPr lang="en-US" b="1" u="sng" dirty="0"/>
+              <a:t>Alerts</a:t>
+            </a:r>
+          </a:p>
+          <a:p>
+            <a:r>
+              <a:rPr lang="en-US" dirty="0"/>
+              <a:t>Bootstrap 5 provides an easy way to create predefined alert messages</a:t>
+            </a:r>
+            <a:r>
+              <a:rPr lang="en-US" dirty="0" smtClean="0"/>
               <a:t>:</a:t>
             </a:r>
-            <a:endParaRPr lang="en-US" sz="1200" dirty="0"/>
+          </a:p>
+          <a:p>
+            <a:endParaRPr lang="en-US" dirty="0"/>
+          </a:p>
+          <a:p>
+            <a:r>
+              <a:rPr lang="en-US" dirty="0"/>
+              <a:t>Alerts are created with the .alert class, followed by one of the contextual classes .alert-success, .alert-info, .alert-warning, .alert-danger, .alert-primary, .alert-secondary, .alert-light or .alert-dark</a:t>
+            </a:r>
+            <a:r>
+              <a:rPr lang="en-US" dirty="0" smtClean="0"/>
+              <a:t>:</a:t>
+            </a:r>
+          </a:p>
+          <a:p>
+            <a:endParaRPr lang="en-US" dirty="0"/>
+          </a:p>
+          <a:p>
+            <a:r>
+              <a:rPr lang="en-US" b="1" u="sng" dirty="0"/>
+              <a:t>Alert Links</a:t>
+            </a:r>
+          </a:p>
+          <a:p>
+            <a:r>
+              <a:rPr lang="en-US" dirty="0"/>
+              <a:t>Add the .alert-link class to any links inside the alert box to create "matching colored links":</a:t>
+            </a:r>
+          </a:p>
+          <a:p>
+            <a:endParaRPr lang="en-US" dirty="0" smtClean="0"/>
+          </a:p>
+          <a:p>
+            <a:r>
+              <a:rPr lang="en-US" b="1" u="sng" dirty="0"/>
+              <a:t>Closing Alerts</a:t>
+            </a:r>
+          </a:p>
+          <a:p>
+            <a:r>
+              <a:rPr lang="en-US" dirty="0"/>
+              <a:t>To close the alert message, add a .alert-dismissible class to the alert container. Then add class="</a:t>
+            </a:r>
+            <a:r>
+              <a:rPr lang="en-US" dirty="0" err="1"/>
+              <a:t>btn</a:t>
+            </a:r>
+            <a:r>
+              <a:rPr lang="en-US" dirty="0"/>
+              <a:t>-close" and data-</a:t>
+            </a:r>
+            <a:r>
+              <a:rPr lang="en-US" dirty="0" err="1"/>
+              <a:t>bs</a:t>
+            </a:r>
+            <a:r>
+              <a:rPr lang="en-US" dirty="0"/>
+              <a:t>-dismiss="alert" to a link or a button element (when you click on this the alert box will disappear</a:t>
+            </a:r>
+            <a:r>
+              <a:rPr lang="en-US" dirty="0" smtClean="0"/>
+              <a:t>).</a:t>
+            </a:r>
+          </a:p>
+          <a:p>
+            <a:endParaRPr lang="en-US" dirty="0"/>
+          </a:p>
+          <a:p>
+            <a:r>
+              <a:rPr lang="en-US" b="1" u="sng" dirty="0"/>
+              <a:t>Animated Alerts</a:t>
+            </a:r>
+          </a:p>
+          <a:p>
+            <a:r>
+              <a:rPr lang="en-US" dirty="0"/>
+              <a:t>The .fade and .show classes adds a fading effect when closing the alert message</a:t>
+            </a:r>
+            <a:r>
+              <a:rPr lang="en-US" dirty="0" smtClean="0"/>
+              <a:t>:</a:t>
+            </a:r>
+          </a:p>
+          <a:p>
+            <a:r>
+              <a:rPr lang="en-US" b="1" dirty="0">
+                <a:solidFill>
+                  <a:schemeClr val="tx1"/>
+                </a:solidFill>
+              </a:rPr>
+              <a:t>&lt;div class="alert alert-danger alert-dismissible fade show"&gt;</a:t>
+            </a:r>
           </a:p>
         </p:txBody>
       </p:sp>
